--- a/Informes/[Presentación]Detección de cáncer mediante redes neuronales artificiales.pptx
+++ b/Informes/[Presentación]Detección de cáncer mediante redes neuronales artificiales.pptx
@@ -7796,6 +7796,13 @@
   <p:clrMapOvr>
     <a:masterClrMapping/>
   </p:clrMapOvr>
+  <p:timing>
+    <p:tnLst>
+      <p:par>
+        <p:cTn id="1" dur="indefinite" restart="never" nodeType="tmRoot"/>
+      </p:par>
+    </p:tnLst>
+  </p:timing>
 </p:sld>
 </file>
 
@@ -8329,6 +8336,13 @@
   <p:clrMapOvr>
     <a:masterClrMapping/>
   </p:clrMapOvr>
+  <p:timing>
+    <p:tnLst>
+      <p:par>
+        <p:cTn id="1" dur="indefinite" restart="never" nodeType="tmRoot"/>
+      </p:par>
+    </p:tnLst>
+  </p:timing>
 </p:sld>
 </file>
 
@@ -8381,15 +8395,66 @@
             <p:ph idx="1"/>
           </p:nvPr>
         </p:nvSpPr>
-        <p:spPr/>
+        <p:spPr>
+          <a:xfrm>
+            <a:off x="680321" y="2728785"/>
+            <a:ext cx="9613861" cy="3599316"/>
+          </a:xfrm>
+        </p:spPr>
         <p:txBody>
           <a:bodyPr/>
           <a:lstStyle/>
           <a:p>
+            <a:r>
+              <a:rPr lang="es-ES" dirty="0" smtClean="0"/>
+              <a:t>Introducción de la entrada</a:t>
+            </a:r>
+          </a:p>
+          <a:p>
+            <a:endParaRPr lang="es-ES" dirty="0" smtClean="0"/>
+          </a:p>
+          <a:p>
+            <a:r>
+              <a:rPr lang="es-ES" dirty="0" smtClean="0"/>
+              <a:t>Obtención de una señal de error</a:t>
+            </a:r>
+          </a:p>
+          <a:p>
+            <a:endParaRPr lang="es-ES" dirty="0" smtClean="0"/>
+          </a:p>
+          <a:p>
+            <a:r>
+              <a:rPr lang="es-ES" dirty="0" smtClean="0"/>
+              <a:t>Propagación hacia atrás de la señal de error</a:t>
+            </a:r>
             <a:endParaRPr lang="es-ES" dirty="0"/>
           </a:p>
         </p:txBody>
       </p:sp>
+      <p:pic>
+        <p:nvPicPr>
+          <p:cNvPr id="4" name="Imagen 3"/>
+          <p:cNvPicPr>
+            <a:picLocks noChangeAspect="1"/>
+          </p:cNvPicPr>
+          <p:nvPr/>
+        </p:nvPicPr>
+        <p:blipFill>
+          <a:blip r:embed="rId2"/>
+          <a:stretch>
+            <a:fillRect/>
+          </a:stretch>
+        </p:blipFill>
+        <p:spPr>
+          <a:xfrm>
+            <a:off x="7462849" y="2728785"/>
+            <a:ext cx="3823007" cy="2387978"/>
+          </a:xfrm>
+          <a:prstGeom prst="rect">
+            <a:avLst/>
+          </a:prstGeom>
+        </p:spPr>
+      </p:pic>
     </p:spTree>
     <p:extLst>
       <p:ext uri="{BB962C8B-B14F-4D97-AF65-F5344CB8AC3E}">
@@ -8400,6 +8465,13 @@
   <p:clrMapOvr>
     <a:masterClrMapping/>
   </p:clrMapOvr>
+  <p:timing>
+    <p:tnLst>
+      <p:par>
+        <p:cTn id="1" dur="indefinite" restart="never" nodeType="tmRoot"/>
+      </p:par>
+    </p:tnLst>
+  </p:timing>
 </p:sld>
 </file>
 
@@ -8450,22 +8522,251 @@
           </a:p>
         </p:txBody>
       </p:sp>
-      <p:sp>
-        <p:nvSpPr>
-          <p:cNvPr id="3" name="Marcador de contenido 2"/>
-          <p:cNvSpPr>
-            <a:spLocks noGrp="1"/>
-          </p:cNvSpPr>
+      <p:pic>
+        <p:nvPicPr>
+          <p:cNvPr id="1026" name="Picture 2" descr="http://clustering.50webs.com/images/kohonen.jpg"/>
+          <p:cNvPicPr>
+            <a:picLocks noGrp="1" noChangeAspect="1" noChangeArrowheads="1"/>
+          </p:cNvPicPr>
           <p:nvPr>
             <p:ph idx="1"/>
           </p:nvPr>
-        </p:nvSpPr>
-        <p:spPr/>
-        <p:txBody>
-          <a:bodyPr/>
+        </p:nvPicPr>
+        <p:blipFill>
+          <a:blip r:embed="rId2">
+            <a:extLst>
+              <a:ext uri="{28A0092B-C50C-407E-A947-70E740481C1C}">
+                <a14:useLocalDpi xmlns:a14="http://schemas.microsoft.com/office/drawing/2010/main" val="0"/>
+              </a:ext>
+            </a:extLst>
+          </a:blip>
+          <a:srcRect/>
+          <a:stretch>
+            <a:fillRect/>
+          </a:stretch>
+        </p:blipFill>
+        <p:spPr bwMode="auto">
+          <a:xfrm>
+            <a:off x="7072950" y="2172588"/>
+            <a:ext cx="2286000" cy="1543050"/>
+          </a:xfrm>
+          <a:prstGeom prst="rect">
+            <a:avLst/>
+          </a:prstGeom>
+          <a:noFill/>
+          <a:extLst>
+            <a:ext uri="{909E8E84-426E-40DD-AFC4-6F175D3DCCD1}">
+              <a14:hiddenFill xmlns:a14="http://schemas.microsoft.com/office/drawing/2010/main">
+                <a:solidFill>
+                  <a:srgbClr val="FFFFFF"/>
+                </a:solidFill>
+              </a14:hiddenFill>
+            </a:ext>
+          </a:extLst>
+        </p:spPr>
+      </p:pic>
+      <p:pic>
+        <p:nvPicPr>
+          <p:cNvPr id="4" name="Imagen 3"/>
+          <p:cNvPicPr>
+            <a:picLocks noChangeAspect="1"/>
+          </p:cNvPicPr>
+          <p:nvPr/>
+        </p:nvPicPr>
+        <p:blipFill>
+          <a:blip r:embed="rId3"/>
+          <a:stretch>
+            <a:fillRect/>
+          </a:stretch>
+        </p:blipFill>
+        <p:spPr>
+          <a:xfrm>
+            <a:off x="10085969" y="2487197"/>
+            <a:ext cx="1704975" cy="3133725"/>
+          </a:xfrm>
+          <a:prstGeom prst="rect">
+            <a:avLst/>
+          </a:prstGeom>
+        </p:spPr>
+      </p:pic>
+      <p:sp>
+        <p:nvSpPr>
+          <p:cNvPr id="8" name="CuadroTexto 7"/>
+          <p:cNvSpPr txBox="1"/>
+          <p:nvPr/>
+        </p:nvSpPr>
+        <p:spPr>
+          <a:xfrm>
+            <a:off x="645854" y="2172588"/>
+            <a:ext cx="7691036" cy="1938992"/>
+          </a:xfrm>
+          <a:prstGeom prst="rect">
+            <a:avLst/>
+          </a:prstGeom>
+          <a:noFill/>
+        </p:spPr>
+        <p:txBody>
+          <a:bodyPr wrap="square" rtlCol="0">
+            <a:spAutoFit/>
+          </a:bodyPr>
           <a:lstStyle/>
           <a:p>
-            <a:endParaRPr lang="es-ES" dirty="0"/>
+            <a:pPr marL="285750" indent="-285750">
+              <a:buFont typeface="Arial" panose="020B0604020202020204" pitchFamily="34" charset="0"/>
+              <a:buChar char="•"/>
+            </a:pPr>
+            <a:r>
+              <a:rPr lang="es-ES" sz="2400" dirty="0" smtClean="0"/>
+              <a:t>1ª Fase: Mapa de </a:t>
+            </a:r>
+            <a:r>
+              <a:rPr lang="es-ES" sz="2400" dirty="0" err="1" smtClean="0"/>
+              <a:t>Kohonen</a:t>
+            </a:r>
+            <a:endParaRPr lang="es-ES" sz="2400" dirty="0" smtClean="0"/>
+          </a:p>
+          <a:p>
+            <a:pPr marL="285750" indent="-285750">
+              <a:buFont typeface="Arial" panose="020B0604020202020204" pitchFamily="34" charset="0"/>
+              <a:buChar char="•"/>
+            </a:pPr>
+            <a:endParaRPr lang="es-ES" sz="2400" dirty="0" smtClean="0"/>
+          </a:p>
+          <a:p>
+            <a:pPr marL="742950" lvl="1" indent="-285750">
+              <a:buFont typeface="Arial" panose="020B0604020202020204" pitchFamily="34" charset="0"/>
+              <a:buChar char="•"/>
+            </a:pPr>
+            <a:r>
+              <a:rPr lang="es-ES" sz="2400" dirty="0" smtClean="0"/>
+              <a:t>Entradas: Nº de variables</a:t>
+            </a:r>
+          </a:p>
+          <a:p>
+            <a:pPr marL="742950" lvl="1" indent="-285750">
+              <a:buFont typeface="Arial" panose="020B0604020202020204" pitchFamily="34" charset="0"/>
+              <a:buChar char="•"/>
+            </a:pPr>
+            <a:endParaRPr lang="es-ES" sz="2400" dirty="0" smtClean="0"/>
+          </a:p>
+          <a:p>
+            <a:pPr marL="742950" lvl="1" indent="-285750">
+              <a:buFont typeface="Arial" panose="020B0604020202020204" pitchFamily="34" charset="0"/>
+              <a:buChar char="•"/>
+            </a:pPr>
+            <a:r>
+              <a:rPr lang="es-ES" sz="2400" dirty="0" smtClean="0"/>
+              <a:t>Salidas: Nº de neuronas del mapa</a:t>
+            </a:r>
+            <a:endParaRPr lang="es-ES" sz="2400" dirty="0"/>
+          </a:p>
+        </p:txBody>
+      </p:sp>
+      <p:sp>
+        <p:nvSpPr>
+          <p:cNvPr id="10" name="Flecha doblada hacia arriba 9"/>
+          <p:cNvSpPr/>
+          <p:nvPr/>
+        </p:nvSpPr>
+        <p:spPr>
+          <a:xfrm rot="5400000">
+            <a:off x="8410322" y="3993271"/>
+            <a:ext cx="1307173" cy="1428750"/>
+          </a:xfrm>
+          <a:prstGeom prst="bentUpArrow">
+            <a:avLst/>
+          </a:prstGeom>
+        </p:spPr>
+        <p:style>
+          <a:lnRef idx="2">
+            <a:schemeClr val="accent1">
+              <a:shade val="50000"/>
+            </a:schemeClr>
+          </a:lnRef>
+          <a:fillRef idx="1">
+            <a:schemeClr val="accent1"/>
+          </a:fillRef>
+          <a:effectRef idx="0">
+            <a:schemeClr val="accent1"/>
+          </a:effectRef>
+          <a:fontRef idx="minor">
+            <a:schemeClr val="lt1"/>
+          </a:fontRef>
+        </p:style>
+        <p:txBody>
+          <a:bodyPr rtlCol="0" anchor="ctr"/>
+          <a:lstStyle/>
+          <a:p>
+            <a:pPr algn="ctr"/>
+            <a:endParaRPr lang="es-ES"/>
+          </a:p>
+        </p:txBody>
+      </p:sp>
+      <p:sp>
+        <p:nvSpPr>
+          <p:cNvPr id="11" name="CuadroTexto 10"/>
+          <p:cNvSpPr txBox="1"/>
+          <p:nvPr/>
+        </p:nvSpPr>
+        <p:spPr>
+          <a:xfrm>
+            <a:off x="680321" y="4450002"/>
+            <a:ext cx="7106367" cy="1938992"/>
+          </a:xfrm>
+          <a:prstGeom prst="rect">
+            <a:avLst/>
+          </a:prstGeom>
+          <a:noFill/>
+        </p:spPr>
+        <p:txBody>
+          <a:bodyPr wrap="square" rtlCol="0">
+            <a:spAutoFit/>
+          </a:bodyPr>
+          <a:lstStyle/>
+          <a:p>
+            <a:pPr marL="285750" indent="-285750">
+              <a:buFont typeface="Arial" panose="020B0604020202020204" pitchFamily="34" charset="0"/>
+              <a:buChar char="•"/>
+            </a:pPr>
+            <a:r>
+              <a:rPr lang="es-ES" sz="2400" dirty="0" smtClean="0"/>
+              <a:t>2ª Fase: Perceptrón simple</a:t>
+            </a:r>
+          </a:p>
+          <a:p>
+            <a:pPr marL="285750" indent="-285750">
+              <a:buFont typeface="Arial" panose="020B0604020202020204" pitchFamily="34" charset="0"/>
+              <a:buChar char="•"/>
+            </a:pPr>
+            <a:endParaRPr lang="es-ES" sz="2400" dirty="0" smtClean="0"/>
+          </a:p>
+          <a:p>
+            <a:pPr marL="742950" lvl="1" indent="-285750">
+              <a:buFont typeface="Arial" panose="020B0604020202020204" pitchFamily="34" charset="0"/>
+              <a:buChar char="•"/>
+            </a:pPr>
+            <a:r>
+              <a:rPr lang="es-ES" sz="2400" dirty="0" smtClean="0"/>
+              <a:t>Entradas: Nº de salidas del mapa</a:t>
+            </a:r>
+          </a:p>
+          <a:p>
+            <a:pPr marL="742950" lvl="1" indent="-285750">
+              <a:buFont typeface="Arial" panose="020B0604020202020204" pitchFamily="34" charset="0"/>
+              <a:buChar char="•"/>
+            </a:pPr>
+            <a:endParaRPr lang="es-ES" sz="2400" dirty="0" smtClean="0"/>
+          </a:p>
+          <a:p>
+            <a:pPr marL="742950" lvl="1" indent="-285750">
+              <a:buFont typeface="Arial" panose="020B0604020202020204" pitchFamily="34" charset="0"/>
+              <a:buChar char="•"/>
+            </a:pPr>
+            <a:r>
+              <a:rPr lang="es-ES" sz="2400" dirty="0" smtClean="0"/>
+              <a:t>Salidas: Una sola</a:t>
+            </a:r>
+            <a:endParaRPr lang="es-ES" sz="2400" dirty="0"/>
           </a:p>
         </p:txBody>
       </p:sp>
@@ -8479,6 +8780,301 @@
   <p:clrMapOvr>
     <a:masterClrMapping/>
   </p:clrMapOvr>
+  <p:timing>
+    <p:tnLst>
+      <p:par>
+        <p:cTn id="1" dur="indefinite" restart="never" nodeType="tmRoot">
+          <p:childTnLst>
+            <p:seq concurrent="1" nextAc="seek">
+              <p:cTn id="2" dur="indefinite" nodeType="mainSeq">
+                <p:childTnLst>
+                  <p:par>
+                    <p:cTn id="3" fill="hold">
+                      <p:stCondLst>
+                        <p:cond delay="indefinite"/>
+                      </p:stCondLst>
+                      <p:childTnLst>
+                        <p:par>
+                          <p:cTn id="4" fill="hold">
+                            <p:stCondLst>
+                              <p:cond delay="0"/>
+                            </p:stCondLst>
+                            <p:childTnLst>
+                              <p:par>
+                                <p:cTn id="5" presetID="53" presetClass="entr" presetSubtype="16" fill="hold" nodeType="clickEffect">
+                                  <p:stCondLst>
+                                    <p:cond delay="0"/>
+                                  </p:stCondLst>
+                                  <p:childTnLst>
+                                    <p:set>
+                                      <p:cBhvr>
+                                        <p:cTn id="6" dur="1" fill="hold">
+                                          <p:stCondLst>
+                                            <p:cond delay="0"/>
+                                          </p:stCondLst>
+                                        </p:cTn>
+                                        <p:tgtEl>
+                                          <p:spTgt spid="4"/>
+                                        </p:tgtEl>
+                                        <p:attrNameLst>
+                                          <p:attrName>style.visibility</p:attrName>
+                                        </p:attrNameLst>
+                                      </p:cBhvr>
+                                      <p:to>
+                                        <p:strVal val="visible"/>
+                                      </p:to>
+                                    </p:set>
+                                    <p:anim calcmode="lin" valueType="num">
+                                      <p:cBhvr>
+                                        <p:cTn id="7" dur="500" fill="hold"/>
+                                        <p:tgtEl>
+                                          <p:spTgt spid="4"/>
+                                        </p:tgtEl>
+                                        <p:attrNameLst>
+                                          <p:attrName>ppt_w</p:attrName>
+                                        </p:attrNameLst>
+                                      </p:cBhvr>
+                                      <p:tavLst>
+                                        <p:tav tm="0">
+                                          <p:val>
+                                            <p:fltVal val="0"/>
+                                          </p:val>
+                                        </p:tav>
+                                        <p:tav tm="100000">
+                                          <p:val>
+                                            <p:strVal val="#ppt_w"/>
+                                          </p:val>
+                                        </p:tav>
+                                      </p:tavLst>
+                                    </p:anim>
+                                    <p:anim calcmode="lin" valueType="num">
+                                      <p:cBhvr>
+                                        <p:cTn id="8" dur="500" fill="hold"/>
+                                        <p:tgtEl>
+                                          <p:spTgt spid="4"/>
+                                        </p:tgtEl>
+                                        <p:attrNameLst>
+                                          <p:attrName>ppt_h</p:attrName>
+                                        </p:attrNameLst>
+                                      </p:cBhvr>
+                                      <p:tavLst>
+                                        <p:tav tm="0">
+                                          <p:val>
+                                            <p:fltVal val="0"/>
+                                          </p:val>
+                                        </p:tav>
+                                        <p:tav tm="100000">
+                                          <p:val>
+                                            <p:strVal val="#ppt_h"/>
+                                          </p:val>
+                                        </p:tav>
+                                      </p:tavLst>
+                                    </p:anim>
+                                    <p:animEffect transition="in" filter="fade">
+                                      <p:cBhvr>
+                                        <p:cTn id="9" dur="500"/>
+                                        <p:tgtEl>
+                                          <p:spTgt spid="4"/>
+                                        </p:tgtEl>
+                                      </p:cBhvr>
+                                    </p:animEffect>
+                                  </p:childTnLst>
+                                </p:cTn>
+                              </p:par>
+                              <p:par>
+                                <p:cTn id="10" presetID="53" presetClass="entr" presetSubtype="16" fill="hold" grpId="0" nodeType="withEffect">
+                                  <p:stCondLst>
+                                    <p:cond delay="0"/>
+                                  </p:stCondLst>
+                                  <p:childTnLst>
+                                    <p:set>
+                                      <p:cBhvr>
+                                        <p:cTn id="11" dur="1" fill="hold">
+                                          <p:stCondLst>
+                                            <p:cond delay="0"/>
+                                          </p:stCondLst>
+                                        </p:cTn>
+                                        <p:tgtEl>
+                                          <p:spTgt spid="11"/>
+                                        </p:tgtEl>
+                                        <p:attrNameLst>
+                                          <p:attrName>style.visibility</p:attrName>
+                                        </p:attrNameLst>
+                                      </p:cBhvr>
+                                      <p:to>
+                                        <p:strVal val="visible"/>
+                                      </p:to>
+                                    </p:set>
+                                    <p:anim calcmode="lin" valueType="num">
+                                      <p:cBhvr>
+                                        <p:cTn id="12" dur="500" fill="hold"/>
+                                        <p:tgtEl>
+                                          <p:spTgt spid="11"/>
+                                        </p:tgtEl>
+                                        <p:attrNameLst>
+                                          <p:attrName>ppt_w</p:attrName>
+                                        </p:attrNameLst>
+                                      </p:cBhvr>
+                                      <p:tavLst>
+                                        <p:tav tm="0">
+                                          <p:val>
+                                            <p:fltVal val="0"/>
+                                          </p:val>
+                                        </p:tav>
+                                        <p:tav tm="100000">
+                                          <p:val>
+                                            <p:strVal val="#ppt_w"/>
+                                          </p:val>
+                                        </p:tav>
+                                      </p:tavLst>
+                                    </p:anim>
+                                    <p:anim calcmode="lin" valueType="num">
+                                      <p:cBhvr>
+                                        <p:cTn id="13" dur="500" fill="hold"/>
+                                        <p:tgtEl>
+                                          <p:spTgt spid="11"/>
+                                        </p:tgtEl>
+                                        <p:attrNameLst>
+                                          <p:attrName>ppt_h</p:attrName>
+                                        </p:attrNameLst>
+                                      </p:cBhvr>
+                                      <p:tavLst>
+                                        <p:tav tm="0">
+                                          <p:val>
+                                            <p:fltVal val="0"/>
+                                          </p:val>
+                                        </p:tav>
+                                        <p:tav tm="100000">
+                                          <p:val>
+                                            <p:strVal val="#ppt_h"/>
+                                          </p:val>
+                                        </p:tav>
+                                      </p:tavLst>
+                                    </p:anim>
+                                    <p:animEffect transition="in" filter="fade">
+                                      <p:cBhvr>
+                                        <p:cTn id="14" dur="500"/>
+                                        <p:tgtEl>
+                                          <p:spTgt spid="11"/>
+                                        </p:tgtEl>
+                                      </p:cBhvr>
+                                    </p:animEffect>
+                                  </p:childTnLst>
+                                </p:cTn>
+                              </p:par>
+                              <p:par>
+                                <p:cTn id="15" presetID="53" presetClass="entr" presetSubtype="16" fill="hold" grpId="0" nodeType="withEffect">
+                                  <p:stCondLst>
+                                    <p:cond delay="0"/>
+                                  </p:stCondLst>
+                                  <p:childTnLst>
+                                    <p:set>
+                                      <p:cBhvr>
+                                        <p:cTn id="16" dur="1" fill="hold">
+                                          <p:stCondLst>
+                                            <p:cond delay="0"/>
+                                          </p:stCondLst>
+                                        </p:cTn>
+                                        <p:tgtEl>
+                                          <p:spTgt spid="10"/>
+                                        </p:tgtEl>
+                                        <p:attrNameLst>
+                                          <p:attrName>style.visibility</p:attrName>
+                                        </p:attrNameLst>
+                                      </p:cBhvr>
+                                      <p:to>
+                                        <p:strVal val="visible"/>
+                                      </p:to>
+                                    </p:set>
+                                    <p:anim calcmode="lin" valueType="num">
+                                      <p:cBhvr>
+                                        <p:cTn id="17" dur="500" fill="hold"/>
+                                        <p:tgtEl>
+                                          <p:spTgt spid="10"/>
+                                        </p:tgtEl>
+                                        <p:attrNameLst>
+                                          <p:attrName>ppt_w</p:attrName>
+                                        </p:attrNameLst>
+                                      </p:cBhvr>
+                                      <p:tavLst>
+                                        <p:tav tm="0">
+                                          <p:val>
+                                            <p:fltVal val="0"/>
+                                          </p:val>
+                                        </p:tav>
+                                        <p:tav tm="100000">
+                                          <p:val>
+                                            <p:strVal val="#ppt_w"/>
+                                          </p:val>
+                                        </p:tav>
+                                      </p:tavLst>
+                                    </p:anim>
+                                    <p:anim calcmode="lin" valueType="num">
+                                      <p:cBhvr>
+                                        <p:cTn id="18" dur="500" fill="hold"/>
+                                        <p:tgtEl>
+                                          <p:spTgt spid="10"/>
+                                        </p:tgtEl>
+                                        <p:attrNameLst>
+                                          <p:attrName>ppt_h</p:attrName>
+                                        </p:attrNameLst>
+                                      </p:cBhvr>
+                                      <p:tavLst>
+                                        <p:tav tm="0">
+                                          <p:val>
+                                            <p:fltVal val="0"/>
+                                          </p:val>
+                                        </p:tav>
+                                        <p:tav tm="100000">
+                                          <p:val>
+                                            <p:strVal val="#ppt_h"/>
+                                          </p:val>
+                                        </p:tav>
+                                      </p:tavLst>
+                                    </p:anim>
+                                    <p:animEffect transition="in" filter="fade">
+                                      <p:cBhvr>
+                                        <p:cTn id="19" dur="500"/>
+                                        <p:tgtEl>
+                                          <p:spTgt spid="10"/>
+                                        </p:tgtEl>
+                                      </p:cBhvr>
+                                    </p:animEffect>
+                                  </p:childTnLst>
+                                </p:cTn>
+                              </p:par>
+                            </p:childTnLst>
+                          </p:cTn>
+                        </p:par>
+                      </p:childTnLst>
+                    </p:cTn>
+                  </p:par>
+                </p:childTnLst>
+              </p:cTn>
+              <p:prevCondLst>
+                <p:cond evt="onPrev" delay="0">
+                  <p:tgtEl>
+                    <p:sldTgt/>
+                  </p:tgtEl>
+                </p:cond>
+              </p:prevCondLst>
+              <p:nextCondLst>
+                <p:cond evt="onNext" delay="0">
+                  <p:tgtEl>
+                    <p:sldTgt/>
+                  </p:tgtEl>
+                </p:cond>
+              </p:nextCondLst>
+            </p:seq>
+          </p:childTnLst>
+        </p:cTn>
+      </p:par>
+    </p:tnLst>
+    <p:bldLst>
+      <p:bldP spid="10" grpId="0" animBg="1"/>
+      <p:bldP spid="11" grpId="0"/>
+    </p:bldLst>
+  </p:timing>
 </p:sld>
 </file>
 
@@ -8533,8 +9129,8 @@
         </p:nvSpPr>
         <p:spPr>
           <a:xfrm>
-            <a:off x="1853496" y="2213209"/>
-            <a:ext cx="3505785" cy="2168015"/>
+            <a:off x="1853496" y="2213210"/>
+            <a:ext cx="3505785" cy="1547422"/>
           </a:xfrm>
         </p:spPr>
         <p:txBody>
@@ -8577,7 +9173,7 @@
         </p:nvSpPr>
         <p:spPr>
           <a:xfrm>
-            <a:off x="6405867" y="2616433"/>
+            <a:off x="5929348" y="2610170"/>
             <a:ext cx="4844477" cy="1938992"/>
           </a:xfrm>
           <a:prstGeom prst="rect">
@@ -8596,9 +9192,10 @@
               <a:buChar char="•"/>
             </a:pPr>
             <a:r>
-              <a:rPr lang="es-ES" sz="2400" dirty="0"/>
-              <a:t>Si/No</a:t>
-            </a:r>
+              <a:rPr lang="es-ES" sz="2400" dirty="0" smtClean="0"/>
+              <a:t>Cáncer(Si/No)</a:t>
+            </a:r>
+            <a:endParaRPr lang="es-ES" sz="2400" dirty="0"/>
           </a:p>
           <a:p>
             <a:pPr marL="342900" indent="-342900">
@@ -8672,7 +9269,7 @@
         </p:blipFill>
         <p:spPr>
           <a:xfrm>
-            <a:off x="1754730" y="3867427"/>
+            <a:off x="1853496" y="3918965"/>
             <a:ext cx="3082401" cy="1027594"/>
           </a:xfrm>
           <a:prstGeom prst="rect">
@@ -8690,6 +9287,13 @@
   <p:clrMapOvr>
     <a:masterClrMapping/>
   </p:clrMapOvr>
+  <p:timing>
+    <p:tnLst>
+      <p:par>
+        <p:cTn id="1" dur="indefinite" restart="never" nodeType="tmRoot"/>
+      </p:par>
+    </p:tnLst>
+  </p:timing>
 </p:sld>
 </file>
 
@@ -8751,69 +9355,69 @@
           <a:lstStyle/>
           <a:p>
             <a:r>
-              <a:rPr lang="es-ES" dirty="0"/>
-              <a:t>División de conjuntos de datos</a:t>
-            </a:r>
-          </a:p>
-          <a:p>
-            <a:pPr lvl="1"/>
-            <a:endParaRPr lang="es-ES" dirty="0"/>
-          </a:p>
-          <a:p>
-            <a:pPr lvl="1"/>
-            <a:r>
-              <a:rPr lang="es-ES" dirty="0"/>
-              <a:t>Datos de entrenamiento (50%)</a:t>
-            </a:r>
-          </a:p>
-          <a:p>
-            <a:pPr marL="457200" lvl="1" indent="0">
-              <a:buNone/>
-            </a:pPr>
-            <a:endParaRPr lang="es-ES" dirty="0"/>
-          </a:p>
-          <a:p>
-            <a:pPr lvl="1"/>
-            <a:r>
-              <a:rPr lang="es-ES" dirty="0"/>
-              <a:t>Datos de validación (25%)</a:t>
-            </a:r>
-          </a:p>
-          <a:p>
-            <a:pPr lvl="1"/>
-            <a:endParaRPr lang="es-ES" dirty="0"/>
-          </a:p>
-          <a:p>
-            <a:pPr lvl="1"/>
-            <a:r>
-              <a:rPr lang="es-ES" dirty="0"/>
-              <a:t>Datos de testeo (25%)</a:t>
+              <a:rPr lang="es-ES" dirty="0" smtClean="0"/>
+              <a:t>Eliminación de columnas poco significativas</a:t>
+            </a:r>
+          </a:p>
+          <a:p>
+            <a:endParaRPr lang="es-ES" dirty="0" smtClean="0"/>
+          </a:p>
+          <a:p>
+            <a:r>
+              <a:rPr lang="es-ES" dirty="0" smtClean="0"/>
+              <a:t>Sustitución de datos nulos</a:t>
+            </a:r>
+          </a:p>
+          <a:p>
+            <a:endParaRPr lang="es-ES" dirty="0" smtClean="0"/>
+          </a:p>
+          <a:p>
+            <a:r>
+              <a:rPr lang="es-ES" dirty="0" smtClean="0"/>
+              <a:t>Normalización</a:t>
             </a:r>
           </a:p>
         </p:txBody>
       </p:sp>
       <p:pic>
         <p:nvPicPr>
-          <p:cNvPr id="5" name="Imagen 4"/>
+          <p:cNvPr id="2050" name="Picture 2" descr="https://upload.wikimedia.org/wikipedia/commons/0/07/Weka_(software)_logo.png"/>
           <p:cNvPicPr>
-            <a:picLocks noChangeAspect="1"/>
+            <a:picLocks noChangeAspect="1" noChangeArrowheads="1"/>
           </p:cNvPicPr>
           <p:nvPr/>
         </p:nvPicPr>
         <p:blipFill>
-          <a:blip r:embed="rId2"/>
+          <a:blip r:embed="rId2">
+            <a:extLst>
+              <a:ext uri="{28A0092B-C50C-407E-A947-70E740481C1C}">
+                <a14:useLocalDpi xmlns:a14="http://schemas.microsoft.com/office/drawing/2010/main" val="0"/>
+              </a:ext>
+            </a:extLst>
+          </a:blip>
+          <a:srcRect/>
           <a:stretch>
             <a:fillRect/>
           </a:stretch>
         </p:blipFill>
-        <p:spPr>
-          <a:xfrm>
-            <a:off x="7794145" y="3233092"/>
-            <a:ext cx="2500037" cy="1313151"/>
+        <p:spPr bwMode="auto">
+          <a:xfrm>
+            <a:off x="8668511" y="2336873"/>
+            <a:ext cx="1885950" cy="990601"/>
           </a:xfrm>
           <a:prstGeom prst="rect">
             <a:avLst/>
           </a:prstGeom>
+          <a:noFill/>
+          <a:extLst>
+            <a:ext uri="{909E8E84-426E-40DD-AFC4-6F175D3DCCD1}">
+              <a14:hiddenFill xmlns:a14="http://schemas.microsoft.com/office/drawing/2010/main">
+                <a:solidFill>
+                  <a:srgbClr val="FFFFFF"/>
+                </a:solidFill>
+              </a14:hiddenFill>
+            </a:ext>
+          </a:extLst>
         </p:spPr>
       </p:pic>
     </p:spTree>
@@ -8826,6 +9430,13 @@
   <p:clrMapOvr>
     <a:masterClrMapping/>
   </p:clrMapOvr>
+  <p:timing>
+    <p:tnLst>
+      <p:par>
+        <p:cTn id="1" dur="indefinite" restart="never" nodeType="tmRoot"/>
+      </p:par>
+    </p:tnLst>
+  </p:timing>
 </p:sld>
 </file>
 
@@ -8954,6 +9565,13 @@
   <p:clrMapOvr>
     <a:masterClrMapping/>
   </p:clrMapOvr>
+  <p:timing>
+    <p:tnLst>
+      <p:par>
+        <p:cTn id="1" dur="indefinite" restart="never" nodeType="tmRoot"/>
+      </p:par>
+    </p:tnLst>
+  </p:timing>
 </p:sld>
 </file>
 

--- a/Informes/[Presentación]Detección de cáncer mediante redes neuronales artificiales.pptx
+++ b/Informes/[Presentación]Detección de cáncer mediante redes neuronales artificiales.pptx
@@ -6,19 +6,25 @@
   </p:sldMasterIdLst>
   <p:sldIdLst>
     <p:sldId id="256" r:id="rId2"/>
-    <p:sldId id="257" r:id="rId3"/>
-    <p:sldId id="265" r:id="rId4"/>
-    <p:sldId id="266" r:id="rId5"/>
-    <p:sldId id="258" r:id="rId6"/>
-    <p:sldId id="262" r:id="rId7"/>
-    <p:sldId id="259" r:id="rId8"/>
-    <p:sldId id="267" r:id="rId9"/>
-    <p:sldId id="268" r:id="rId10"/>
-    <p:sldId id="271" r:id="rId11"/>
-    <p:sldId id="269" r:id="rId12"/>
-    <p:sldId id="270" r:id="rId13"/>
-    <p:sldId id="272" r:id="rId14"/>
-    <p:sldId id="273" r:id="rId15"/>
+    <p:sldId id="274" r:id="rId3"/>
+    <p:sldId id="275" r:id="rId4"/>
+    <p:sldId id="257" r:id="rId5"/>
+    <p:sldId id="265" r:id="rId6"/>
+    <p:sldId id="266" r:id="rId7"/>
+    <p:sldId id="258" r:id="rId8"/>
+    <p:sldId id="262" r:id="rId9"/>
+    <p:sldId id="259" r:id="rId10"/>
+    <p:sldId id="267" r:id="rId11"/>
+    <p:sldId id="268" r:id="rId12"/>
+    <p:sldId id="271" r:id="rId13"/>
+    <p:sldId id="269" r:id="rId14"/>
+    <p:sldId id="270" r:id="rId15"/>
+    <p:sldId id="272" r:id="rId16"/>
+    <p:sldId id="276" r:id="rId17"/>
+    <p:sldId id="277" r:id="rId18"/>
+    <p:sldId id="273" r:id="rId19"/>
+    <p:sldId id="278" r:id="rId20"/>
+    <p:sldId id="279" r:id="rId21"/>
   </p:sldIdLst>
   <p:sldSz cx="12192000" cy="6858000"/>
   <p:notesSz cx="6858000" cy="9144000"/>
@@ -411,7 +417,7 @@
           <a:p>
             <a:fld id="{78ABE3C1-DBE1-495D-B57B-2849774B866A}" type="datetimeFigureOut">
               <a:rPr lang="en-US" dirty="0"/>
-              <a:t>7/6/2016</a:t>
+              <a:t>7/10/2016</a:t>
             </a:fld>
             <a:endParaRPr lang="en-US" dirty="0"/>
           </a:p>
@@ -844,7 +850,7 @@
           <a:p>
             <a:fld id="{446C117F-5CCF-4837-BE5F-2B92066CAFAF}" type="datetimeFigureOut">
               <a:rPr lang="en-US" dirty="0"/>
-              <a:t>7/6/2016</a:t>
+              <a:t>7/10/2016</a:t>
             </a:fld>
             <a:endParaRPr lang="en-US" dirty="0"/>
           </a:p>
@@ -1175,7 +1181,7 @@
           <a:p>
             <a:fld id="{84EB90BD-B6CE-46B7-997F-7313B992CCDC}" type="datetimeFigureOut">
               <a:rPr lang="en-US" dirty="0"/>
-              <a:t>7/6/2016</a:t>
+              <a:t>7/10/2016</a:t>
             </a:fld>
             <a:endParaRPr lang="en-US" dirty="0"/>
           </a:p>
@@ -1575,7 +1581,7 @@
           <a:p>
             <a:fld id="{CDB9D11F-B188-461D-B23F-39381795C052}" type="datetimeFigureOut">
               <a:rPr lang="en-US" dirty="0"/>
-              <a:t>7/6/2016</a:t>
+              <a:t>7/10/2016</a:t>
             </a:fld>
             <a:endParaRPr lang="en-US" dirty="0"/>
           </a:p>
@@ -2138,7 +2144,7 @@
           <a:p>
             <a:fld id="{52E6D8D9-55A2-4063-B0F3-121F44549695}" type="datetimeFigureOut">
               <a:rPr lang="en-US" dirty="0"/>
-              <a:t>7/6/2016</a:t>
+              <a:t>7/10/2016</a:t>
             </a:fld>
             <a:endParaRPr lang="en-US" dirty="0"/>
           </a:p>
@@ -2814,7 +2820,7 @@
           <a:p>
             <a:fld id="{D4B24536-994D-4021-A283-9F449C0DB509}" type="datetimeFigureOut">
               <a:rPr lang="en-US" dirty="0"/>
-              <a:t>7/6/2016</a:t>
+              <a:t>7/10/2016</a:t>
             </a:fld>
             <a:endParaRPr lang="en-US" dirty="0"/>
           </a:p>
@@ -3722,7 +3728,7 @@
           <a:p>
             <a:fld id="{3CBBBB78-C96F-47B7-AB17-D852CA960AC9}" type="datetimeFigureOut">
               <a:rPr lang="en-US" dirty="0"/>
-              <a:t>7/6/2016</a:t>
+              <a:t>7/10/2016</a:t>
             </a:fld>
             <a:endParaRPr lang="en-US" dirty="0"/>
           </a:p>
@@ -4030,7 +4036,7 @@
           <a:p>
             <a:fld id="{1FA3F48C-C7C6-4055-9F49-3777875E72AE}" type="datetimeFigureOut">
               <a:rPr lang="en-US" dirty="0"/>
-              <a:t>7/6/2016</a:t>
+              <a:t>7/10/2016</a:t>
             </a:fld>
             <a:endParaRPr lang="en-US" dirty="0"/>
           </a:p>
@@ -4289,7 +4295,7 @@
           <a:p>
             <a:fld id="{6178E61D-D431-422C-9764-11DAFE33AB63}" type="datetimeFigureOut">
               <a:rPr lang="en-US" dirty="0"/>
-              <a:t>7/6/2016</a:t>
+              <a:t>7/10/2016</a:t>
             </a:fld>
             <a:endParaRPr lang="en-US" dirty="0"/>
           </a:p>
@@ -4608,7 +4614,7 @@
           <a:p>
             <a:fld id="{12DE42F4-6EEF-4EF7-8ED4-2208F0F89A08}" type="datetimeFigureOut">
               <a:rPr lang="en-US" dirty="0"/>
-              <a:t>7/6/2016</a:t>
+              <a:t>7/10/2016</a:t>
             </a:fld>
             <a:endParaRPr lang="en-US" dirty="0"/>
           </a:p>
@@ -4678,6 +4684,11 @@
           <a:prstGeom prst="rect">
             <a:avLst/>
           </a:prstGeom>
+          <a:ln>
+            <a:solidFill>
+              <a:schemeClr val="tx1"/>
+            </a:solidFill>
+          </a:ln>
         </p:spPr>
       </p:pic>
     </p:spTree>
@@ -5016,7 +5027,7 @@
           <a:p>
             <a:fld id="{30578ACC-22D6-47C1-A373-4FD133E34F3C}" type="datetimeFigureOut">
               <a:rPr lang="en-US" dirty="0"/>
-              <a:t>7/6/2016</a:t>
+              <a:t>7/10/2016</a:t>
             </a:fld>
             <a:endParaRPr lang="en-US" dirty="0"/>
           </a:p>
@@ -5387,7 +5398,7 @@
           <a:p>
             <a:fld id="{4E5A6C69-6797-4E8A-BF37-F2C3751466E9}" type="datetimeFigureOut">
               <a:rPr lang="en-US" dirty="0"/>
-              <a:t>7/6/2016</a:t>
+              <a:t>7/10/2016</a:t>
             </a:fld>
             <a:endParaRPr lang="en-US" dirty="0"/>
           </a:p>
@@ -5888,7 +5899,7 @@
           <a:p>
             <a:fld id="{D82014A1-A632-4878-A0D3-F52BA7563730}" type="datetimeFigureOut">
               <a:rPr lang="en-US" dirty="0"/>
-              <a:t>7/6/2016</a:t>
+              <a:t>7/10/2016</a:t>
             </a:fld>
             <a:endParaRPr lang="en-US" dirty="0"/>
           </a:p>
@@ -6140,7 +6151,7 @@
           <a:p>
             <a:fld id="{CE99F462-093F-4566-844B-4C71F2739DA5}" type="datetimeFigureOut">
               <a:rPr lang="en-US" dirty="0"/>
-              <a:t>7/6/2016</a:t>
+              <a:t>7/10/2016</a:t>
             </a:fld>
             <a:endParaRPr lang="en-US" dirty="0"/>
           </a:p>
@@ -6298,7 +6309,7 @@
           <a:p>
             <a:fld id="{3D24A7AC-904D-4781-85BA-7D10C17ED021}" type="datetimeFigureOut">
               <a:rPr lang="en-US" dirty="0"/>
-              <a:t>7/6/2016</a:t>
+              <a:t>7/10/2016</a:t>
             </a:fld>
             <a:endParaRPr lang="en-US" dirty="0"/>
           </a:p>
@@ -6683,7 +6694,7 @@
           <a:p>
             <a:fld id="{E331444B-B92B-4E27-8C94-BB93EAF5CB18}" type="datetimeFigureOut">
               <a:rPr lang="en-US" dirty="0"/>
-              <a:t>7/6/2016</a:t>
+              <a:t>7/10/2016</a:t>
             </a:fld>
             <a:endParaRPr lang="en-US" dirty="0"/>
           </a:p>
@@ -7087,7 +7098,7 @@
           <a:p>
             <a:fld id="{363EFA5E-FA76-400D-B3DC-F0BA90E6D107}" type="datetimeFigureOut">
               <a:rPr lang="en-US" dirty="0"/>
-              <a:t>7/6/2016</a:t>
+              <a:t>7/10/2016</a:t>
             </a:fld>
             <a:endParaRPr lang="en-US" dirty="0"/>
           </a:p>
@@ -7326,7 +7337,7 @@
           <a:p>
             <a:fld id="{9D6E9DEC-419B-4CC5-A080-3B06BD5A8291}" type="datetimeFigureOut">
               <a:rPr lang="en-US" dirty="0"/>
-              <a:t>7/6/2016</a:t>
+              <a:t>7/10/2016</a:t>
             </a:fld>
             <a:endParaRPr lang="en-US" dirty="0"/>
           </a:p>
@@ -7744,14 +7755,19 @@
             <p:ph type="ctrTitle"/>
           </p:nvPr>
         </p:nvSpPr>
-        <p:spPr/>
+        <p:spPr>
+          <a:xfrm>
+            <a:off x="167780" y="2733709"/>
+            <a:ext cx="8656676" cy="1373070"/>
+          </a:xfrm>
+        </p:spPr>
         <p:txBody>
           <a:bodyPr/>
           <a:lstStyle/>
           <a:p>
             <a:r>
               <a:rPr lang="es-ES" sz="4800" dirty="0"/>
-              <a:t>Redes neuronales artificiales aplicadas a la medicina</a:t>
+              <a:t>Detección de cáncer mediante redes neuronales artificiales</a:t>
             </a:r>
           </a:p>
         </p:txBody>
@@ -7769,7 +7785,7 @@
         <p:spPr/>
         <p:txBody>
           <a:bodyPr>
-            <a:normAutofit/>
+            <a:normAutofit lnSpcReduction="10000"/>
           </a:bodyPr>
           <a:lstStyle/>
           <a:p>
@@ -7781,7 +7797,13 @@
           <a:p>
             <a:r>
               <a:rPr lang="es-ES" dirty="0"/>
-              <a:t>Director: Patricio García Báez</a:t>
+              <a:t>Tutor: Patricio García Báez</a:t>
+            </a:r>
+          </a:p>
+          <a:p>
+            <a:r>
+              <a:rPr lang="es-ES" dirty="0"/>
+              <a:t>Co-Tutora: Carmen Paz Suárez Araujo</a:t>
             </a:r>
           </a:p>
         </p:txBody>
@@ -7796,13 +7818,6 @@
   <p:clrMapOvr>
     <a:masterClrMapping/>
   </p:clrMapOvr>
-  <p:timing>
-    <p:tnLst>
-      <p:par>
-        <p:cTn id="1" dur="indefinite" restart="never" nodeType="tmRoot"/>
-      </p:par>
-    </p:tnLst>
-  </p:timing>
 </p:sld>
 </file>
 
@@ -7830,7 +7845,7 @@
             <a:spLocks noGrp="1"/>
           </p:cNvSpPr>
           <p:nvPr>
-            <p:ph type="title"/>
+            <p:ph type="ctrTitle"/>
           </p:nvPr>
         </p:nvSpPr>
         <p:spPr/>
@@ -7840,34 +7855,15 @@
           <a:p>
             <a:r>
               <a:rPr lang="es-ES" dirty="0"/>
-              <a:t>Resultados de análisis de Back-Propagation</a:t>
-            </a:r>
-          </a:p>
-        </p:txBody>
-      </p:sp>
-      <p:sp>
-        <p:nvSpPr>
-          <p:cNvPr id="3" name="Marcador de contenido 2"/>
-          <p:cNvSpPr>
-            <a:spLocks noGrp="1"/>
-          </p:cNvSpPr>
-          <p:nvPr>
-            <p:ph idx="1"/>
-          </p:nvPr>
-        </p:nvSpPr>
-        <p:spPr/>
-        <p:txBody>
-          <a:bodyPr/>
-          <a:lstStyle/>
-          <a:p>
-            <a:endParaRPr lang="es-ES"/>
+              <a:t>Análisis</a:t>
+            </a:r>
           </a:p>
         </p:txBody>
       </p:sp>
     </p:spTree>
     <p:extLst>
       <p:ext uri="{BB962C8B-B14F-4D97-AF65-F5344CB8AC3E}">
-        <p14:creationId xmlns:p14="http://schemas.microsoft.com/office/powerpoint/2010/main" val="1599562404"/>
+        <p14:creationId xmlns:p14="http://schemas.microsoft.com/office/powerpoint/2010/main" val="2063011008"/>
       </p:ext>
     </p:extLst>
   </p:cSld>
@@ -7911,15 +7907,7 @@
           <a:p>
             <a:r>
               <a:rPr lang="es-ES" dirty="0"/>
-              <a:t>Análisis con </a:t>
-            </a:r>
-            <a:r>
-              <a:rPr lang="es-ES" dirty="0" err="1"/>
-              <a:t>Counter</a:t>
-            </a:r>
-            <a:r>
-              <a:rPr lang="es-ES" dirty="0"/>
-              <a:t>-Propagation</a:t>
+              <a:t>Análisis con Back-Propagation</a:t>
             </a:r>
           </a:p>
         </p:txBody>
@@ -7934,25 +7922,1202 @@
             <p:ph idx="1"/>
           </p:nvPr>
         </p:nvSpPr>
-        <p:spPr/>
+        <p:spPr>
+          <a:xfrm>
+            <a:off x="680321" y="2575959"/>
+            <a:ext cx="3405118" cy="3599316"/>
+          </a:xfrm>
+        </p:spPr>
         <p:txBody>
           <a:bodyPr/>
           <a:lstStyle/>
           <a:p>
+            <a:r>
+              <a:rPr lang="es-ES" dirty="0"/>
+              <a:t>Primera prueba</a:t>
+            </a:r>
+          </a:p>
+          <a:p>
+            <a:endParaRPr lang="es-ES" dirty="0"/>
+          </a:p>
+          <a:p>
+            <a:r>
+              <a:rPr lang="es-ES" dirty="0"/>
+              <a:t>Neuronas ocultas</a:t>
+            </a:r>
+          </a:p>
+          <a:p>
+            <a:endParaRPr lang="es-ES" dirty="0"/>
+          </a:p>
+          <a:p>
+            <a:r>
+              <a:rPr lang="es-ES" dirty="0"/>
+              <a:t>Ratio de aprendizaje</a:t>
+            </a:r>
+          </a:p>
+          <a:p>
+            <a:endParaRPr lang="es-ES" dirty="0"/>
+          </a:p>
+          <a:p>
+            <a:r>
+              <a:rPr lang="es-ES" dirty="0"/>
+              <a:t>Momentum</a:t>
+            </a:r>
+          </a:p>
+        </p:txBody>
+      </p:sp>
+      <p:sp>
+        <p:nvSpPr>
+          <p:cNvPr id="4" name="CuadroTexto 3"/>
+          <p:cNvSpPr txBox="1"/>
+          <p:nvPr/>
+        </p:nvSpPr>
+        <p:spPr>
+          <a:xfrm>
+            <a:off x="4446165" y="2376356"/>
+            <a:ext cx="4504888" cy="923330"/>
+          </a:xfrm>
+          <a:prstGeom prst="rect">
+            <a:avLst/>
+          </a:prstGeom>
+          <a:noFill/>
+        </p:spPr>
+        <p:txBody>
+          <a:bodyPr wrap="square" rtlCol="0">
+            <a:spAutoFit/>
+          </a:bodyPr>
+          <a:lstStyle/>
+          <a:p>
+            <a:pPr marL="285750" indent="-285750">
+              <a:buFont typeface="Arial" panose="020B0604020202020204" pitchFamily="34" charset="0"/>
+              <a:buChar char="•"/>
+            </a:pPr>
+            <a:r>
+              <a:rPr lang="es-ES" dirty="0"/>
+              <a:t>Neuronas Ocultas -&gt; 25</a:t>
+            </a:r>
+          </a:p>
+          <a:p>
+            <a:pPr marL="285750" indent="-285750">
+              <a:buFont typeface="Arial" panose="020B0604020202020204" pitchFamily="34" charset="0"/>
+              <a:buChar char="•"/>
+            </a:pPr>
+            <a:r>
+              <a:rPr lang="es-ES" dirty="0"/>
+              <a:t>Ratio de aprendizaje -&gt; 0,0001</a:t>
+            </a:r>
+          </a:p>
+          <a:p>
+            <a:pPr marL="285750" indent="-285750">
+              <a:buFont typeface="Arial" panose="020B0604020202020204" pitchFamily="34" charset="0"/>
+              <a:buChar char="•"/>
+            </a:pPr>
+            <a:r>
+              <a:rPr lang="es-ES" dirty="0"/>
+              <a:t>Momentum -&gt; 0,1</a:t>
+            </a:r>
+          </a:p>
+        </p:txBody>
+      </p:sp>
+      <p:sp>
+        <p:nvSpPr>
+          <p:cNvPr id="5" name="Flecha derecha 4"/>
+          <p:cNvSpPr/>
+          <p:nvPr/>
+        </p:nvSpPr>
+        <p:spPr>
+          <a:xfrm>
+            <a:off x="3505708" y="2559451"/>
+            <a:ext cx="830510" cy="478173"/>
+          </a:xfrm>
+          <a:prstGeom prst="rightArrow">
+            <a:avLst/>
+          </a:prstGeom>
+        </p:spPr>
+        <p:style>
+          <a:lnRef idx="2">
+            <a:schemeClr val="accent1">
+              <a:shade val="50000"/>
+            </a:schemeClr>
+          </a:lnRef>
+          <a:fillRef idx="1">
+            <a:schemeClr val="accent1"/>
+          </a:fillRef>
+          <a:effectRef idx="0">
+            <a:schemeClr val="accent1"/>
+          </a:effectRef>
+          <a:fontRef idx="minor">
+            <a:schemeClr val="lt1"/>
+          </a:fontRef>
+        </p:style>
+        <p:txBody>
+          <a:bodyPr rtlCol="0" anchor="ctr"/>
+          <a:lstStyle/>
+          <a:p>
+            <a:pPr algn="ctr"/>
             <a:endParaRPr lang="es-ES"/>
+          </a:p>
+        </p:txBody>
+      </p:sp>
+      <p:sp>
+        <p:nvSpPr>
+          <p:cNvPr id="6" name="Flecha derecha 5"/>
+          <p:cNvSpPr/>
+          <p:nvPr/>
+        </p:nvSpPr>
+        <p:spPr>
+          <a:xfrm>
+            <a:off x="3514097" y="3466250"/>
+            <a:ext cx="830510" cy="511729"/>
+          </a:xfrm>
+          <a:prstGeom prst="rightArrow">
+            <a:avLst/>
+          </a:prstGeom>
+        </p:spPr>
+        <p:style>
+          <a:lnRef idx="2">
+            <a:schemeClr val="accent1">
+              <a:shade val="50000"/>
+            </a:schemeClr>
+          </a:lnRef>
+          <a:fillRef idx="1">
+            <a:schemeClr val="accent1"/>
+          </a:fillRef>
+          <a:effectRef idx="0">
+            <a:schemeClr val="accent1"/>
+          </a:effectRef>
+          <a:fontRef idx="minor">
+            <a:schemeClr val="lt1"/>
+          </a:fontRef>
+        </p:style>
+        <p:txBody>
+          <a:bodyPr rtlCol="0" anchor="ctr"/>
+          <a:lstStyle/>
+          <a:p>
+            <a:pPr algn="ctr"/>
+            <a:endParaRPr lang="es-ES"/>
+          </a:p>
+        </p:txBody>
+      </p:sp>
+      <p:sp>
+        <p:nvSpPr>
+          <p:cNvPr id="7" name="CuadroTexto 6"/>
+          <p:cNvSpPr txBox="1"/>
+          <p:nvPr/>
+        </p:nvSpPr>
+        <p:spPr>
+          <a:xfrm>
+            <a:off x="4446165" y="3375486"/>
+            <a:ext cx="3733101" cy="646331"/>
+          </a:xfrm>
+          <a:prstGeom prst="rect">
+            <a:avLst/>
+          </a:prstGeom>
+          <a:noFill/>
+        </p:spPr>
+        <p:txBody>
+          <a:bodyPr wrap="square" rtlCol="0">
+            <a:spAutoFit/>
+          </a:bodyPr>
+          <a:lstStyle/>
+          <a:p>
+            <a:pPr marL="285750" indent="-285750">
+              <a:buFont typeface="Arial" panose="020B0604020202020204" pitchFamily="34" charset="0"/>
+              <a:buChar char="•"/>
+            </a:pPr>
+            <a:r>
+              <a:rPr lang="es-ES" dirty="0"/>
+              <a:t>Rango -&gt; 5 a 100</a:t>
+            </a:r>
+          </a:p>
+          <a:p>
+            <a:pPr marL="285750" indent="-285750">
+              <a:buFont typeface="Arial" panose="020B0604020202020204" pitchFamily="34" charset="0"/>
+              <a:buChar char="•"/>
+            </a:pPr>
+            <a:r>
+              <a:rPr lang="es-ES" dirty="0"/>
+              <a:t>Pasos de 5</a:t>
+            </a:r>
+          </a:p>
+        </p:txBody>
+      </p:sp>
+      <p:sp>
+        <p:nvSpPr>
+          <p:cNvPr id="8" name="Flecha derecha 7"/>
+          <p:cNvSpPr/>
+          <p:nvPr/>
+        </p:nvSpPr>
+        <p:spPr>
+          <a:xfrm>
+            <a:off x="4085439" y="4400109"/>
+            <a:ext cx="2604782" cy="511729"/>
+          </a:xfrm>
+          <a:prstGeom prst="rightArrow">
+            <a:avLst/>
+          </a:prstGeom>
+        </p:spPr>
+        <p:style>
+          <a:lnRef idx="2">
+            <a:schemeClr val="accent1">
+              <a:shade val="50000"/>
+            </a:schemeClr>
+          </a:lnRef>
+          <a:fillRef idx="1">
+            <a:schemeClr val="accent1"/>
+          </a:fillRef>
+          <a:effectRef idx="0">
+            <a:schemeClr val="accent1"/>
+          </a:effectRef>
+          <a:fontRef idx="minor">
+            <a:schemeClr val="lt1"/>
+          </a:fontRef>
+        </p:style>
+        <p:txBody>
+          <a:bodyPr rtlCol="0" anchor="ctr"/>
+          <a:lstStyle/>
+          <a:p>
+            <a:pPr algn="ctr"/>
+            <a:endParaRPr lang="es-ES"/>
+          </a:p>
+        </p:txBody>
+      </p:sp>
+      <p:sp>
+        <p:nvSpPr>
+          <p:cNvPr id="9" name="CuadroTexto 8"/>
+          <p:cNvSpPr txBox="1"/>
+          <p:nvPr/>
+        </p:nvSpPr>
+        <p:spPr>
+          <a:xfrm>
+            <a:off x="6791779" y="3778810"/>
+            <a:ext cx="1912690" cy="1754326"/>
+          </a:xfrm>
+          <a:prstGeom prst="rect">
+            <a:avLst/>
+          </a:prstGeom>
+          <a:noFill/>
+        </p:spPr>
+        <p:txBody>
+          <a:bodyPr wrap="square" rtlCol="0">
+            <a:spAutoFit/>
+          </a:bodyPr>
+          <a:lstStyle/>
+          <a:p>
+            <a:pPr marL="285750" indent="-285750">
+              <a:buFont typeface="Arial" panose="020B0604020202020204" pitchFamily="34" charset="0"/>
+              <a:buChar char="•"/>
+            </a:pPr>
+            <a:r>
+              <a:rPr lang="es-ES" dirty="0"/>
+              <a:t>0,0001</a:t>
+            </a:r>
+          </a:p>
+          <a:p>
+            <a:pPr marL="285750" indent="-285750">
+              <a:buFont typeface="Arial" panose="020B0604020202020204" pitchFamily="34" charset="0"/>
+              <a:buChar char="•"/>
+            </a:pPr>
+            <a:r>
+              <a:rPr lang="es-ES" dirty="0"/>
+              <a:t>0,0005</a:t>
+            </a:r>
+          </a:p>
+          <a:p>
+            <a:pPr marL="285750" indent="-285750">
+              <a:buFont typeface="Arial" panose="020B0604020202020204" pitchFamily="34" charset="0"/>
+              <a:buChar char="•"/>
+            </a:pPr>
+            <a:r>
+              <a:rPr lang="es-ES" dirty="0"/>
+              <a:t>0,001</a:t>
+            </a:r>
+          </a:p>
+          <a:p>
+            <a:pPr marL="285750" indent="-285750">
+              <a:buFont typeface="Arial" panose="020B0604020202020204" pitchFamily="34" charset="0"/>
+              <a:buChar char="•"/>
+            </a:pPr>
+            <a:r>
+              <a:rPr lang="es-ES" dirty="0"/>
+              <a:t>0,005</a:t>
+            </a:r>
+          </a:p>
+          <a:p>
+            <a:pPr marL="285750" indent="-285750">
+              <a:buFont typeface="Arial" panose="020B0604020202020204" pitchFamily="34" charset="0"/>
+              <a:buChar char="•"/>
+            </a:pPr>
+            <a:r>
+              <a:rPr lang="es-ES" dirty="0"/>
+              <a:t>0,01</a:t>
+            </a:r>
+          </a:p>
+          <a:p>
+            <a:pPr marL="285750" indent="-285750">
+              <a:buFont typeface="Arial" panose="020B0604020202020204" pitchFamily="34" charset="0"/>
+              <a:buChar char="•"/>
+            </a:pPr>
+            <a:r>
+              <a:rPr lang="es-ES" dirty="0"/>
+              <a:t>0,05</a:t>
+            </a:r>
+          </a:p>
+        </p:txBody>
+      </p:sp>
+      <p:sp>
+        <p:nvSpPr>
+          <p:cNvPr id="10" name="Flecha derecha 9"/>
+          <p:cNvSpPr/>
+          <p:nvPr/>
+        </p:nvSpPr>
+        <p:spPr>
+          <a:xfrm>
+            <a:off x="2801479" y="5273077"/>
+            <a:ext cx="822121" cy="520118"/>
+          </a:xfrm>
+          <a:prstGeom prst="rightArrow">
+            <a:avLst/>
+          </a:prstGeom>
+        </p:spPr>
+        <p:style>
+          <a:lnRef idx="2">
+            <a:schemeClr val="accent1">
+              <a:shade val="50000"/>
+            </a:schemeClr>
+          </a:lnRef>
+          <a:fillRef idx="1">
+            <a:schemeClr val="accent1"/>
+          </a:fillRef>
+          <a:effectRef idx="0">
+            <a:schemeClr val="accent1"/>
+          </a:effectRef>
+          <a:fontRef idx="minor">
+            <a:schemeClr val="lt1"/>
+          </a:fontRef>
+        </p:style>
+        <p:txBody>
+          <a:bodyPr rtlCol="0" anchor="ctr"/>
+          <a:lstStyle/>
+          <a:p>
+            <a:pPr algn="ctr"/>
+            <a:endParaRPr lang="es-ES"/>
+          </a:p>
+        </p:txBody>
+      </p:sp>
+      <p:sp>
+        <p:nvSpPr>
+          <p:cNvPr id="11" name="CuadroTexto 10"/>
+          <p:cNvSpPr txBox="1"/>
+          <p:nvPr/>
+        </p:nvSpPr>
+        <p:spPr>
+          <a:xfrm>
+            <a:off x="3863577" y="5219298"/>
+            <a:ext cx="2466363" cy="646331"/>
+          </a:xfrm>
+          <a:prstGeom prst="rect">
+            <a:avLst/>
+          </a:prstGeom>
+          <a:noFill/>
+        </p:spPr>
+        <p:txBody>
+          <a:bodyPr wrap="square" rtlCol="0">
+            <a:spAutoFit/>
+          </a:bodyPr>
+          <a:lstStyle/>
+          <a:p>
+            <a:pPr marL="285750" indent="-285750">
+              <a:buFont typeface="Arial" panose="020B0604020202020204" pitchFamily="34" charset="0"/>
+              <a:buChar char="•"/>
+            </a:pPr>
+            <a:r>
+              <a:rPr lang="es-ES" dirty="0"/>
+              <a:t>Rango -&gt; 0,1 a 0,9</a:t>
+            </a:r>
+          </a:p>
+          <a:p>
+            <a:pPr marL="285750" indent="-285750">
+              <a:buFont typeface="Arial" panose="020B0604020202020204" pitchFamily="34" charset="0"/>
+              <a:buChar char="•"/>
+            </a:pPr>
+            <a:r>
+              <a:rPr lang="es-ES" dirty="0"/>
+              <a:t>Pasos de 0,1</a:t>
+            </a:r>
           </a:p>
         </p:txBody>
       </p:sp>
     </p:spTree>
     <p:extLst>
       <p:ext uri="{BB962C8B-B14F-4D97-AF65-F5344CB8AC3E}">
-        <p14:creationId xmlns:p14="http://schemas.microsoft.com/office/powerpoint/2010/main" val="3404069298"/>
+        <p14:creationId xmlns:p14="http://schemas.microsoft.com/office/powerpoint/2010/main" val="2135593580"/>
       </p:ext>
     </p:extLst>
   </p:cSld>
   <p:clrMapOvr>
     <a:masterClrMapping/>
   </p:clrMapOvr>
+  <p:timing>
+    <p:tnLst>
+      <p:par>
+        <p:cTn id="1" dur="indefinite" restart="never" nodeType="tmRoot">
+          <p:childTnLst>
+            <p:seq concurrent="1" nextAc="seek">
+              <p:cTn id="2" dur="indefinite" nodeType="mainSeq">
+                <p:childTnLst>
+                  <p:par>
+                    <p:cTn id="3" fill="hold">
+                      <p:stCondLst>
+                        <p:cond delay="indefinite"/>
+                      </p:stCondLst>
+                      <p:childTnLst>
+                        <p:par>
+                          <p:cTn id="4" fill="hold">
+                            <p:stCondLst>
+                              <p:cond delay="0"/>
+                            </p:stCondLst>
+                            <p:childTnLst>
+                              <p:par>
+                                <p:cTn id="5" presetID="53" presetClass="entr" presetSubtype="16" fill="hold" grpId="0" nodeType="clickEffect">
+                                  <p:stCondLst>
+                                    <p:cond delay="0"/>
+                                  </p:stCondLst>
+                                  <p:childTnLst>
+                                    <p:set>
+                                      <p:cBhvr>
+                                        <p:cTn id="6" dur="1" fill="hold">
+                                          <p:stCondLst>
+                                            <p:cond delay="0"/>
+                                          </p:stCondLst>
+                                        </p:cTn>
+                                        <p:tgtEl>
+                                          <p:spTgt spid="5"/>
+                                        </p:tgtEl>
+                                        <p:attrNameLst>
+                                          <p:attrName>style.visibility</p:attrName>
+                                        </p:attrNameLst>
+                                      </p:cBhvr>
+                                      <p:to>
+                                        <p:strVal val="visible"/>
+                                      </p:to>
+                                    </p:set>
+                                    <p:anim calcmode="lin" valueType="num">
+                                      <p:cBhvr>
+                                        <p:cTn id="7" dur="500" fill="hold"/>
+                                        <p:tgtEl>
+                                          <p:spTgt spid="5"/>
+                                        </p:tgtEl>
+                                        <p:attrNameLst>
+                                          <p:attrName>ppt_w</p:attrName>
+                                        </p:attrNameLst>
+                                      </p:cBhvr>
+                                      <p:tavLst>
+                                        <p:tav tm="0">
+                                          <p:val>
+                                            <p:fltVal val="0"/>
+                                          </p:val>
+                                        </p:tav>
+                                        <p:tav tm="100000">
+                                          <p:val>
+                                            <p:strVal val="#ppt_w"/>
+                                          </p:val>
+                                        </p:tav>
+                                      </p:tavLst>
+                                    </p:anim>
+                                    <p:anim calcmode="lin" valueType="num">
+                                      <p:cBhvr>
+                                        <p:cTn id="8" dur="500" fill="hold"/>
+                                        <p:tgtEl>
+                                          <p:spTgt spid="5"/>
+                                        </p:tgtEl>
+                                        <p:attrNameLst>
+                                          <p:attrName>ppt_h</p:attrName>
+                                        </p:attrNameLst>
+                                      </p:cBhvr>
+                                      <p:tavLst>
+                                        <p:tav tm="0">
+                                          <p:val>
+                                            <p:fltVal val="0"/>
+                                          </p:val>
+                                        </p:tav>
+                                        <p:tav tm="100000">
+                                          <p:val>
+                                            <p:strVal val="#ppt_h"/>
+                                          </p:val>
+                                        </p:tav>
+                                      </p:tavLst>
+                                    </p:anim>
+                                    <p:animEffect transition="in" filter="fade">
+                                      <p:cBhvr>
+                                        <p:cTn id="9" dur="500"/>
+                                        <p:tgtEl>
+                                          <p:spTgt spid="5"/>
+                                        </p:tgtEl>
+                                      </p:cBhvr>
+                                    </p:animEffect>
+                                  </p:childTnLst>
+                                </p:cTn>
+                              </p:par>
+                              <p:par>
+                                <p:cTn id="10" presetID="53" presetClass="entr" presetSubtype="16" fill="hold" grpId="0" nodeType="withEffect">
+                                  <p:stCondLst>
+                                    <p:cond delay="0"/>
+                                  </p:stCondLst>
+                                  <p:childTnLst>
+                                    <p:set>
+                                      <p:cBhvr>
+                                        <p:cTn id="11" dur="1" fill="hold">
+                                          <p:stCondLst>
+                                            <p:cond delay="0"/>
+                                          </p:stCondLst>
+                                        </p:cTn>
+                                        <p:tgtEl>
+                                          <p:spTgt spid="4"/>
+                                        </p:tgtEl>
+                                        <p:attrNameLst>
+                                          <p:attrName>style.visibility</p:attrName>
+                                        </p:attrNameLst>
+                                      </p:cBhvr>
+                                      <p:to>
+                                        <p:strVal val="visible"/>
+                                      </p:to>
+                                    </p:set>
+                                    <p:anim calcmode="lin" valueType="num">
+                                      <p:cBhvr>
+                                        <p:cTn id="12" dur="500" fill="hold"/>
+                                        <p:tgtEl>
+                                          <p:spTgt spid="4"/>
+                                        </p:tgtEl>
+                                        <p:attrNameLst>
+                                          <p:attrName>ppt_w</p:attrName>
+                                        </p:attrNameLst>
+                                      </p:cBhvr>
+                                      <p:tavLst>
+                                        <p:tav tm="0">
+                                          <p:val>
+                                            <p:fltVal val="0"/>
+                                          </p:val>
+                                        </p:tav>
+                                        <p:tav tm="100000">
+                                          <p:val>
+                                            <p:strVal val="#ppt_w"/>
+                                          </p:val>
+                                        </p:tav>
+                                      </p:tavLst>
+                                    </p:anim>
+                                    <p:anim calcmode="lin" valueType="num">
+                                      <p:cBhvr>
+                                        <p:cTn id="13" dur="500" fill="hold"/>
+                                        <p:tgtEl>
+                                          <p:spTgt spid="4"/>
+                                        </p:tgtEl>
+                                        <p:attrNameLst>
+                                          <p:attrName>ppt_h</p:attrName>
+                                        </p:attrNameLst>
+                                      </p:cBhvr>
+                                      <p:tavLst>
+                                        <p:tav tm="0">
+                                          <p:val>
+                                            <p:fltVal val="0"/>
+                                          </p:val>
+                                        </p:tav>
+                                        <p:tav tm="100000">
+                                          <p:val>
+                                            <p:strVal val="#ppt_h"/>
+                                          </p:val>
+                                        </p:tav>
+                                      </p:tavLst>
+                                    </p:anim>
+                                    <p:animEffect transition="in" filter="fade">
+                                      <p:cBhvr>
+                                        <p:cTn id="14" dur="500"/>
+                                        <p:tgtEl>
+                                          <p:spTgt spid="4"/>
+                                        </p:tgtEl>
+                                      </p:cBhvr>
+                                    </p:animEffect>
+                                  </p:childTnLst>
+                                </p:cTn>
+                              </p:par>
+                            </p:childTnLst>
+                          </p:cTn>
+                        </p:par>
+                      </p:childTnLst>
+                    </p:cTn>
+                  </p:par>
+                  <p:par>
+                    <p:cTn id="15" fill="hold">
+                      <p:stCondLst>
+                        <p:cond delay="indefinite"/>
+                      </p:stCondLst>
+                      <p:childTnLst>
+                        <p:par>
+                          <p:cTn id="16" fill="hold">
+                            <p:stCondLst>
+                              <p:cond delay="0"/>
+                            </p:stCondLst>
+                            <p:childTnLst>
+                              <p:par>
+                                <p:cTn id="17" presetID="53" presetClass="entr" presetSubtype="16" fill="hold" grpId="0" nodeType="clickEffect">
+                                  <p:stCondLst>
+                                    <p:cond delay="0"/>
+                                  </p:stCondLst>
+                                  <p:childTnLst>
+                                    <p:set>
+                                      <p:cBhvr>
+                                        <p:cTn id="18" dur="1" fill="hold">
+                                          <p:stCondLst>
+                                            <p:cond delay="0"/>
+                                          </p:stCondLst>
+                                        </p:cTn>
+                                        <p:tgtEl>
+                                          <p:spTgt spid="6"/>
+                                        </p:tgtEl>
+                                        <p:attrNameLst>
+                                          <p:attrName>style.visibility</p:attrName>
+                                        </p:attrNameLst>
+                                      </p:cBhvr>
+                                      <p:to>
+                                        <p:strVal val="visible"/>
+                                      </p:to>
+                                    </p:set>
+                                    <p:anim calcmode="lin" valueType="num">
+                                      <p:cBhvr>
+                                        <p:cTn id="19" dur="500" fill="hold"/>
+                                        <p:tgtEl>
+                                          <p:spTgt spid="6"/>
+                                        </p:tgtEl>
+                                        <p:attrNameLst>
+                                          <p:attrName>ppt_w</p:attrName>
+                                        </p:attrNameLst>
+                                      </p:cBhvr>
+                                      <p:tavLst>
+                                        <p:tav tm="0">
+                                          <p:val>
+                                            <p:fltVal val="0"/>
+                                          </p:val>
+                                        </p:tav>
+                                        <p:tav tm="100000">
+                                          <p:val>
+                                            <p:strVal val="#ppt_w"/>
+                                          </p:val>
+                                        </p:tav>
+                                      </p:tavLst>
+                                    </p:anim>
+                                    <p:anim calcmode="lin" valueType="num">
+                                      <p:cBhvr>
+                                        <p:cTn id="20" dur="500" fill="hold"/>
+                                        <p:tgtEl>
+                                          <p:spTgt spid="6"/>
+                                        </p:tgtEl>
+                                        <p:attrNameLst>
+                                          <p:attrName>ppt_h</p:attrName>
+                                        </p:attrNameLst>
+                                      </p:cBhvr>
+                                      <p:tavLst>
+                                        <p:tav tm="0">
+                                          <p:val>
+                                            <p:fltVal val="0"/>
+                                          </p:val>
+                                        </p:tav>
+                                        <p:tav tm="100000">
+                                          <p:val>
+                                            <p:strVal val="#ppt_h"/>
+                                          </p:val>
+                                        </p:tav>
+                                      </p:tavLst>
+                                    </p:anim>
+                                    <p:animEffect transition="in" filter="fade">
+                                      <p:cBhvr>
+                                        <p:cTn id="21" dur="500"/>
+                                        <p:tgtEl>
+                                          <p:spTgt spid="6"/>
+                                        </p:tgtEl>
+                                      </p:cBhvr>
+                                    </p:animEffect>
+                                  </p:childTnLst>
+                                </p:cTn>
+                              </p:par>
+                              <p:par>
+                                <p:cTn id="22" presetID="53" presetClass="entr" presetSubtype="16" fill="hold" grpId="0" nodeType="withEffect">
+                                  <p:stCondLst>
+                                    <p:cond delay="0"/>
+                                  </p:stCondLst>
+                                  <p:childTnLst>
+                                    <p:set>
+                                      <p:cBhvr>
+                                        <p:cTn id="23" dur="1" fill="hold">
+                                          <p:stCondLst>
+                                            <p:cond delay="0"/>
+                                          </p:stCondLst>
+                                        </p:cTn>
+                                        <p:tgtEl>
+                                          <p:spTgt spid="7"/>
+                                        </p:tgtEl>
+                                        <p:attrNameLst>
+                                          <p:attrName>style.visibility</p:attrName>
+                                        </p:attrNameLst>
+                                      </p:cBhvr>
+                                      <p:to>
+                                        <p:strVal val="visible"/>
+                                      </p:to>
+                                    </p:set>
+                                    <p:anim calcmode="lin" valueType="num">
+                                      <p:cBhvr>
+                                        <p:cTn id="24" dur="500" fill="hold"/>
+                                        <p:tgtEl>
+                                          <p:spTgt spid="7"/>
+                                        </p:tgtEl>
+                                        <p:attrNameLst>
+                                          <p:attrName>ppt_w</p:attrName>
+                                        </p:attrNameLst>
+                                      </p:cBhvr>
+                                      <p:tavLst>
+                                        <p:tav tm="0">
+                                          <p:val>
+                                            <p:fltVal val="0"/>
+                                          </p:val>
+                                        </p:tav>
+                                        <p:tav tm="100000">
+                                          <p:val>
+                                            <p:strVal val="#ppt_w"/>
+                                          </p:val>
+                                        </p:tav>
+                                      </p:tavLst>
+                                    </p:anim>
+                                    <p:anim calcmode="lin" valueType="num">
+                                      <p:cBhvr>
+                                        <p:cTn id="25" dur="500" fill="hold"/>
+                                        <p:tgtEl>
+                                          <p:spTgt spid="7"/>
+                                        </p:tgtEl>
+                                        <p:attrNameLst>
+                                          <p:attrName>ppt_h</p:attrName>
+                                        </p:attrNameLst>
+                                      </p:cBhvr>
+                                      <p:tavLst>
+                                        <p:tav tm="0">
+                                          <p:val>
+                                            <p:fltVal val="0"/>
+                                          </p:val>
+                                        </p:tav>
+                                        <p:tav tm="100000">
+                                          <p:val>
+                                            <p:strVal val="#ppt_h"/>
+                                          </p:val>
+                                        </p:tav>
+                                      </p:tavLst>
+                                    </p:anim>
+                                    <p:animEffect transition="in" filter="fade">
+                                      <p:cBhvr>
+                                        <p:cTn id="26" dur="500"/>
+                                        <p:tgtEl>
+                                          <p:spTgt spid="7"/>
+                                        </p:tgtEl>
+                                      </p:cBhvr>
+                                    </p:animEffect>
+                                  </p:childTnLst>
+                                </p:cTn>
+                              </p:par>
+                            </p:childTnLst>
+                          </p:cTn>
+                        </p:par>
+                      </p:childTnLst>
+                    </p:cTn>
+                  </p:par>
+                  <p:par>
+                    <p:cTn id="27" fill="hold">
+                      <p:stCondLst>
+                        <p:cond delay="indefinite"/>
+                      </p:stCondLst>
+                      <p:childTnLst>
+                        <p:par>
+                          <p:cTn id="28" fill="hold">
+                            <p:stCondLst>
+                              <p:cond delay="0"/>
+                            </p:stCondLst>
+                            <p:childTnLst>
+                              <p:par>
+                                <p:cTn id="29" presetID="53" presetClass="entr" presetSubtype="16" fill="hold" grpId="0" nodeType="clickEffect">
+                                  <p:stCondLst>
+                                    <p:cond delay="0"/>
+                                  </p:stCondLst>
+                                  <p:childTnLst>
+                                    <p:set>
+                                      <p:cBhvr>
+                                        <p:cTn id="30" dur="1" fill="hold">
+                                          <p:stCondLst>
+                                            <p:cond delay="0"/>
+                                          </p:stCondLst>
+                                        </p:cTn>
+                                        <p:tgtEl>
+                                          <p:spTgt spid="8"/>
+                                        </p:tgtEl>
+                                        <p:attrNameLst>
+                                          <p:attrName>style.visibility</p:attrName>
+                                        </p:attrNameLst>
+                                      </p:cBhvr>
+                                      <p:to>
+                                        <p:strVal val="visible"/>
+                                      </p:to>
+                                    </p:set>
+                                    <p:anim calcmode="lin" valueType="num">
+                                      <p:cBhvr>
+                                        <p:cTn id="31" dur="500" fill="hold"/>
+                                        <p:tgtEl>
+                                          <p:spTgt spid="8"/>
+                                        </p:tgtEl>
+                                        <p:attrNameLst>
+                                          <p:attrName>ppt_w</p:attrName>
+                                        </p:attrNameLst>
+                                      </p:cBhvr>
+                                      <p:tavLst>
+                                        <p:tav tm="0">
+                                          <p:val>
+                                            <p:fltVal val="0"/>
+                                          </p:val>
+                                        </p:tav>
+                                        <p:tav tm="100000">
+                                          <p:val>
+                                            <p:strVal val="#ppt_w"/>
+                                          </p:val>
+                                        </p:tav>
+                                      </p:tavLst>
+                                    </p:anim>
+                                    <p:anim calcmode="lin" valueType="num">
+                                      <p:cBhvr>
+                                        <p:cTn id="32" dur="500" fill="hold"/>
+                                        <p:tgtEl>
+                                          <p:spTgt spid="8"/>
+                                        </p:tgtEl>
+                                        <p:attrNameLst>
+                                          <p:attrName>ppt_h</p:attrName>
+                                        </p:attrNameLst>
+                                      </p:cBhvr>
+                                      <p:tavLst>
+                                        <p:tav tm="0">
+                                          <p:val>
+                                            <p:fltVal val="0"/>
+                                          </p:val>
+                                        </p:tav>
+                                        <p:tav tm="100000">
+                                          <p:val>
+                                            <p:strVal val="#ppt_h"/>
+                                          </p:val>
+                                        </p:tav>
+                                      </p:tavLst>
+                                    </p:anim>
+                                    <p:animEffect transition="in" filter="fade">
+                                      <p:cBhvr>
+                                        <p:cTn id="33" dur="500"/>
+                                        <p:tgtEl>
+                                          <p:spTgt spid="8"/>
+                                        </p:tgtEl>
+                                      </p:cBhvr>
+                                    </p:animEffect>
+                                  </p:childTnLst>
+                                </p:cTn>
+                              </p:par>
+                              <p:par>
+                                <p:cTn id="34" presetID="53" presetClass="entr" presetSubtype="16" fill="hold" grpId="0" nodeType="withEffect">
+                                  <p:stCondLst>
+                                    <p:cond delay="0"/>
+                                  </p:stCondLst>
+                                  <p:childTnLst>
+                                    <p:set>
+                                      <p:cBhvr>
+                                        <p:cTn id="35" dur="1" fill="hold">
+                                          <p:stCondLst>
+                                            <p:cond delay="0"/>
+                                          </p:stCondLst>
+                                        </p:cTn>
+                                        <p:tgtEl>
+                                          <p:spTgt spid="9"/>
+                                        </p:tgtEl>
+                                        <p:attrNameLst>
+                                          <p:attrName>style.visibility</p:attrName>
+                                        </p:attrNameLst>
+                                      </p:cBhvr>
+                                      <p:to>
+                                        <p:strVal val="visible"/>
+                                      </p:to>
+                                    </p:set>
+                                    <p:anim calcmode="lin" valueType="num">
+                                      <p:cBhvr>
+                                        <p:cTn id="36" dur="500" fill="hold"/>
+                                        <p:tgtEl>
+                                          <p:spTgt spid="9"/>
+                                        </p:tgtEl>
+                                        <p:attrNameLst>
+                                          <p:attrName>ppt_w</p:attrName>
+                                        </p:attrNameLst>
+                                      </p:cBhvr>
+                                      <p:tavLst>
+                                        <p:tav tm="0">
+                                          <p:val>
+                                            <p:fltVal val="0"/>
+                                          </p:val>
+                                        </p:tav>
+                                        <p:tav tm="100000">
+                                          <p:val>
+                                            <p:strVal val="#ppt_w"/>
+                                          </p:val>
+                                        </p:tav>
+                                      </p:tavLst>
+                                    </p:anim>
+                                    <p:anim calcmode="lin" valueType="num">
+                                      <p:cBhvr>
+                                        <p:cTn id="37" dur="500" fill="hold"/>
+                                        <p:tgtEl>
+                                          <p:spTgt spid="9"/>
+                                        </p:tgtEl>
+                                        <p:attrNameLst>
+                                          <p:attrName>ppt_h</p:attrName>
+                                        </p:attrNameLst>
+                                      </p:cBhvr>
+                                      <p:tavLst>
+                                        <p:tav tm="0">
+                                          <p:val>
+                                            <p:fltVal val="0"/>
+                                          </p:val>
+                                        </p:tav>
+                                        <p:tav tm="100000">
+                                          <p:val>
+                                            <p:strVal val="#ppt_h"/>
+                                          </p:val>
+                                        </p:tav>
+                                      </p:tavLst>
+                                    </p:anim>
+                                    <p:animEffect transition="in" filter="fade">
+                                      <p:cBhvr>
+                                        <p:cTn id="38" dur="500"/>
+                                        <p:tgtEl>
+                                          <p:spTgt spid="9"/>
+                                        </p:tgtEl>
+                                      </p:cBhvr>
+                                    </p:animEffect>
+                                  </p:childTnLst>
+                                </p:cTn>
+                              </p:par>
+                            </p:childTnLst>
+                          </p:cTn>
+                        </p:par>
+                      </p:childTnLst>
+                    </p:cTn>
+                  </p:par>
+                  <p:par>
+                    <p:cTn id="39" fill="hold">
+                      <p:stCondLst>
+                        <p:cond delay="indefinite"/>
+                      </p:stCondLst>
+                      <p:childTnLst>
+                        <p:par>
+                          <p:cTn id="40" fill="hold">
+                            <p:stCondLst>
+                              <p:cond delay="0"/>
+                            </p:stCondLst>
+                            <p:childTnLst>
+                              <p:par>
+                                <p:cTn id="41" presetID="53" presetClass="entr" presetSubtype="16" fill="hold" grpId="0" nodeType="clickEffect">
+                                  <p:stCondLst>
+                                    <p:cond delay="0"/>
+                                  </p:stCondLst>
+                                  <p:childTnLst>
+                                    <p:set>
+                                      <p:cBhvr>
+                                        <p:cTn id="42" dur="1" fill="hold">
+                                          <p:stCondLst>
+                                            <p:cond delay="0"/>
+                                          </p:stCondLst>
+                                        </p:cTn>
+                                        <p:tgtEl>
+                                          <p:spTgt spid="10"/>
+                                        </p:tgtEl>
+                                        <p:attrNameLst>
+                                          <p:attrName>style.visibility</p:attrName>
+                                        </p:attrNameLst>
+                                      </p:cBhvr>
+                                      <p:to>
+                                        <p:strVal val="visible"/>
+                                      </p:to>
+                                    </p:set>
+                                    <p:anim calcmode="lin" valueType="num">
+                                      <p:cBhvr>
+                                        <p:cTn id="43" dur="500" fill="hold"/>
+                                        <p:tgtEl>
+                                          <p:spTgt spid="10"/>
+                                        </p:tgtEl>
+                                        <p:attrNameLst>
+                                          <p:attrName>ppt_w</p:attrName>
+                                        </p:attrNameLst>
+                                      </p:cBhvr>
+                                      <p:tavLst>
+                                        <p:tav tm="0">
+                                          <p:val>
+                                            <p:fltVal val="0"/>
+                                          </p:val>
+                                        </p:tav>
+                                        <p:tav tm="100000">
+                                          <p:val>
+                                            <p:strVal val="#ppt_w"/>
+                                          </p:val>
+                                        </p:tav>
+                                      </p:tavLst>
+                                    </p:anim>
+                                    <p:anim calcmode="lin" valueType="num">
+                                      <p:cBhvr>
+                                        <p:cTn id="44" dur="500" fill="hold"/>
+                                        <p:tgtEl>
+                                          <p:spTgt spid="10"/>
+                                        </p:tgtEl>
+                                        <p:attrNameLst>
+                                          <p:attrName>ppt_h</p:attrName>
+                                        </p:attrNameLst>
+                                      </p:cBhvr>
+                                      <p:tavLst>
+                                        <p:tav tm="0">
+                                          <p:val>
+                                            <p:fltVal val="0"/>
+                                          </p:val>
+                                        </p:tav>
+                                        <p:tav tm="100000">
+                                          <p:val>
+                                            <p:strVal val="#ppt_h"/>
+                                          </p:val>
+                                        </p:tav>
+                                      </p:tavLst>
+                                    </p:anim>
+                                    <p:animEffect transition="in" filter="fade">
+                                      <p:cBhvr>
+                                        <p:cTn id="45" dur="500"/>
+                                        <p:tgtEl>
+                                          <p:spTgt spid="10"/>
+                                        </p:tgtEl>
+                                      </p:cBhvr>
+                                    </p:animEffect>
+                                  </p:childTnLst>
+                                </p:cTn>
+                              </p:par>
+                              <p:par>
+                                <p:cTn id="46" presetID="53" presetClass="entr" presetSubtype="16" fill="hold" grpId="0" nodeType="withEffect">
+                                  <p:stCondLst>
+                                    <p:cond delay="0"/>
+                                  </p:stCondLst>
+                                  <p:childTnLst>
+                                    <p:set>
+                                      <p:cBhvr>
+                                        <p:cTn id="47" dur="1" fill="hold">
+                                          <p:stCondLst>
+                                            <p:cond delay="0"/>
+                                          </p:stCondLst>
+                                        </p:cTn>
+                                        <p:tgtEl>
+                                          <p:spTgt spid="11"/>
+                                        </p:tgtEl>
+                                        <p:attrNameLst>
+                                          <p:attrName>style.visibility</p:attrName>
+                                        </p:attrNameLst>
+                                      </p:cBhvr>
+                                      <p:to>
+                                        <p:strVal val="visible"/>
+                                      </p:to>
+                                    </p:set>
+                                    <p:anim calcmode="lin" valueType="num">
+                                      <p:cBhvr>
+                                        <p:cTn id="48" dur="500" fill="hold"/>
+                                        <p:tgtEl>
+                                          <p:spTgt spid="11"/>
+                                        </p:tgtEl>
+                                        <p:attrNameLst>
+                                          <p:attrName>ppt_w</p:attrName>
+                                        </p:attrNameLst>
+                                      </p:cBhvr>
+                                      <p:tavLst>
+                                        <p:tav tm="0">
+                                          <p:val>
+                                            <p:fltVal val="0"/>
+                                          </p:val>
+                                        </p:tav>
+                                        <p:tav tm="100000">
+                                          <p:val>
+                                            <p:strVal val="#ppt_w"/>
+                                          </p:val>
+                                        </p:tav>
+                                      </p:tavLst>
+                                    </p:anim>
+                                    <p:anim calcmode="lin" valueType="num">
+                                      <p:cBhvr>
+                                        <p:cTn id="49" dur="500" fill="hold"/>
+                                        <p:tgtEl>
+                                          <p:spTgt spid="11"/>
+                                        </p:tgtEl>
+                                        <p:attrNameLst>
+                                          <p:attrName>ppt_h</p:attrName>
+                                        </p:attrNameLst>
+                                      </p:cBhvr>
+                                      <p:tavLst>
+                                        <p:tav tm="0">
+                                          <p:val>
+                                            <p:fltVal val="0"/>
+                                          </p:val>
+                                        </p:tav>
+                                        <p:tav tm="100000">
+                                          <p:val>
+                                            <p:strVal val="#ppt_h"/>
+                                          </p:val>
+                                        </p:tav>
+                                      </p:tavLst>
+                                    </p:anim>
+                                    <p:animEffect transition="in" filter="fade">
+                                      <p:cBhvr>
+                                        <p:cTn id="50" dur="500"/>
+                                        <p:tgtEl>
+                                          <p:spTgt spid="11"/>
+                                        </p:tgtEl>
+                                      </p:cBhvr>
+                                    </p:animEffect>
+                                  </p:childTnLst>
+                                </p:cTn>
+                              </p:par>
+                            </p:childTnLst>
+                          </p:cTn>
+                        </p:par>
+                      </p:childTnLst>
+                    </p:cTn>
+                  </p:par>
+                </p:childTnLst>
+              </p:cTn>
+              <p:prevCondLst>
+                <p:cond evt="onPrev" delay="0">
+                  <p:tgtEl>
+                    <p:sldTgt/>
+                  </p:tgtEl>
+                </p:cond>
+              </p:prevCondLst>
+              <p:nextCondLst>
+                <p:cond evt="onNext" delay="0">
+                  <p:tgtEl>
+                    <p:sldTgt/>
+                  </p:tgtEl>
+                </p:cond>
+              </p:nextCondLst>
+            </p:seq>
+          </p:childTnLst>
+        </p:cTn>
+      </p:par>
+    </p:tnLst>
+    <p:bldLst>
+      <p:bldP spid="4" grpId="0"/>
+      <p:bldP spid="5" grpId="0" animBg="1"/>
+      <p:bldP spid="6" grpId="0" animBg="1"/>
+      <p:bldP spid="7" grpId="0"/>
+      <p:bldP spid="8" grpId="0" animBg="1"/>
+      <p:bldP spid="9" grpId="0"/>
+      <p:bldP spid="10" grpId="0" animBg="1"/>
+      <p:bldP spid="11" grpId="0"/>
+    </p:bldLst>
+  </p:timing>
 </p:sld>
 </file>
 
@@ -7983,19 +9148,14 @@
             <p:ph type="title"/>
           </p:nvPr>
         </p:nvSpPr>
-        <p:spPr>
-          <a:xfrm>
-            <a:off x="680321" y="753228"/>
-            <a:ext cx="9805918" cy="1080938"/>
-          </a:xfrm>
-        </p:spPr>
+        <p:spPr/>
         <p:txBody>
           <a:bodyPr/>
           <a:lstStyle/>
           <a:p>
             <a:r>
               <a:rPr lang="es-ES" dirty="0"/>
-              <a:t>Resultados de análisis de Counter-Propagation</a:t>
+              <a:t>Resultados de análisis de Back-Propagation</a:t>
             </a:r>
           </a:p>
         </p:txBody>
@@ -8010,11 +9170,294 @@
             <p:ph idx="1"/>
           </p:nvPr>
         </p:nvSpPr>
-        <p:spPr/>
-        <p:txBody>
-          <a:bodyPr/>
+        <p:spPr>
+          <a:xfrm>
+            <a:off x="680321" y="2336872"/>
+            <a:ext cx="9613861" cy="4139429"/>
+          </a:xfrm>
+        </p:spPr>
+        <p:txBody>
+          <a:bodyPr>
+            <a:normAutofit fontScale="92500" lnSpcReduction="10000"/>
+          </a:bodyPr>
           <a:lstStyle/>
           <a:p>
+            <a:r>
+              <a:rPr lang="es-ES" dirty="0"/>
+              <a:t>Cáncer de mama</a:t>
+            </a:r>
+          </a:p>
+          <a:p>
+            <a:pPr lvl="1"/>
+            <a:r>
+              <a:rPr lang="es-ES" dirty="0"/>
+              <a:t>Neuronas Ocultas -&gt; 50</a:t>
+            </a:r>
+          </a:p>
+          <a:p>
+            <a:pPr lvl="1"/>
+            <a:r>
+              <a:rPr lang="es-ES" dirty="0"/>
+              <a:t>Ratio de aprendizaje -&gt; 0,005</a:t>
+            </a:r>
+          </a:p>
+          <a:p>
+            <a:pPr lvl="1"/>
+            <a:r>
+              <a:rPr lang="es-ES" dirty="0"/>
+              <a:t>Momentum -&gt; 0,1</a:t>
+            </a:r>
+          </a:p>
+          <a:p>
+            <a:r>
+              <a:rPr lang="es-ES" dirty="0"/>
+              <a:t>Melanoma</a:t>
+            </a:r>
+          </a:p>
+          <a:p>
+            <a:pPr lvl="1"/>
+            <a:r>
+              <a:rPr lang="es-ES" dirty="0"/>
+              <a:t>Neuronas Ocultas -&gt; 95</a:t>
+            </a:r>
+          </a:p>
+          <a:p>
+            <a:pPr lvl="1"/>
+            <a:r>
+              <a:rPr lang="es-ES" dirty="0"/>
+              <a:t>Ratio de aprendizaje -&gt; 0,005</a:t>
+            </a:r>
+          </a:p>
+          <a:p>
+            <a:pPr lvl="1"/>
+            <a:r>
+              <a:rPr lang="es-ES" dirty="0"/>
+              <a:t>Momentum -&gt; 0,3</a:t>
+            </a:r>
+          </a:p>
+          <a:p>
+            <a:r>
+              <a:rPr lang="es-ES" dirty="0"/>
+              <a:t>Cáncer de pulmón</a:t>
+            </a:r>
+          </a:p>
+          <a:p>
+            <a:pPr lvl="1"/>
+            <a:r>
+              <a:rPr lang="es-ES" dirty="0"/>
+              <a:t>Neuronas Ocultas -&gt; 75 </a:t>
+            </a:r>
+          </a:p>
+          <a:p>
+            <a:pPr lvl="1"/>
+            <a:r>
+              <a:rPr lang="es-ES" dirty="0"/>
+              <a:t>Ratio de aprendizaje -&gt; 0,005</a:t>
+            </a:r>
+          </a:p>
+          <a:p>
+            <a:pPr lvl="1"/>
+            <a:r>
+              <a:rPr lang="es-ES" dirty="0"/>
+              <a:t>Momentum -&gt; 0,7</a:t>
+            </a:r>
+          </a:p>
+          <a:p>
+            <a:endParaRPr lang="es-ES" dirty="0"/>
+          </a:p>
+          <a:p>
+            <a:endParaRPr lang="es-ES" dirty="0"/>
+          </a:p>
+        </p:txBody>
+      </p:sp>
+      <p:pic>
+        <p:nvPicPr>
+          <p:cNvPr id="5" name="Imagen 4"/>
+          <p:cNvPicPr>
+            <a:picLocks noChangeAspect="1"/>
+          </p:cNvPicPr>
+          <p:nvPr/>
+        </p:nvPicPr>
+        <p:blipFill>
+          <a:blip r:embed="rId2"/>
+          <a:stretch>
+            <a:fillRect/>
+          </a:stretch>
+        </p:blipFill>
+        <p:spPr>
+          <a:xfrm>
+            <a:off x="6313444" y="2536408"/>
+            <a:ext cx="4772025" cy="704850"/>
+          </a:xfrm>
+          <a:prstGeom prst="rect">
+            <a:avLst/>
+          </a:prstGeom>
+        </p:spPr>
+      </p:pic>
+      <p:pic>
+        <p:nvPicPr>
+          <p:cNvPr id="7" name="Imagen 6"/>
+          <p:cNvPicPr>
+            <a:picLocks noChangeAspect="1"/>
+          </p:cNvPicPr>
+          <p:nvPr/>
+        </p:nvPicPr>
+        <p:blipFill>
+          <a:blip r:embed="rId3"/>
+          <a:stretch>
+            <a:fillRect/>
+          </a:stretch>
+        </p:blipFill>
+        <p:spPr>
+          <a:xfrm>
+            <a:off x="6313444" y="5042329"/>
+            <a:ext cx="4886325" cy="704850"/>
+          </a:xfrm>
+          <a:prstGeom prst="rect">
+            <a:avLst/>
+          </a:prstGeom>
+        </p:spPr>
+      </p:pic>
+      <p:pic>
+        <p:nvPicPr>
+          <p:cNvPr id="8" name="Imagen 7"/>
+          <p:cNvPicPr>
+            <a:picLocks noChangeAspect="1"/>
+          </p:cNvPicPr>
+          <p:nvPr/>
+        </p:nvPicPr>
+        <p:blipFill>
+          <a:blip r:embed="rId4"/>
+          <a:stretch>
+            <a:fillRect/>
+          </a:stretch>
+        </p:blipFill>
+        <p:spPr>
+          <a:xfrm>
+            <a:off x="6313444" y="3789368"/>
+            <a:ext cx="4924425" cy="704850"/>
+          </a:xfrm>
+          <a:prstGeom prst="rect">
+            <a:avLst/>
+          </a:prstGeom>
+        </p:spPr>
+      </p:pic>
+      <p:sp>
+        <p:nvSpPr>
+          <p:cNvPr id="9" name="Flecha: a la derecha 8"/>
+          <p:cNvSpPr/>
+          <p:nvPr/>
+        </p:nvSpPr>
+        <p:spPr>
+          <a:xfrm>
+            <a:off x="5184396" y="2701255"/>
+            <a:ext cx="822121" cy="469784"/>
+          </a:xfrm>
+          <a:prstGeom prst="rightArrow">
+            <a:avLst/>
+          </a:prstGeom>
+        </p:spPr>
+        <p:style>
+          <a:lnRef idx="2">
+            <a:schemeClr val="accent1">
+              <a:shade val="50000"/>
+            </a:schemeClr>
+          </a:lnRef>
+          <a:fillRef idx="1">
+            <a:schemeClr val="accent1"/>
+          </a:fillRef>
+          <a:effectRef idx="0">
+            <a:schemeClr val="accent1"/>
+          </a:effectRef>
+          <a:fontRef idx="minor">
+            <a:schemeClr val="lt1"/>
+          </a:fontRef>
+        </p:style>
+        <p:txBody>
+          <a:bodyPr rtlCol="0" anchor="ctr"/>
+          <a:lstStyle/>
+          <a:p>
+            <a:pPr algn="ctr"/>
+            <a:endParaRPr lang="es-ES"/>
+          </a:p>
+        </p:txBody>
+      </p:sp>
+      <p:sp>
+        <p:nvSpPr>
+          <p:cNvPr id="10" name="Flecha: a la derecha 9"/>
+          <p:cNvSpPr/>
+          <p:nvPr/>
+        </p:nvSpPr>
+        <p:spPr>
+          <a:xfrm>
+            <a:off x="5184396" y="3906901"/>
+            <a:ext cx="822121" cy="469784"/>
+          </a:xfrm>
+          <a:prstGeom prst="rightArrow">
+            <a:avLst/>
+          </a:prstGeom>
+        </p:spPr>
+        <p:style>
+          <a:lnRef idx="2">
+            <a:schemeClr val="accent1">
+              <a:shade val="50000"/>
+            </a:schemeClr>
+          </a:lnRef>
+          <a:fillRef idx="1">
+            <a:schemeClr val="accent1"/>
+          </a:fillRef>
+          <a:effectRef idx="0">
+            <a:schemeClr val="accent1"/>
+          </a:effectRef>
+          <a:fontRef idx="minor">
+            <a:schemeClr val="lt1"/>
+          </a:fontRef>
+        </p:style>
+        <p:txBody>
+          <a:bodyPr rtlCol="0" anchor="ctr"/>
+          <a:lstStyle/>
+          <a:p>
+            <a:pPr algn="ctr"/>
+            <a:endParaRPr lang="es-ES"/>
+          </a:p>
+        </p:txBody>
+      </p:sp>
+      <p:sp>
+        <p:nvSpPr>
+          <p:cNvPr id="11" name="Flecha: a la derecha 10"/>
+          <p:cNvSpPr/>
+          <p:nvPr/>
+        </p:nvSpPr>
+        <p:spPr>
+          <a:xfrm>
+            <a:off x="5187556" y="5159862"/>
+            <a:ext cx="822121" cy="469784"/>
+          </a:xfrm>
+          <a:prstGeom prst="rightArrow">
+            <a:avLst/>
+          </a:prstGeom>
+        </p:spPr>
+        <p:style>
+          <a:lnRef idx="2">
+            <a:schemeClr val="accent1">
+              <a:shade val="50000"/>
+            </a:schemeClr>
+          </a:lnRef>
+          <a:fillRef idx="1">
+            <a:schemeClr val="accent1"/>
+          </a:fillRef>
+          <a:effectRef idx="0">
+            <a:schemeClr val="accent1"/>
+          </a:effectRef>
+          <a:fontRef idx="minor">
+            <a:schemeClr val="lt1"/>
+          </a:fontRef>
+        </p:style>
+        <p:txBody>
+          <a:bodyPr rtlCol="0" anchor="ctr"/>
+          <a:lstStyle/>
+          <a:p>
+            <a:pPr algn="ctr"/>
             <a:endParaRPr lang="es-ES"/>
           </a:p>
         </p:txBody>
@@ -8022,13 +9465,552 @@
     </p:spTree>
     <p:extLst>
       <p:ext uri="{BB962C8B-B14F-4D97-AF65-F5344CB8AC3E}">
-        <p14:creationId xmlns:p14="http://schemas.microsoft.com/office/powerpoint/2010/main" val="3060503491"/>
+        <p14:creationId xmlns:p14="http://schemas.microsoft.com/office/powerpoint/2010/main" val="1599562404"/>
       </p:ext>
     </p:extLst>
   </p:cSld>
   <p:clrMapOvr>
     <a:masterClrMapping/>
   </p:clrMapOvr>
+  <p:timing>
+    <p:tnLst>
+      <p:par>
+        <p:cTn id="1" dur="indefinite" restart="never" nodeType="tmRoot">
+          <p:childTnLst>
+            <p:seq concurrent="1" nextAc="seek">
+              <p:cTn id="2" dur="indefinite" nodeType="mainSeq">
+                <p:childTnLst>
+                  <p:par>
+                    <p:cTn id="3" fill="hold">
+                      <p:stCondLst>
+                        <p:cond delay="indefinite"/>
+                      </p:stCondLst>
+                      <p:childTnLst>
+                        <p:par>
+                          <p:cTn id="4" fill="hold">
+                            <p:stCondLst>
+                              <p:cond delay="0"/>
+                            </p:stCondLst>
+                            <p:childTnLst>
+                              <p:par>
+                                <p:cTn id="5" presetID="53" presetClass="entr" presetSubtype="16" fill="hold" grpId="0" nodeType="clickEffect">
+                                  <p:stCondLst>
+                                    <p:cond delay="0"/>
+                                  </p:stCondLst>
+                                  <p:childTnLst>
+                                    <p:set>
+                                      <p:cBhvr>
+                                        <p:cTn id="6" dur="1" fill="hold">
+                                          <p:stCondLst>
+                                            <p:cond delay="0"/>
+                                          </p:stCondLst>
+                                        </p:cTn>
+                                        <p:tgtEl>
+                                          <p:spTgt spid="9"/>
+                                        </p:tgtEl>
+                                        <p:attrNameLst>
+                                          <p:attrName>style.visibility</p:attrName>
+                                        </p:attrNameLst>
+                                      </p:cBhvr>
+                                      <p:to>
+                                        <p:strVal val="visible"/>
+                                      </p:to>
+                                    </p:set>
+                                    <p:anim calcmode="lin" valueType="num">
+                                      <p:cBhvr>
+                                        <p:cTn id="7" dur="500" fill="hold"/>
+                                        <p:tgtEl>
+                                          <p:spTgt spid="9"/>
+                                        </p:tgtEl>
+                                        <p:attrNameLst>
+                                          <p:attrName>ppt_w</p:attrName>
+                                        </p:attrNameLst>
+                                      </p:cBhvr>
+                                      <p:tavLst>
+                                        <p:tav tm="0">
+                                          <p:val>
+                                            <p:fltVal val="0"/>
+                                          </p:val>
+                                        </p:tav>
+                                        <p:tav tm="100000">
+                                          <p:val>
+                                            <p:strVal val="#ppt_w"/>
+                                          </p:val>
+                                        </p:tav>
+                                      </p:tavLst>
+                                    </p:anim>
+                                    <p:anim calcmode="lin" valueType="num">
+                                      <p:cBhvr>
+                                        <p:cTn id="8" dur="500" fill="hold"/>
+                                        <p:tgtEl>
+                                          <p:spTgt spid="9"/>
+                                        </p:tgtEl>
+                                        <p:attrNameLst>
+                                          <p:attrName>ppt_h</p:attrName>
+                                        </p:attrNameLst>
+                                      </p:cBhvr>
+                                      <p:tavLst>
+                                        <p:tav tm="0">
+                                          <p:val>
+                                            <p:fltVal val="0"/>
+                                          </p:val>
+                                        </p:tav>
+                                        <p:tav tm="100000">
+                                          <p:val>
+                                            <p:strVal val="#ppt_h"/>
+                                          </p:val>
+                                        </p:tav>
+                                      </p:tavLst>
+                                    </p:anim>
+                                    <p:animEffect transition="in" filter="fade">
+                                      <p:cBhvr>
+                                        <p:cTn id="9" dur="500"/>
+                                        <p:tgtEl>
+                                          <p:spTgt spid="9"/>
+                                        </p:tgtEl>
+                                      </p:cBhvr>
+                                    </p:animEffect>
+                                  </p:childTnLst>
+                                </p:cTn>
+                              </p:par>
+                              <p:par>
+                                <p:cTn id="10" presetID="53" presetClass="entr" presetSubtype="16" fill="hold" nodeType="withEffect">
+                                  <p:stCondLst>
+                                    <p:cond delay="0"/>
+                                  </p:stCondLst>
+                                  <p:childTnLst>
+                                    <p:set>
+                                      <p:cBhvr>
+                                        <p:cTn id="11" dur="1" fill="hold">
+                                          <p:stCondLst>
+                                            <p:cond delay="0"/>
+                                          </p:stCondLst>
+                                        </p:cTn>
+                                        <p:tgtEl>
+                                          <p:spTgt spid="5"/>
+                                        </p:tgtEl>
+                                        <p:attrNameLst>
+                                          <p:attrName>style.visibility</p:attrName>
+                                        </p:attrNameLst>
+                                      </p:cBhvr>
+                                      <p:to>
+                                        <p:strVal val="visible"/>
+                                      </p:to>
+                                    </p:set>
+                                    <p:anim calcmode="lin" valueType="num">
+                                      <p:cBhvr>
+                                        <p:cTn id="12" dur="500" fill="hold"/>
+                                        <p:tgtEl>
+                                          <p:spTgt spid="5"/>
+                                        </p:tgtEl>
+                                        <p:attrNameLst>
+                                          <p:attrName>ppt_w</p:attrName>
+                                        </p:attrNameLst>
+                                      </p:cBhvr>
+                                      <p:tavLst>
+                                        <p:tav tm="0">
+                                          <p:val>
+                                            <p:fltVal val="0"/>
+                                          </p:val>
+                                        </p:tav>
+                                        <p:tav tm="100000">
+                                          <p:val>
+                                            <p:strVal val="#ppt_w"/>
+                                          </p:val>
+                                        </p:tav>
+                                      </p:tavLst>
+                                    </p:anim>
+                                    <p:anim calcmode="lin" valueType="num">
+                                      <p:cBhvr>
+                                        <p:cTn id="13" dur="500" fill="hold"/>
+                                        <p:tgtEl>
+                                          <p:spTgt spid="5"/>
+                                        </p:tgtEl>
+                                        <p:attrNameLst>
+                                          <p:attrName>ppt_h</p:attrName>
+                                        </p:attrNameLst>
+                                      </p:cBhvr>
+                                      <p:tavLst>
+                                        <p:tav tm="0">
+                                          <p:val>
+                                            <p:fltVal val="0"/>
+                                          </p:val>
+                                        </p:tav>
+                                        <p:tav tm="100000">
+                                          <p:val>
+                                            <p:strVal val="#ppt_h"/>
+                                          </p:val>
+                                        </p:tav>
+                                      </p:tavLst>
+                                    </p:anim>
+                                    <p:animEffect transition="in" filter="fade">
+                                      <p:cBhvr>
+                                        <p:cTn id="14" dur="500"/>
+                                        <p:tgtEl>
+                                          <p:spTgt spid="5"/>
+                                        </p:tgtEl>
+                                      </p:cBhvr>
+                                    </p:animEffect>
+                                  </p:childTnLst>
+                                </p:cTn>
+                              </p:par>
+                              <p:par>
+                                <p:cTn id="15" presetID="53" presetClass="entr" presetSubtype="16" fill="hold" grpId="0" nodeType="withEffect">
+                                  <p:stCondLst>
+                                    <p:cond delay="0"/>
+                                  </p:stCondLst>
+                                  <p:childTnLst>
+                                    <p:set>
+                                      <p:cBhvr>
+                                        <p:cTn id="16" dur="1" fill="hold">
+                                          <p:stCondLst>
+                                            <p:cond delay="0"/>
+                                          </p:stCondLst>
+                                        </p:cTn>
+                                        <p:tgtEl>
+                                          <p:spTgt spid="10"/>
+                                        </p:tgtEl>
+                                        <p:attrNameLst>
+                                          <p:attrName>style.visibility</p:attrName>
+                                        </p:attrNameLst>
+                                      </p:cBhvr>
+                                      <p:to>
+                                        <p:strVal val="visible"/>
+                                      </p:to>
+                                    </p:set>
+                                    <p:anim calcmode="lin" valueType="num">
+                                      <p:cBhvr>
+                                        <p:cTn id="17" dur="500" fill="hold"/>
+                                        <p:tgtEl>
+                                          <p:spTgt spid="10"/>
+                                        </p:tgtEl>
+                                        <p:attrNameLst>
+                                          <p:attrName>ppt_w</p:attrName>
+                                        </p:attrNameLst>
+                                      </p:cBhvr>
+                                      <p:tavLst>
+                                        <p:tav tm="0">
+                                          <p:val>
+                                            <p:fltVal val="0"/>
+                                          </p:val>
+                                        </p:tav>
+                                        <p:tav tm="100000">
+                                          <p:val>
+                                            <p:strVal val="#ppt_w"/>
+                                          </p:val>
+                                        </p:tav>
+                                      </p:tavLst>
+                                    </p:anim>
+                                    <p:anim calcmode="lin" valueType="num">
+                                      <p:cBhvr>
+                                        <p:cTn id="18" dur="500" fill="hold"/>
+                                        <p:tgtEl>
+                                          <p:spTgt spid="10"/>
+                                        </p:tgtEl>
+                                        <p:attrNameLst>
+                                          <p:attrName>ppt_h</p:attrName>
+                                        </p:attrNameLst>
+                                      </p:cBhvr>
+                                      <p:tavLst>
+                                        <p:tav tm="0">
+                                          <p:val>
+                                            <p:fltVal val="0"/>
+                                          </p:val>
+                                        </p:tav>
+                                        <p:tav tm="100000">
+                                          <p:val>
+                                            <p:strVal val="#ppt_h"/>
+                                          </p:val>
+                                        </p:tav>
+                                      </p:tavLst>
+                                    </p:anim>
+                                    <p:animEffect transition="in" filter="fade">
+                                      <p:cBhvr>
+                                        <p:cTn id="19" dur="500"/>
+                                        <p:tgtEl>
+                                          <p:spTgt spid="10"/>
+                                        </p:tgtEl>
+                                      </p:cBhvr>
+                                    </p:animEffect>
+                                  </p:childTnLst>
+                                </p:cTn>
+                              </p:par>
+                              <p:par>
+                                <p:cTn id="20" presetID="53" presetClass="entr" presetSubtype="16" fill="hold" nodeType="withEffect">
+                                  <p:stCondLst>
+                                    <p:cond delay="0"/>
+                                  </p:stCondLst>
+                                  <p:childTnLst>
+                                    <p:set>
+                                      <p:cBhvr>
+                                        <p:cTn id="21" dur="1" fill="hold">
+                                          <p:stCondLst>
+                                            <p:cond delay="0"/>
+                                          </p:stCondLst>
+                                        </p:cTn>
+                                        <p:tgtEl>
+                                          <p:spTgt spid="8"/>
+                                        </p:tgtEl>
+                                        <p:attrNameLst>
+                                          <p:attrName>style.visibility</p:attrName>
+                                        </p:attrNameLst>
+                                      </p:cBhvr>
+                                      <p:to>
+                                        <p:strVal val="visible"/>
+                                      </p:to>
+                                    </p:set>
+                                    <p:anim calcmode="lin" valueType="num">
+                                      <p:cBhvr>
+                                        <p:cTn id="22" dur="500" fill="hold"/>
+                                        <p:tgtEl>
+                                          <p:spTgt spid="8"/>
+                                        </p:tgtEl>
+                                        <p:attrNameLst>
+                                          <p:attrName>ppt_w</p:attrName>
+                                        </p:attrNameLst>
+                                      </p:cBhvr>
+                                      <p:tavLst>
+                                        <p:tav tm="0">
+                                          <p:val>
+                                            <p:fltVal val="0"/>
+                                          </p:val>
+                                        </p:tav>
+                                        <p:tav tm="100000">
+                                          <p:val>
+                                            <p:strVal val="#ppt_w"/>
+                                          </p:val>
+                                        </p:tav>
+                                      </p:tavLst>
+                                    </p:anim>
+                                    <p:anim calcmode="lin" valueType="num">
+                                      <p:cBhvr>
+                                        <p:cTn id="23" dur="500" fill="hold"/>
+                                        <p:tgtEl>
+                                          <p:spTgt spid="8"/>
+                                        </p:tgtEl>
+                                        <p:attrNameLst>
+                                          <p:attrName>ppt_h</p:attrName>
+                                        </p:attrNameLst>
+                                      </p:cBhvr>
+                                      <p:tavLst>
+                                        <p:tav tm="0">
+                                          <p:val>
+                                            <p:fltVal val="0"/>
+                                          </p:val>
+                                        </p:tav>
+                                        <p:tav tm="100000">
+                                          <p:val>
+                                            <p:strVal val="#ppt_h"/>
+                                          </p:val>
+                                        </p:tav>
+                                      </p:tavLst>
+                                    </p:anim>
+                                    <p:animEffect transition="in" filter="fade">
+                                      <p:cBhvr>
+                                        <p:cTn id="24" dur="500"/>
+                                        <p:tgtEl>
+                                          <p:spTgt spid="8"/>
+                                        </p:tgtEl>
+                                      </p:cBhvr>
+                                    </p:animEffect>
+                                  </p:childTnLst>
+                                </p:cTn>
+                              </p:par>
+                              <p:par>
+                                <p:cTn id="25" presetID="53" presetClass="entr" presetSubtype="16" fill="hold" grpId="0" nodeType="withEffect">
+                                  <p:stCondLst>
+                                    <p:cond delay="0"/>
+                                  </p:stCondLst>
+                                  <p:childTnLst>
+                                    <p:set>
+                                      <p:cBhvr>
+                                        <p:cTn id="26" dur="1" fill="hold">
+                                          <p:stCondLst>
+                                            <p:cond delay="0"/>
+                                          </p:stCondLst>
+                                        </p:cTn>
+                                        <p:tgtEl>
+                                          <p:spTgt spid="11"/>
+                                        </p:tgtEl>
+                                        <p:attrNameLst>
+                                          <p:attrName>style.visibility</p:attrName>
+                                        </p:attrNameLst>
+                                      </p:cBhvr>
+                                      <p:to>
+                                        <p:strVal val="visible"/>
+                                      </p:to>
+                                    </p:set>
+                                    <p:anim calcmode="lin" valueType="num">
+                                      <p:cBhvr>
+                                        <p:cTn id="27" dur="500" fill="hold"/>
+                                        <p:tgtEl>
+                                          <p:spTgt spid="11"/>
+                                        </p:tgtEl>
+                                        <p:attrNameLst>
+                                          <p:attrName>ppt_w</p:attrName>
+                                        </p:attrNameLst>
+                                      </p:cBhvr>
+                                      <p:tavLst>
+                                        <p:tav tm="0">
+                                          <p:val>
+                                            <p:fltVal val="0"/>
+                                          </p:val>
+                                        </p:tav>
+                                        <p:tav tm="100000">
+                                          <p:val>
+                                            <p:strVal val="#ppt_w"/>
+                                          </p:val>
+                                        </p:tav>
+                                      </p:tavLst>
+                                    </p:anim>
+                                    <p:anim calcmode="lin" valueType="num">
+                                      <p:cBhvr>
+                                        <p:cTn id="28" dur="500" fill="hold"/>
+                                        <p:tgtEl>
+                                          <p:spTgt spid="11"/>
+                                        </p:tgtEl>
+                                        <p:attrNameLst>
+                                          <p:attrName>ppt_h</p:attrName>
+                                        </p:attrNameLst>
+                                      </p:cBhvr>
+                                      <p:tavLst>
+                                        <p:tav tm="0">
+                                          <p:val>
+                                            <p:fltVal val="0"/>
+                                          </p:val>
+                                        </p:tav>
+                                        <p:tav tm="100000">
+                                          <p:val>
+                                            <p:strVal val="#ppt_h"/>
+                                          </p:val>
+                                        </p:tav>
+                                      </p:tavLst>
+                                    </p:anim>
+                                    <p:animEffect transition="in" filter="fade">
+                                      <p:cBhvr>
+                                        <p:cTn id="29" dur="500"/>
+                                        <p:tgtEl>
+                                          <p:spTgt spid="11"/>
+                                        </p:tgtEl>
+                                      </p:cBhvr>
+                                    </p:animEffect>
+                                  </p:childTnLst>
+                                </p:cTn>
+                              </p:par>
+                              <p:par>
+                                <p:cTn id="30" presetID="53" presetClass="entr" presetSubtype="16" fill="hold" nodeType="withEffect">
+                                  <p:stCondLst>
+                                    <p:cond delay="0"/>
+                                  </p:stCondLst>
+                                  <p:childTnLst>
+                                    <p:set>
+                                      <p:cBhvr>
+                                        <p:cTn id="31" dur="1" fill="hold">
+                                          <p:stCondLst>
+                                            <p:cond delay="0"/>
+                                          </p:stCondLst>
+                                        </p:cTn>
+                                        <p:tgtEl>
+                                          <p:spTgt spid="7"/>
+                                        </p:tgtEl>
+                                        <p:attrNameLst>
+                                          <p:attrName>style.visibility</p:attrName>
+                                        </p:attrNameLst>
+                                      </p:cBhvr>
+                                      <p:to>
+                                        <p:strVal val="visible"/>
+                                      </p:to>
+                                    </p:set>
+                                    <p:anim calcmode="lin" valueType="num">
+                                      <p:cBhvr>
+                                        <p:cTn id="32" dur="500" fill="hold"/>
+                                        <p:tgtEl>
+                                          <p:spTgt spid="7"/>
+                                        </p:tgtEl>
+                                        <p:attrNameLst>
+                                          <p:attrName>ppt_w</p:attrName>
+                                        </p:attrNameLst>
+                                      </p:cBhvr>
+                                      <p:tavLst>
+                                        <p:tav tm="0">
+                                          <p:val>
+                                            <p:fltVal val="0"/>
+                                          </p:val>
+                                        </p:tav>
+                                        <p:tav tm="100000">
+                                          <p:val>
+                                            <p:strVal val="#ppt_w"/>
+                                          </p:val>
+                                        </p:tav>
+                                      </p:tavLst>
+                                    </p:anim>
+                                    <p:anim calcmode="lin" valueType="num">
+                                      <p:cBhvr>
+                                        <p:cTn id="33" dur="500" fill="hold"/>
+                                        <p:tgtEl>
+                                          <p:spTgt spid="7"/>
+                                        </p:tgtEl>
+                                        <p:attrNameLst>
+                                          <p:attrName>ppt_h</p:attrName>
+                                        </p:attrNameLst>
+                                      </p:cBhvr>
+                                      <p:tavLst>
+                                        <p:tav tm="0">
+                                          <p:val>
+                                            <p:fltVal val="0"/>
+                                          </p:val>
+                                        </p:tav>
+                                        <p:tav tm="100000">
+                                          <p:val>
+                                            <p:strVal val="#ppt_h"/>
+                                          </p:val>
+                                        </p:tav>
+                                      </p:tavLst>
+                                    </p:anim>
+                                    <p:animEffect transition="in" filter="fade">
+                                      <p:cBhvr>
+                                        <p:cTn id="34" dur="500"/>
+                                        <p:tgtEl>
+                                          <p:spTgt spid="7"/>
+                                        </p:tgtEl>
+                                      </p:cBhvr>
+                                    </p:animEffect>
+                                  </p:childTnLst>
+                                </p:cTn>
+                              </p:par>
+                            </p:childTnLst>
+                          </p:cTn>
+                        </p:par>
+                      </p:childTnLst>
+                    </p:cTn>
+                  </p:par>
+                </p:childTnLst>
+              </p:cTn>
+              <p:prevCondLst>
+                <p:cond evt="onPrev" delay="0">
+                  <p:tgtEl>
+                    <p:sldTgt/>
+                  </p:tgtEl>
+                </p:cond>
+              </p:prevCondLst>
+              <p:nextCondLst>
+                <p:cond evt="onNext" delay="0">
+                  <p:tgtEl>
+                    <p:sldTgt/>
+                  </p:tgtEl>
+                </p:cond>
+              </p:nextCondLst>
+            </p:seq>
+          </p:childTnLst>
+        </p:cTn>
+      </p:par>
+    </p:tnLst>
+    <p:bldLst>
+      <p:bldP spid="9" grpId="0" animBg="1"/>
+      <p:bldP spid="10" grpId="0" animBg="1"/>
+      <p:bldP spid="11" grpId="0" animBg="1"/>
+    </p:bldLst>
+  </p:timing>
 </p:sld>
 </file>
 
@@ -8066,40 +10048,1391 @@
           <a:p>
             <a:r>
               <a:rPr lang="es-ES" dirty="0"/>
-              <a:t>Comparación de resultados</a:t>
-            </a:r>
-          </a:p>
-        </p:txBody>
-      </p:sp>
-      <p:sp>
-        <p:nvSpPr>
-          <p:cNvPr id="3" name="Marcador de contenido 2"/>
-          <p:cNvSpPr>
-            <a:spLocks noGrp="1"/>
+              <a:t>Análisis con </a:t>
+            </a:r>
+            <a:r>
+              <a:rPr lang="es-ES" dirty="0" err="1"/>
+              <a:t>Counter</a:t>
+            </a:r>
+            <a:r>
+              <a:rPr lang="es-ES" dirty="0"/>
+              <a:t>-Propagation</a:t>
+            </a:r>
+          </a:p>
+        </p:txBody>
+      </p:sp>
+      <p:sp>
+        <p:nvSpPr>
+          <p:cNvPr id="4" name="Marcador de contenido 2"/>
+          <p:cNvSpPr txBox="1">
+            <a:spLocks/>
           </p:cNvSpPr>
-          <p:nvPr>
-            <p:ph idx="1"/>
-          </p:nvPr>
-        </p:nvSpPr>
-        <p:spPr/>
-        <p:txBody>
-          <a:bodyPr/>
+          <p:nvPr/>
+        </p:nvSpPr>
+        <p:spPr>
+          <a:xfrm>
+            <a:off x="680321" y="2575959"/>
+            <a:ext cx="3405118" cy="3599316"/>
+          </a:xfrm>
+          <a:prstGeom prst="rect">
+            <a:avLst/>
+          </a:prstGeom>
+        </p:spPr>
+        <p:txBody>
+          <a:bodyPr vert="horz" lIns="91440" tIns="45720" rIns="91440" bIns="45720" rtlCol="0">
+            <a:normAutofit/>
+          </a:bodyPr>
+          <a:lstStyle>
+            <a:lvl1pPr marL="228600" indent="-228600" algn="l" defTabSz="914400" rtl="0" eaLnBrk="1" latinLnBrk="0" hangingPunct="1">
+              <a:lnSpc>
+                <a:spcPct val="90000"/>
+              </a:lnSpc>
+              <a:spcBef>
+                <a:spcPts val="1000"/>
+              </a:spcBef>
+              <a:buFont typeface="Arial" panose="020B0604020202020204" pitchFamily="34" charset="0"/>
+              <a:buChar char="•"/>
+              <a:defRPr sz="2400" kern="1200">
+                <a:solidFill>
+                  <a:schemeClr val="tx1"/>
+                </a:solidFill>
+                <a:latin typeface="+mn-lt"/>
+                <a:ea typeface="+mn-ea"/>
+                <a:cs typeface="+mn-cs"/>
+              </a:defRPr>
+            </a:lvl1pPr>
+            <a:lvl2pPr marL="685800" indent="-228600" algn="l" defTabSz="914400" rtl="0" eaLnBrk="1" latinLnBrk="0" hangingPunct="1">
+              <a:lnSpc>
+                <a:spcPct val="90000"/>
+              </a:lnSpc>
+              <a:spcBef>
+                <a:spcPts val="500"/>
+              </a:spcBef>
+              <a:buFont typeface="Arial" panose="020B0604020202020204" pitchFamily="34" charset="0"/>
+              <a:buChar char="•"/>
+              <a:defRPr sz="2000" kern="1200">
+                <a:solidFill>
+                  <a:schemeClr val="tx1"/>
+                </a:solidFill>
+                <a:latin typeface="+mn-lt"/>
+                <a:ea typeface="+mn-ea"/>
+                <a:cs typeface="+mn-cs"/>
+              </a:defRPr>
+            </a:lvl2pPr>
+            <a:lvl3pPr marL="1143000" indent="-228600" algn="l" defTabSz="914400" rtl="0" eaLnBrk="1" latinLnBrk="0" hangingPunct="1">
+              <a:lnSpc>
+                <a:spcPct val="90000"/>
+              </a:lnSpc>
+              <a:spcBef>
+                <a:spcPts val="500"/>
+              </a:spcBef>
+              <a:buFont typeface="Arial" panose="020B0604020202020204" pitchFamily="34" charset="0"/>
+              <a:buChar char="•"/>
+              <a:defRPr sz="1800" kern="1200">
+                <a:solidFill>
+                  <a:schemeClr val="tx1"/>
+                </a:solidFill>
+                <a:latin typeface="+mn-lt"/>
+                <a:ea typeface="+mn-ea"/>
+                <a:cs typeface="+mn-cs"/>
+              </a:defRPr>
+            </a:lvl3pPr>
+            <a:lvl4pPr marL="1600200" indent="-228600" algn="l" defTabSz="914400" rtl="0" eaLnBrk="1" latinLnBrk="0" hangingPunct="1">
+              <a:lnSpc>
+                <a:spcPct val="90000"/>
+              </a:lnSpc>
+              <a:spcBef>
+                <a:spcPts val="500"/>
+              </a:spcBef>
+              <a:buFont typeface="Arial" panose="020B0604020202020204" pitchFamily="34" charset="0"/>
+              <a:buChar char="•"/>
+              <a:defRPr sz="1600" kern="1200">
+                <a:solidFill>
+                  <a:schemeClr val="tx1"/>
+                </a:solidFill>
+                <a:latin typeface="+mn-lt"/>
+                <a:ea typeface="+mn-ea"/>
+                <a:cs typeface="+mn-cs"/>
+              </a:defRPr>
+            </a:lvl4pPr>
+            <a:lvl5pPr marL="2057400" indent="-228600" algn="l" defTabSz="914400" rtl="0" eaLnBrk="1" latinLnBrk="0" hangingPunct="1">
+              <a:lnSpc>
+                <a:spcPct val="90000"/>
+              </a:lnSpc>
+              <a:spcBef>
+                <a:spcPts val="500"/>
+              </a:spcBef>
+              <a:buFont typeface="Arial" panose="020B0604020202020204" pitchFamily="34" charset="0"/>
+              <a:buChar char="•"/>
+              <a:defRPr sz="1600" kern="1200">
+                <a:solidFill>
+                  <a:schemeClr val="tx1"/>
+                </a:solidFill>
+                <a:latin typeface="+mn-lt"/>
+                <a:ea typeface="+mn-ea"/>
+                <a:cs typeface="+mn-cs"/>
+              </a:defRPr>
+            </a:lvl5pPr>
+            <a:lvl6pPr marL="2514600" indent="-228600" algn="l" defTabSz="914400" rtl="0" eaLnBrk="1" latinLnBrk="0" hangingPunct="1">
+              <a:lnSpc>
+                <a:spcPct val="90000"/>
+              </a:lnSpc>
+              <a:spcBef>
+                <a:spcPts val="500"/>
+              </a:spcBef>
+              <a:buFont typeface="Arial" panose="020B0604020202020204" pitchFamily="34" charset="0"/>
+              <a:buChar char="•"/>
+              <a:defRPr sz="1400" kern="1200">
+                <a:solidFill>
+                  <a:schemeClr val="tx1"/>
+                </a:solidFill>
+                <a:latin typeface="+mn-lt"/>
+                <a:ea typeface="+mn-ea"/>
+                <a:cs typeface="+mn-cs"/>
+              </a:defRPr>
+            </a:lvl6pPr>
+            <a:lvl7pPr marL="2971800" indent="-228600" algn="l" defTabSz="914400" rtl="0" eaLnBrk="1" latinLnBrk="0" hangingPunct="1">
+              <a:lnSpc>
+                <a:spcPct val="90000"/>
+              </a:lnSpc>
+              <a:spcBef>
+                <a:spcPts val="500"/>
+              </a:spcBef>
+              <a:buFont typeface="Arial" panose="020B0604020202020204" pitchFamily="34" charset="0"/>
+              <a:buChar char="•"/>
+              <a:defRPr sz="1400" kern="1200">
+                <a:solidFill>
+                  <a:schemeClr val="tx1"/>
+                </a:solidFill>
+                <a:latin typeface="+mn-lt"/>
+                <a:ea typeface="+mn-ea"/>
+                <a:cs typeface="+mn-cs"/>
+              </a:defRPr>
+            </a:lvl7pPr>
+            <a:lvl8pPr marL="3429000" indent="-228600" algn="l" defTabSz="914400" rtl="0" eaLnBrk="1" latinLnBrk="0" hangingPunct="1">
+              <a:lnSpc>
+                <a:spcPct val="90000"/>
+              </a:lnSpc>
+              <a:spcBef>
+                <a:spcPts val="500"/>
+              </a:spcBef>
+              <a:buFont typeface="Arial" panose="020B0604020202020204" pitchFamily="34" charset="0"/>
+              <a:buChar char="•"/>
+              <a:defRPr sz="1400" kern="1200">
+                <a:solidFill>
+                  <a:schemeClr val="tx1"/>
+                </a:solidFill>
+                <a:latin typeface="+mn-lt"/>
+                <a:ea typeface="+mn-ea"/>
+                <a:cs typeface="+mn-cs"/>
+              </a:defRPr>
+            </a:lvl8pPr>
+            <a:lvl9pPr marL="3886200" indent="-228600" algn="l" defTabSz="914400" rtl="0" eaLnBrk="1" latinLnBrk="0" hangingPunct="1">
+              <a:lnSpc>
+                <a:spcPct val="90000"/>
+              </a:lnSpc>
+              <a:spcBef>
+                <a:spcPts val="500"/>
+              </a:spcBef>
+              <a:buFont typeface="Arial" panose="020B0604020202020204" pitchFamily="34" charset="0"/>
+              <a:buChar char="•"/>
+              <a:defRPr sz="1400" kern="1200">
+                <a:solidFill>
+                  <a:schemeClr val="tx1"/>
+                </a:solidFill>
+                <a:latin typeface="+mn-lt"/>
+                <a:ea typeface="+mn-ea"/>
+                <a:cs typeface="+mn-cs"/>
+              </a:defRPr>
+            </a:lvl9pPr>
+          </a:lstStyle>
+          <a:p>
+            <a:r>
+              <a:rPr lang="es-ES" dirty="0"/>
+              <a:t>Primera prueba</a:t>
+            </a:r>
+          </a:p>
+          <a:p>
+            <a:endParaRPr lang="es-ES" dirty="0"/>
+          </a:p>
+          <a:p>
+            <a:r>
+              <a:rPr lang="es-ES" dirty="0"/>
+              <a:t>Neuronas del mapa</a:t>
+            </a:r>
+          </a:p>
+          <a:p>
+            <a:endParaRPr lang="es-ES" dirty="0"/>
+          </a:p>
+          <a:p>
+            <a:r>
+              <a:rPr lang="es-ES" dirty="0"/>
+              <a:t>Ratio de aprendizaje</a:t>
+            </a:r>
+          </a:p>
+          <a:p>
+            <a:endParaRPr lang="es-ES" dirty="0"/>
+          </a:p>
+          <a:p>
+            <a:r>
+              <a:rPr lang="es-ES" dirty="0"/>
+              <a:t>Momentum</a:t>
+            </a:r>
+          </a:p>
+        </p:txBody>
+      </p:sp>
+      <p:sp>
+        <p:nvSpPr>
+          <p:cNvPr id="5" name="CuadroTexto 4"/>
+          <p:cNvSpPr txBox="1"/>
+          <p:nvPr/>
+        </p:nvSpPr>
+        <p:spPr>
+          <a:xfrm>
+            <a:off x="4446165" y="2376356"/>
+            <a:ext cx="4504888" cy="923330"/>
+          </a:xfrm>
+          <a:prstGeom prst="rect">
+            <a:avLst/>
+          </a:prstGeom>
+          <a:noFill/>
+        </p:spPr>
+        <p:txBody>
+          <a:bodyPr wrap="square" rtlCol="0">
+            <a:spAutoFit/>
+          </a:bodyPr>
           <a:lstStyle/>
           <a:p>
+            <a:pPr marL="285750" indent="-285750">
+              <a:buFont typeface="Arial" panose="020B0604020202020204" pitchFamily="34" charset="0"/>
+              <a:buChar char="•"/>
+            </a:pPr>
+            <a:r>
+              <a:rPr lang="es-ES" dirty="0"/>
+              <a:t>Neuronas del mapa -&gt; 10</a:t>
+            </a:r>
+          </a:p>
+          <a:p>
+            <a:pPr marL="285750" indent="-285750">
+              <a:buFont typeface="Arial" panose="020B0604020202020204" pitchFamily="34" charset="0"/>
+              <a:buChar char="•"/>
+            </a:pPr>
+            <a:r>
+              <a:rPr lang="es-ES" dirty="0"/>
+              <a:t>Ratio de aprendizaje -&gt; 0,005</a:t>
+            </a:r>
+          </a:p>
+          <a:p>
+            <a:pPr marL="285750" indent="-285750">
+              <a:buFont typeface="Arial" panose="020B0604020202020204" pitchFamily="34" charset="0"/>
+              <a:buChar char="•"/>
+            </a:pPr>
+            <a:r>
+              <a:rPr lang="es-ES" dirty="0"/>
+              <a:t>Momentum -&gt; 0,5</a:t>
+            </a:r>
+          </a:p>
+        </p:txBody>
+      </p:sp>
+      <p:sp>
+        <p:nvSpPr>
+          <p:cNvPr id="6" name="Flecha derecha 4"/>
+          <p:cNvSpPr/>
+          <p:nvPr/>
+        </p:nvSpPr>
+        <p:spPr>
+          <a:xfrm>
+            <a:off x="3505708" y="2559451"/>
+            <a:ext cx="830510" cy="478173"/>
+          </a:xfrm>
+          <a:prstGeom prst="rightArrow">
+            <a:avLst/>
+          </a:prstGeom>
+        </p:spPr>
+        <p:style>
+          <a:lnRef idx="2">
+            <a:schemeClr val="accent1">
+              <a:shade val="50000"/>
+            </a:schemeClr>
+          </a:lnRef>
+          <a:fillRef idx="1">
+            <a:schemeClr val="accent1"/>
+          </a:fillRef>
+          <a:effectRef idx="0">
+            <a:schemeClr val="accent1"/>
+          </a:effectRef>
+          <a:fontRef idx="minor">
+            <a:schemeClr val="lt1"/>
+          </a:fontRef>
+        </p:style>
+        <p:txBody>
+          <a:bodyPr rtlCol="0" anchor="ctr"/>
+          <a:lstStyle/>
+          <a:p>
+            <a:pPr algn="ctr"/>
             <a:endParaRPr lang="es-ES"/>
+          </a:p>
+        </p:txBody>
+      </p:sp>
+      <p:sp>
+        <p:nvSpPr>
+          <p:cNvPr id="7" name="Flecha derecha 5"/>
+          <p:cNvSpPr/>
+          <p:nvPr/>
+        </p:nvSpPr>
+        <p:spPr>
+          <a:xfrm>
+            <a:off x="4085439" y="3466246"/>
+            <a:ext cx="830510" cy="511729"/>
+          </a:xfrm>
+          <a:prstGeom prst="rightArrow">
+            <a:avLst/>
+          </a:prstGeom>
+        </p:spPr>
+        <p:style>
+          <a:lnRef idx="2">
+            <a:schemeClr val="accent1">
+              <a:shade val="50000"/>
+            </a:schemeClr>
+          </a:lnRef>
+          <a:fillRef idx="1">
+            <a:schemeClr val="accent1"/>
+          </a:fillRef>
+          <a:effectRef idx="0">
+            <a:schemeClr val="accent1"/>
+          </a:effectRef>
+          <a:fontRef idx="minor">
+            <a:schemeClr val="lt1"/>
+          </a:fontRef>
+        </p:style>
+        <p:txBody>
+          <a:bodyPr rtlCol="0" anchor="ctr"/>
+          <a:lstStyle/>
+          <a:p>
+            <a:pPr algn="ctr"/>
+            <a:endParaRPr lang="es-ES"/>
+          </a:p>
+        </p:txBody>
+      </p:sp>
+      <p:sp>
+        <p:nvSpPr>
+          <p:cNvPr id="8" name="CuadroTexto 7"/>
+          <p:cNvSpPr txBox="1"/>
+          <p:nvPr/>
+        </p:nvSpPr>
+        <p:spPr>
+          <a:xfrm>
+            <a:off x="5217952" y="3398946"/>
+            <a:ext cx="3733101" cy="646331"/>
+          </a:xfrm>
+          <a:prstGeom prst="rect">
+            <a:avLst/>
+          </a:prstGeom>
+          <a:noFill/>
+        </p:spPr>
+        <p:txBody>
+          <a:bodyPr wrap="square" rtlCol="0">
+            <a:spAutoFit/>
+          </a:bodyPr>
+          <a:lstStyle/>
+          <a:p>
+            <a:pPr marL="285750" indent="-285750">
+              <a:buFont typeface="Arial" panose="020B0604020202020204" pitchFamily="34" charset="0"/>
+              <a:buChar char="•"/>
+            </a:pPr>
+            <a:r>
+              <a:rPr lang="es-ES" dirty="0"/>
+              <a:t>Rango -&gt; 5 a 15</a:t>
+            </a:r>
+          </a:p>
+          <a:p>
+            <a:pPr marL="285750" indent="-285750">
+              <a:buFont typeface="Arial" panose="020B0604020202020204" pitchFamily="34" charset="0"/>
+              <a:buChar char="•"/>
+            </a:pPr>
+            <a:r>
+              <a:rPr lang="es-ES" dirty="0"/>
+              <a:t>Pasos de 1</a:t>
+            </a:r>
+          </a:p>
+        </p:txBody>
+      </p:sp>
+      <p:sp>
+        <p:nvSpPr>
+          <p:cNvPr id="9" name="Flecha derecha 7"/>
+          <p:cNvSpPr/>
+          <p:nvPr/>
+        </p:nvSpPr>
+        <p:spPr>
+          <a:xfrm>
+            <a:off x="4085439" y="4400109"/>
+            <a:ext cx="2604782" cy="511729"/>
+          </a:xfrm>
+          <a:prstGeom prst="rightArrow">
+            <a:avLst/>
+          </a:prstGeom>
+        </p:spPr>
+        <p:style>
+          <a:lnRef idx="2">
+            <a:schemeClr val="accent1">
+              <a:shade val="50000"/>
+            </a:schemeClr>
+          </a:lnRef>
+          <a:fillRef idx="1">
+            <a:schemeClr val="accent1"/>
+          </a:fillRef>
+          <a:effectRef idx="0">
+            <a:schemeClr val="accent1"/>
+          </a:effectRef>
+          <a:fontRef idx="minor">
+            <a:schemeClr val="lt1"/>
+          </a:fontRef>
+        </p:style>
+        <p:txBody>
+          <a:bodyPr rtlCol="0" anchor="ctr"/>
+          <a:lstStyle/>
+          <a:p>
+            <a:pPr algn="ctr"/>
+            <a:endParaRPr lang="es-ES"/>
+          </a:p>
+        </p:txBody>
+      </p:sp>
+      <p:sp>
+        <p:nvSpPr>
+          <p:cNvPr id="10" name="CuadroTexto 9"/>
+          <p:cNvSpPr txBox="1"/>
+          <p:nvPr/>
+        </p:nvSpPr>
+        <p:spPr>
+          <a:xfrm>
+            <a:off x="7038363" y="3778810"/>
+            <a:ext cx="1912690" cy="1754326"/>
+          </a:xfrm>
+          <a:prstGeom prst="rect">
+            <a:avLst/>
+          </a:prstGeom>
+          <a:noFill/>
+        </p:spPr>
+        <p:txBody>
+          <a:bodyPr wrap="square" rtlCol="0">
+            <a:spAutoFit/>
+          </a:bodyPr>
+          <a:lstStyle/>
+          <a:p>
+            <a:pPr marL="285750" indent="-285750">
+              <a:buFont typeface="Arial" panose="020B0604020202020204" pitchFamily="34" charset="0"/>
+              <a:buChar char="•"/>
+            </a:pPr>
+            <a:r>
+              <a:rPr lang="es-ES" dirty="0"/>
+              <a:t>0,0001</a:t>
+            </a:r>
+          </a:p>
+          <a:p>
+            <a:pPr marL="285750" indent="-285750">
+              <a:buFont typeface="Arial" panose="020B0604020202020204" pitchFamily="34" charset="0"/>
+              <a:buChar char="•"/>
+            </a:pPr>
+            <a:r>
+              <a:rPr lang="es-ES" dirty="0"/>
+              <a:t>0,0005</a:t>
+            </a:r>
+          </a:p>
+          <a:p>
+            <a:pPr marL="285750" indent="-285750">
+              <a:buFont typeface="Arial" panose="020B0604020202020204" pitchFamily="34" charset="0"/>
+              <a:buChar char="•"/>
+            </a:pPr>
+            <a:r>
+              <a:rPr lang="es-ES" dirty="0"/>
+              <a:t>0,001</a:t>
+            </a:r>
+          </a:p>
+          <a:p>
+            <a:pPr marL="285750" indent="-285750">
+              <a:buFont typeface="Arial" panose="020B0604020202020204" pitchFamily="34" charset="0"/>
+              <a:buChar char="•"/>
+            </a:pPr>
+            <a:r>
+              <a:rPr lang="es-ES" dirty="0"/>
+              <a:t>0,005</a:t>
+            </a:r>
+          </a:p>
+          <a:p>
+            <a:pPr marL="285750" indent="-285750">
+              <a:buFont typeface="Arial" panose="020B0604020202020204" pitchFamily="34" charset="0"/>
+              <a:buChar char="•"/>
+            </a:pPr>
+            <a:r>
+              <a:rPr lang="es-ES" dirty="0"/>
+              <a:t>0,01</a:t>
+            </a:r>
+          </a:p>
+          <a:p>
+            <a:pPr marL="285750" indent="-285750">
+              <a:buFont typeface="Arial" panose="020B0604020202020204" pitchFamily="34" charset="0"/>
+              <a:buChar char="•"/>
+            </a:pPr>
+            <a:r>
+              <a:rPr lang="es-ES" dirty="0"/>
+              <a:t>0,05</a:t>
+            </a:r>
+          </a:p>
+        </p:txBody>
+      </p:sp>
+      <p:sp>
+        <p:nvSpPr>
+          <p:cNvPr id="11" name="Flecha derecha 9"/>
+          <p:cNvSpPr/>
+          <p:nvPr/>
+        </p:nvSpPr>
+        <p:spPr>
+          <a:xfrm>
+            <a:off x="2816605" y="5273077"/>
+            <a:ext cx="822121" cy="520118"/>
+          </a:xfrm>
+          <a:prstGeom prst="rightArrow">
+            <a:avLst/>
+          </a:prstGeom>
+        </p:spPr>
+        <p:style>
+          <a:lnRef idx="2">
+            <a:schemeClr val="accent1">
+              <a:shade val="50000"/>
+            </a:schemeClr>
+          </a:lnRef>
+          <a:fillRef idx="1">
+            <a:schemeClr val="accent1"/>
+          </a:fillRef>
+          <a:effectRef idx="0">
+            <a:schemeClr val="accent1"/>
+          </a:effectRef>
+          <a:fontRef idx="minor">
+            <a:schemeClr val="lt1"/>
+          </a:fontRef>
+        </p:style>
+        <p:txBody>
+          <a:bodyPr rtlCol="0" anchor="ctr"/>
+          <a:lstStyle/>
+          <a:p>
+            <a:pPr algn="ctr"/>
+            <a:endParaRPr lang="es-ES"/>
+          </a:p>
+        </p:txBody>
+      </p:sp>
+      <p:sp>
+        <p:nvSpPr>
+          <p:cNvPr id="12" name="CuadroTexto 11"/>
+          <p:cNvSpPr txBox="1"/>
+          <p:nvPr/>
+        </p:nvSpPr>
+        <p:spPr>
+          <a:xfrm>
+            <a:off x="3812797" y="5220391"/>
+            <a:ext cx="2466363" cy="646331"/>
+          </a:xfrm>
+          <a:prstGeom prst="rect">
+            <a:avLst/>
+          </a:prstGeom>
+          <a:noFill/>
+        </p:spPr>
+        <p:txBody>
+          <a:bodyPr wrap="square" rtlCol="0">
+            <a:spAutoFit/>
+          </a:bodyPr>
+          <a:lstStyle/>
+          <a:p>
+            <a:pPr marL="285750" indent="-285750">
+              <a:buFont typeface="Arial" panose="020B0604020202020204" pitchFamily="34" charset="0"/>
+              <a:buChar char="•"/>
+            </a:pPr>
+            <a:r>
+              <a:rPr lang="es-ES" dirty="0"/>
+              <a:t>Rango -&gt; 0,1 a 0,9</a:t>
+            </a:r>
+          </a:p>
+          <a:p>
+            <a:pPr marL="285750" indent="-285750">
+              <a:buFont typeface="Arial" panose="020B0604020202020204" pitchFamily="34" charset="0"/>
+              <a:buChar char="•"/>
+            </a:pPr>
+            <a:r>
+              <a:rPr lang="es-ES" dirty="0"/>
+              <a:t>Pasos de 0,1</a:t>
+            </a:r>
           </a:p>
         </p:txBody>
       </p:sp>
     </p:spTree>
     <p:extLst>
       <p:ext uri="{BB962C8B-B14F-4D97-AF65-F5344CB8AC3E}">
-        <p14:creationId xmlns:p14="http://schemas.microsoft.com/office/powerpoint/2010/main" val="1968172706"/>
+        <p14:creationId xmlns:p14="http://schemas.microsoft.com/office/powerpoint/2010/main" val="3404069298"/>
       </p:ext>
     </p:extLst>
   </p:cSld>
   <p:clrMapOvr>
     <a:masterClrMapping/>
   </p:clrMapOvr>
+  <p:timing>
+    <p:tnLst>
+      <p:par>
+        <p:cTn id="1" dur="indefinite" restart="never" nodeType="tmRoot">
+          <p:childTnLst>
+            <p:seq concurrent="1" nextAc="seek">
+              <p:cTn id="2" dur="indefinite" nodeType="mainSeq">
+                <p:childTnLst>
+                  <p:par>
+                    <p:cTn id="3" fill="hold">
+                      <p:stCondLst>
+                        <p:cond delay="indefinite"/>
+                      </p:stCondLst>
+                      <p:childTnLst>
+                        <p:par>
+                          <p:cTn id="4" fill="hold">
+                            <p:stCondLst>
+                              <p:cond delay="0"/>
+                            </p:stCondLst>
+                            <p:childTnLst>
+                              <p:par>
+                                <p:cTn id="5" presetID="53" presetClass="entr" presetSubtype="16" fill="hold" grpId="0" nodeType="clickEffect">
+                                  <p:stCondLst>
+                                    <p:cond delay="0"/>
+                                  </p:stCondLst>
+                                  <p:childTnLst>
+                                    <p:set>
+                                      <p:cBhvr>
+                                        <p:cTn id="6" dur="1" fill="hold">
+                                          <p:stCondLst>
+                                            <p:cond delay="0"/>
+                                          </p:stCondLst>
+                                        </p:cTn>
+                                        <p:tgtEl>
+                                          <p:spTgt spid="6"/>
+                                        </p:tgtEl>
+                                        <p:attrNameLst>
+                                          <p:attrName>style.visibility</p:attrName>
+                                        </p:attrNameLst>
+                                      </p:cBhvr>
+                                      <p:to>
+                                        <p:strVal val="visible"/>
+                                      </p:to>
+                                    </p:set>
+                                    <p:anim calcmode="lin" valueType="num">
+                                      <p:cBhvr>
+                                        <p:cTn id="7" dur="500" fill="hold"/>
+                                        <p:tgtEl>
+                                          <p:spTgt spid="6"/>
+                                        </p:tgtEl>
+                                        <p:attrNameLst>
+                                          <p:attrName>ppt_w</p:attrName>
+                                        </p:attrNameLst>
+                                      </p:cBhvr>
+                                      <p:tavLst>
+                                        <p:tav tm="0">
+                                          <p:val>
+                                            <p:fltVal val="0"/>
+                                          </p:val>
+                                        </p:tav>
+                                        <p:tav tm="100000">
+                                          <p:val>
+                                            <p:strVal val="#ppt_w"/>
+                                          </p:val>
+                                        </p:tav>
+                                      </p:tavLst>
+                                    </p:anim>
+                                    <p:anim calcmode="lin" valueType="num">
+                                      <p:cBhvr>
+                                        <p:cTn id="8" dur="500" fill="hold"/>
+                                        <p:tgtEl>
+                                          <p:spTgt spid="6"/>
+                                        </p:tgtEl>
+                                        <p:attrNameLst>
+                                          <p:attrName>ppt_h</p:attrName>
+                                        </p:attrNameLst>
+                                      </p:cBhvr>
+                                      <p:tavLst>
+                                        <p:tav tm="0">
+                                          <p:val>
+                                            <p:fltVal val="0"/>
+                                          </p:val>
+                                        </p:tav>
+                                        <p:tav tm="100000">
+                                          <p:val>
+                                            <p:strVal val="#ppt_h"/>
+                                          </p:val>
+                                        </p:tav>
+                                      </p:tavLst>
+                                    </p:anim>
+                                    <p:animEffect transition="in" filter="fade">
+                                      <p:cBhvr>
+                                        <p:cTn id="9" dur="500"/>
+                                        <p:tgtEl>
+                                          <p:spTgt spid="6"/>
+                                        </p:tgtEl>
+                                      </p:cBhvr>
+                                    </p:animEffect>
+                                  </p:childTnLst>
+                                </p:cTn>
+                              </p:par>
+                              <p:par>
+                                <p:cTn id="10" presetID="53" presetClass="entr" presetSubtype="16" fill="hold" grpId="0" nodeType="withEffect">
+                                  <p:stCondLst>
+                                    <p:cond delay="0"/>
+                                  </p:stCondLst>
+                                  <p:childTnLst>
+                                    <p:set>
+                                      <p:cBhvr>
+                                        <p:cTn id="11" dur="1" fill="hold">
+                                          <p:stCondLst>
+                                            <p:cond delay="0"/>
+                                          </p:stCondLst>
+                                        </p:cTn>
+                                        <p:tgtEl>
+                                          <p:spTgt spid="5"/>
+                                        </p:tgtEl>
+                                        <p:attrNameLst>
+                                          <p:attrName>style.visibility</p:attrName>
+                                        </p:attrNameLst>
+                                      </p:cBhvr>
+                                      <p:to>
+                                        <p:strVal val="visible"/>
+                                      </p:to>
+                                    </p:set>
+                                    <p:anim calcmode="lin" valueType="num">
+                                      <p:cBhvr>
+                                        <p:cTn id="12" dur="500" fill="hold"/>
+                                        <p:tgtEl>
+                                          <p:spTgt spid="5"/>
+                                        </p:tgtEl>
+                                        <p:attrNameLst>
+                                          <p:attrName>ppt_w</p:attrName>
+                                        </p:attrNameLst>
+                                      </p:cBhvr>
+                                      <p:tavLst>
+                                        <p:tav tm="0">
+                                          <p:val>
+                                            <p:fltVal val="0"/>
+                                          </p:val>
+                                        </p:tav>
+                                        <p:tav tm="100000">
+                                          <p:val>
+                                            <p:strVal val="#ppt_w"/>
+                                          </p:val>
+                                        </p:tav>
+                                      </p:tavLst>
+                                    </p:anim>
+                                    <p:anim calcmode="lin" valueType="num">
+                                      <p:cBhvr>
+                                        <p:cTn id="13" dur="500" fill="hold"/>
+                                        <p:tgtEl>
+                                          <p:spTgt spid="5"/>
+                                        </p:tgtEl>
+                                        <p:attrNameLst>
+                                          <p:attrName>ppt_h</p:attrName>
+                                        </p:attrNameLst>
+                                      </p:cBhvr>
+                                      <p:tavLst>
+                                        <p:tav tm="0">
+                                          <p:val>
+                                            <p:fltVal val="0"/>
+                                          </p:val>
+                                        </p:tav>
+                                        <p:tav tm="100000">
+                                          <p:val>
+                                            <p:strVal val="#ppt_h"/>
+                                          </p:val>
+                                        </p:tav>
+                                      </p:tavLst>
+                                    </p:anim>
+                                    <p:animEffect transition="in" filter="fade">
+                                      <p:cBhvr>
+                                        <p:cTn id="14" dur="500"/>
+                                        <p:tgtEl>
+                                          <p:spTgt spid="5"/>
+                                        </p:tgtEl>
+                                      </p:cBhvr>
+                                    </p:animEffect>
+                                  </p:childTnLst>
+                                </p:cTn>
+                              </p:par>
+                            </p:childTnLst>
+                          </p:cTn>
+                        </p:par>
+                      </p:childTnLst>
+                    </p:cTn>
+                  </p:par>
+                  <p:par>
+                    <p:cTn id="15" fill="hold">
+                      <p:stCondLst>
+                        <p:cond delay="indefinite"/>
+                      </p:stCondLst>
+                      <p:childTnLst>
+                        <p:par>
+                          <p:cTn id="16" fill="hold">
+                            <p:stCondLst>
+                              <p:cond delay="0"/>
+                            </p:stCondLst>
+                            <p:childTnLst>
+                              <p:par>
+                                <p:cTn id="17" presetID="53" presetClass="entr" presetSubtype="16" fill="hold" grpId="0" nodeType="clickEffect">
+                                  <p:stCondLst>
+                                    <p:cond delay="0"/>
+                                  </p:stCondLst>
+                                  <p:childTnLst>
+                                    <p:set>
+                                      <p:cBhvr>
+                                        <p:cTn id="18" dur="1" fill="hold">
+                                          <p:stCondLst>
+                                            <p:cond delay="0"/>
+                                          </p:stCondLst>
+                                        </p:cTn>
+                                        <p:tgtEl>
+                                          <p:spTgt spid="7"/>
+                                        </p:tgtEl>
+                                        <p:attrNameLst>
+                                          <p:attrName>style.visibility</p:attrName>
+                                        </p:attrNameLst>
+                                      </p:cBhvr>
+                                      <p:to>
+                                        <p:strVal val="visible"/>
+                                      </p:to>
+                                    </p:set>
+                                    <p:anim calcmode="lin" valueType="num">
+                                      <p:cBhvr>
+                                        <p:cTn id="19" dur="500" fill="hold"/>
+                                        <p:tgtEl>
+                                          <p:spTgt spid="7"/>
+                                        </p:tgtEl>
+                                        <p:attrNameLst>
+                                          <p:attrName>ppt_w</p:attrName>
+                                        </p:attrNameLst>
+                                      </p:cBhvr>
+                                      <p:tavLst>
+                                        <p:tav tm="0">
+                                          <p:val>
+                                            <p:fltVal val="0"/>
+                                          </p:val>
+                                        </p:tav>
+                                        <p:tav tm="100000">
+                                          <p:val>
+                                            <p:strVal val="#ppt_w"/>
+                                          </p:val>
+                                        </p:tav>
+                                      </p:tavLst>
+                                    </p:anim>
+                                    <p:anim calcmode="lin" valueType="num">
+                                      <p:cBhvr>
+                                        <p:cTn id="20" dur="500" fill="hold"/>
+                                        <p:tgtEl>
+                                          <p:spTgt spid="7"/>
+                                        </p:tgtEl>
+                                        <p:attrNameLst>
+                                          <p:attrName>ppt_h</p:attrName>
+                                        </p:attrNameLst>
+                                      </p:cBhvr>
+                                      <p:tavLst>
+                                        <p:tav tm="0">
+                                          <p:val>
+                                            <p:fltVal val="0"/>
+                                          </p:val>
+                                        </p:tav>
+                                        <p:tav tm="100000">
+                                          <p:val>
+                                            <p:strVal val="#ppt_h"/>
+                                          </p:val>
+                                        </p:tav>
+                                      </p:tavLst>
+                                    </p:anim>
+                                    <p:animEffect transition="in" filter="fade">
+                                      <p:cBhvr>
+                                        <p:cTn id="21" dur="500"/>
+                                        <p:tgtEl>
+                                          <p:spTgt spid="7"/>
+                                        </p:tgtEl>
+                                      </p:cBhvr>
+                                    </p:animEffect>
+                                  </p:childTnLst>
+                                </p:cTn>
+                              </p:par>
+                              <p:par>
+                                <p:cTn id="22" presetID="53" presetClass="entr" presetSubtype="16" fill="hold" grpId="0" nodeType="withEffect">
+                                  <p:stCondLst>
+                                    <p:cond delay="0"/>
+                                  </p:stCondLst>
+                                  <p:childTnLst>
+                                    <p:set>
+                                      <p:cBhvr>
+                                        <p:cTn id="23" dur="1" fill="hold">
+                                          <p:stCondLst>
+                                            <p:cond delay="0"/>
+                                          </p:stCondLst>
+                                        </p:cTn>
+                                        <p:tgtEl>
+                                          <p:spTgt spid="8"/>
+                                        </p:tgtEl>
+                                        <p:attrNameLst>
+                                          <p:attrName>style.visibility</p:attrName>
+                                        </p:attrNameLst>
+                                      </p:cBhvr>
+                                      <p:to>
+                                        <p:strVal val="visible"/>
+                                      </p:to>
+                                    </p:set>
+                                    <p:anim calcmode="lin" valueType="num">
+                                      <p:cBhvr>
+                                        <p:cTn id="24" dur="500" fill="hold"/>
+                                        <p:tgtEl>
+                                          <p:spTgt spid="8"/>
+                                        </p:tgtEl>
+                                        <p:attrNameLst>
+                                          <p:attrName>ppt_w</p:attrName>
+                                        </p:attrNameLst>
+                                      </p:cBhvr>
+                                      <p:tavLst>
+                                        <p:tav tm="0">
+                                          <p:val>
+                                            <p:fltVal val="0"/>
+                                          </p:val>
+                                        </p:tav>
+                                        <p:tav tm="100000">
+                                          <p:val>
+                                            <p:strVal val="#ppt_w"/>
+                                          </p:val>
+                                        </p:tav>
+                                      </p:tavLst>
+                                    </p:anim>
+                                    <p:anim calcmode="lin" valueType="num">
+                                      <p:cBhvr>
+                                        <p:cTn id="25" dur="500" fill="hold"/>
+                                        <p:tgtEl>
+                                          <p:spTgt spid="8"/>
+                                        </p:tgtEl>
+                                        <p:attrNameLst>
+                                          <p:attrName>ppt_h</p:attrName>
+                                        </p:attrNameLst>
+                                      </p:cBhvr>
+                                      <p:tavLst>
+                                        <p:tav tm="0">
+                                          <p:val>
+                                            <p:fltVal val="0"/>
+                                          </p:val>
+                                        </p:tav>
+                                        <p:tav tm="100000">
+                                          <p:val>
+                                            <p:strVal val="#ppt_h"/>
+                                          </p:val>
+                                        </p:tav>
+                                      </p:tavLst>
+                                    </p:anim>
+                                    <p:animEffect transition="in" filter="fade">
+                                      <p:cBhvr>
+                                        <p:cTn id="26" dur="500"/>
+                                        <p:tgtEl>
+                                          <p:spTgt spid="8"/>
+                                        </p:tgtEl>
+                                      </p:cBhvr>
+                                    </p:animEffect>
+                                  </p:childTnLst>
+                                </p:cTn>
+                              </p:par>
+                            </p:childTnLst>
+                          </p:cTn>
+                        </p:par>
+                      </p:childTnLst>
+                    </p:cTn>
+                  </p:par>
+                  <p:par>
+                    <p:cTn id="27" fill="hold">
+                      <p:stCondLst>
+                        <p:cond delay="indefinite"/>
+                      </p:stCondLst>
+                      <p:childTnLst>
+                        <p:par>
+                          <p:cTn id="28" fill="hold">
+                            <p:stCondLst>
+                              <p:cond delay="0"/>
+                            </p:stCondLst>
+                            <p:childTnLst>
+                              <p:par>
+                                <p:cTn id="29" presetID="53" presetClass="entr" presetSubtype="16" fill="hold" grpId="0" nodeType="clickEffect">
+                                  <p:stCondLst>
+                                    <p:cond delay="0"/>
+                                  </p:stCondLst>
+                                  <p:childTnLst>
+                                    <p:set>
+                                      <p:cBhvr>
+                                        <p:cTn id="30" dur="1" fill="hold">
+                                          <p:stCondLst>
+                                            <p:cond delay="0"/>
+                                          </p:stCondLst>
+                                        </p:cTn>
+                                        <p:tgtEl>
+                                          <p:spTgt spid="9"/>
+                                        </p:tgtEl>
+                                        <p:attrNameLst>
+                                          <p:attrName>style.visibility</p:attrName>
+                                        </p:attrNameLst>
+                                      </p:cBhvr>
+                                      <p:to>
+                                        <p:strVal val="visible"/>
+                                      </p:to>
+                                    </p:set>
+                                    <p:anim calcmode="lin" valueType="num">
+                                      <p:cBhvr>
+                                        <p:cTn id="31" dur="500" fill="hold"/>
+                                        <p:tgtEl>
+                                          <p:spTgt spid="9"/>
+                                        </p:tgtEl>
+                                        <p:attrNameLst>
+                                          <p:attrName>ppt_w</p:attrName>
+                                        </p:attrNameLst>
+                                      </p:cBhvr>
+                                      <p:tavLst>
+                                        <p:tav tm="0">
+                                          <p:val>
+                                            <p:fltVal val="0"/>
+                                          </p:val>
+                                        </p:tav>
+                                        <p:tav tm="100000">
+                                          <p:val>
+                                            <p:strVal val="#ppt_w"/>
+                                          </p:val>
+                                        </p:tav>
+                                      </p:tavLst>
+                                    </p:anim>
+                                    <p:anim calcmode="lin" valueType="num">
+                                      <p:cBhvr>
+                                        <p:cTn id="32" dur="500" fill="hold"/>
+                                        <p:tgtEl>
+                                          <p:spTgt spid="9"/>
+                                        </p:tgtEl>
+                                        <p:attrNameLst>
+                                          <p:attrName>ppt_h</p:attrName>
+                                        </p:attrNameLst>
+                                      </p:cBhvr>
+                                      <p:tavLst>
+                                        <p:tav tm="0">
+                                          <p:val>
+                                            <p:fltVal val="0"/>
+                                          </p:val>
+                                        </p:tav>
+                                        <p:tav tm="100000">
+                                          <p:val>
+                                            <p:strVal val="#ppt_h"/>
+                                          </p:val>
+                                        </p:tav>
+                                      </p:tavLst>
+                                    </p:anim>
+                                    <p:animEffect transition="in" filter="fade">
+                                      <p:cBhvr>
+                                        <p:cTn id="33" dur="500"/>
+                                        <p:tgtEl>
+                                          <p:spTgt spid="9"/>
+                                        </p:tgtEl>
+                                      </p:cBhvr>
+                                    </p:animEffect>
+                                  </p:childTnLst>
+                                </p:cTn>
+                              </p:par>
+                              <p:par>
+                                <p:cTn id="34" presetID="53" presetClass="entr" presetSubtype="16" fill="hold" grpId="0" nodeType="withEffect">
+                                  <p:stCondLst>
+                                    <p:cond delay="0"/>
+                                  </p:stCondLst>
+                                  <p:childTnLst>
+                                    <p:set>
+                                      <p:cBhvr>
+                                        <p:cTn id="35" dur="1" fill="hold">
+                                          <p:stCondLst>
+                                            <p:cond delay="0"/>
+                                          </p:stCondLst>
+                                        </p:cTn>
+                                        <p:tgtEl>
+                                          <p:spTgt spid="10"/>
+                                        </p:tgtEl>
+                                        <p:attrNameLst>
+                                          <p:attrName>style.visibility</p:attrName>
+                                        </p:attrNameLst>
+                                      </p:cBhvr>
+                                      <p:to>
+                                        <p:strVal val="visible"/>
+                                      </p:to>
+                                    </p:set>
+                                    <p:anim calcmode="lin" valueType="num">
+                                      <p:cBhvr>
+                                        <p:cTn id="36" dur="500" fill="hold"/>
+                                        <p:tgtEl>
+                                          <p:spTgt spid="10"/>
+                                        </p:tgtEl>
+                                        <p:attrNameLst>
+                                          <p:attrName>ppt_w</p:attrName>
+                                        </p:attrNameLst>
+                                      </p:cBhvr>
+                                      <p:tavLst>
+                                        <p:tav tm="0">
+                                          <p:val>
+                                            <p:fltVal val="0"/>
+                                          </p:val>
+                                        </p:tav>
+                                        <p:tav tm="100000">
+                                          <p:val>
+                                            <p:strVal val="#ppt_w"/>
+                                          </p:val>
+                                        </p:tav>
+                                      </p:tavLst>
+                                    </p:anim>
+                                    <p:anim calcmode="lin" valueType="num">
+                                      <p:cBhvr>
+                                        <p:cTn id="37" dur="500" fill="hold"/>
+                                        <p:tgtEl>
+                                          <p:spTgt spid="10"/>
+                                        </p:tgtEl>
+                                        <p:attrNameLst>
+                                          <p:attrName>ppt_h</p:attrName>
+                                        </p:attrNameLst>
+                                      </p:cBhvr>
+                                      <p:tavLst>
+                                        <p:tav tm="0">
+                                          <p:val>
+                                            <p:fltVal val="0"/>
+                                          </p:val>
+                                        </p:tav>
+                                        <p:tav tm="100000">
+                                          <p:val>
+                                            <p:strVal val="#ppt_h"/>
+                                          </p:val>
+                                        </p:tav>
+                                      </p:tavLst>
+                                    </p:anim>
+                                    <p:animEffect transition="in" filter="fade">
+                                      <p:cBhvr>
+                                        <p:cTn id="38" dur="500"/>
+                                        <p:tgtEl>
+                                          <p:spTgt spid="10"/>
+                                        </p:tgtEl>
+                                      </p:cBhvr>
+                                    </p:animEffect>
+                                  </p:childTnLst>
+                                </p:cTn>
+                              </p:par>
+                            </p:childTnLst>
+                          </p:cTn>
+                        </p:par>
+                      </p:childTnLst>
+                    </p:cTn>
+                  </p:par>
+                  <p:par>
+                    <p:cTn id="39" fill="hold">
+                      <p:stCondLst>
+                        <p:cond delay="indefinite"/>
+                      </p:stCondLst>
+                      <p:childTnLst>
+                        <p:par>
+                          <p:cTn id="40" fill="hold">
+                            <p:stCondLst>
+                              <p:cond delay="0"/>
+                            </p:stCondLst>
+                            <p:childTnLst>
+                              <p:par>
+                                <p:cTn id="41" presetID="53" presetClass="entr" presetSubtype="16" fill="hold" grpId="0" nodeType="clickEffect">
+                                  <p:stCondLst>
+                                    <p:cond delay="0"/>
+                                  </p:stCondLst>
+                                  <p:childTnLst>
+                                    <p:set>
+                                      <p:cBhvr>
+                                        <p:cTn id="42" dur="1" fill="hold">
+                                          <p:stCondLst>
+                                            <p:cond delay="0"/>
+                                          </p:stCondLst>
+                                        </p:cTn>
+                                        <p:tgtEl>
+                                          <p:spTgt spid="11"/>
+                                        </p:tgtEl>
+                                        <p:attrNameLst>
+                                          <p:attrName>style.visibility</p:attrName>
+                                        </p:attrNameLst>
+                                      </p:cBhvr>
+                                      <p:to>
+                                        <p:strVal val="visible"/>
+                                      </p:to>
+                                    </p:set>
+                                    <p:anim calcmode="lin" valueType="num">
+                                      <p:cBhvr>
+                                        <p:cTn id="43" dur="500" fill="hold"/>
+                                        <p:tgtEl>
+                                          <p:spTgt spid="11"/>
+                                        </p:tgtEl>
+                                        <p:attrNameLst>
+                                          <p:attrName>ppt_w</p:attrName>
+                                        </p:attrNameLst>
+                                      </p:cBhvr>
+                                      <p:tavLst>
+                                        <p:tav tm="0">
+                                          <p:val>
+                                            <p:fltVal val="0"/>
+                                          </p:val>
+                                        </p:tav>
+                                        <p:tav tm="100000">
+                                          <p:val>
+                                            <p:strVal val="#ppt_w"/>
+                                          </p:val>
+                                        </p:tav>
+                                      </p:tavLst>
+                                    </p:anim>
+                                    <p:anim calcmode="lin" valueType="num">
+                                      <p:cBhvr>
+                                        <p:cTn id="44" dur="500" fill="hold"/>
+                                        <p:tgtEl>
+                                          <p:spTgt spid="11"/>
+                                        </p:tgtEl>
+                                        <p:attrNameLst>
+                                          <p:attrName>ppt_h</p:attrName>
+                                        </p:attrNameLst>
+                                      </p:cBhvr>
+                                      <p:tavLst>
+                                        <p:tav tm="0">
+                                          <p:val>
+                                            <p:fltVal val="0"/>
+                                          </p:val>
+                                        </p:tav>
+                                        <p:tav tm="100000">
+                                          <p:val>
+                                            <p:strVal val="#ppt_h"/>
+                                          </p:val>
+                                        </p:tav>
+                                      </p:tavLst>
+                                    </p:anim>
+                                    <p:animEffect transition="in" filter="fade">
+                                      <p:cBhvr>
+                                        <p:cTn id="45" dur="500"/>
+                                        <p:tgtEl>
+                                          <p:spTgt spid="11"/>
+                                        </p:tgtEl>
+                                      </p:cBhvr>
+                                    </p:animEffect>
+                                  </p:childTnLst>
+                                </p:cTn>
+                              </p:par>
+                              <p:par>
+                                <p:cTn id="46" presetID="53" presetClass="entr" presetSubtype="16" fill="hold" grpId="0" nodeType="withEffect">
+                                  <p:stCondLst>
+                                    <p:cond delay="0"/>
+                                  </p:stCondLst>
+                                  <p:childTnLst>
+                                    <p:set>
+                                      <p:cBhvr>
+                                        <p:cTn id="47" dur="1" fill="hold">
+                                          <p:stCondLst>
+                                            <p:cond delay="0"/>
+                                          </p:stCondLst>
+                                        </p:cTn>
+                                        <p:tgtEl>
+                                          <p:spTgt spid="12"/>
+                                        </p:tgtEl>
+                                        <p:attrNameLst>
+                                          <p:attrName>style.visibility</p:attrName>
+                                        </p:attrNameLst>
+                                      </p:cBhvr>
+                                      <p:to>
+                                        <p:strVal val="visible"/>
+                                      </p:to>
+                                    </p:set>
+                                    <p:anim calcmode="lin" valueType="num">
+                                      <p:cBhvr>
+                                        <p:cTn id="48" dur="500" fill="hold"/>
+                                        <p:tgtEl>
+                                          <p:spTgt spid="12"/>
+                                        </p:tgtEl>
+                                        <p:attrNameLst>
+                                          <p:attrName>ppt_w</p:attrName>
+                                        </p:attrNameLst>
+                                      </p:cBhvr>
+                                      <p:tavLst>
+                                        <p:tav tm="0">
+                                          <p:val>
+                                            <p:fltVal val="0"/>
+                                          </p:val>
+                                        </p:tav>
+                                        <p:tav tm="100000">
+                                          <p:val>
+                                            <p:strVal val="#ppt_w"/>
+                                          </p:val>
+                                        </p:tav>
+                                      </p:tavLst>
+                                    </p:anim>
+                                    <p:anim calcmode="lin" valueType="num">
+                                      <p:cBhvr>
+                                        <p:cTn id="49" dur="500" fill="hold"/>
+                                        <p:tgtEl>
+                                          <p:spTgt spid="12"/>
+                                        </p:tgtEl>
+                                        <p:attrNameLst>
+                                          <p:attrName>ppt_h</p:attrName>
+                                        </p:attrNameLst>
+                                      </p:cBhvr>
+                                      <p:tavLst>
+                                        <p:tav tm="0">
+                                          <p:val>
+                                            <p:fltVal val="0"/>
+                                          </p:val>
+                                        </p:tav>
+                                        <p:tav tm="100000">
+                                          <p:val>
+                                            <p:strVal val="#ppt_h"/>
+                                          </p:val>
+                                        </p:tav>
+                                      </p:tavLst>
+                                    </p:anim>
+                                    <p:animEffect transition="in" filter="fade">
+                                      <p:cBhvr>
+                                        <p:cTn id="50" dur="500"/>
+                                        <p:tgtEl>
+                                          <p:spTgt spid="12"/>
+                                        </p:tgtEl>
+                                      </p:cBhvr>
+                                    </p:animEffect>
+                                  </p:childTnLst>
+                                </p:cTn>
+                              </p:par>
+                            </p:childTnLst>
+                          </p:cTn>
+                        </p:par>
+                      </p:childTnLst>
+                    </p:cTn>
+                  </p:par>
+                </p:childTnLst>
+              </p:cTn>
+              <p:prevCondLst>
+                <p:cond evt="onPrev" delay="0">
+                  <p:tgtEl>
+                    <p:sldTgt/>
+                  </p:tgtEl>
+                </p:cond>
+              </p:prevCondLst>
+              <p:nextCondLst>
+                <p:cond evt="onNext" delay="0">
+                  <p:tgtEl>
+                    <p:sldTgt/>
+                  </p:tgtEl>
+                </p:cond>
+              </p:nextCondLst>
+            </p:seq>
+          </p:childTnLst>
+        </p:cTn>
+      </p:par>
+    </p:tnLst>
+    <p:bldLst>
+      <p:bldP spid="5" grpId="0"/>
+      <p:bldP spid="6" grpId="0" animBg="1"/>
+      <p:bldP spid="7" grpId="0" animBg="1"/>
+      <p:bldP spid="8" grpId="0"/>
+      <p:bldP spid="9" grpId="0" animBg="1"/>
+      <p:bldP spid="10" grpId="0"/>
+      <p:bldP spid="11" grpId="0" animBg="1"/>
+      <p:bldP spid="12" grpId="0"/>
+    </p:bldLst>
+  </p:timing>
 </p:sld>
 </file>
 
@@ -8130,14 +11463,942 @@
             <p:ph type="title"/>
           </p:nvPr>
         </p:nvSpPr>
-        <p:spPr/>
+        <p:spPr>
+          <a:xfrm>
+            <a:off x="680321" y="753228"/>
+            <a:ext cx="9805918" cy="1080938"/>
+          </a:xfrm>
+        </p:spPr>
         <p:txBody>
           <a:bodyPr/>
           <a:lstStyle/>
           <a:p>
             <a:r>
               <a:rPr lang="es-ES" dirty="0"/>
-              <a:t>Conclusiones</a:t>
+              <a:t>Resultados de análisis de Counter-Propagation</a:t>
+            </a:r>
+          </a:p>
+        </p:txBody>
+      </p:sp>
+      <p:sp>
+        <p:nvSpPr>
+          <p:cNvPr id="4" name="Marcador de contenido 2"/>
+          <p:cNvSpPr txBox="1">
+            <a:spLocks/>
+          </p:cNvSpPr>
+          <p:nvPr/>
+        </p:nvSpPr>
+        <p:spPr>
+          <a:xfrm>
+            <a:off x="680321" y="2336872"/>
+            <a:ext cx="9613861" cy="4139429"/>
+          </a:xfrm>
+          <a:prstGeom prst="rect">
+            <a:avLst/>
+          </a:prstGeom>
+        </p:spPr>
+        <p:txBody>
+          <a:bodyPr vert="horz" lIns="91440" tIns="45720" rIns="91440" bIns="45720" rtlCol="0">
+            <a:normAutofit fontScale="92500" lnSpcReduction="10000"/>
+          </a:bodyPr>
+          <a:lstStyle>
+            <a:lvl1pPr marL="228600" indent="-228600" algn="l" defTabSz="914400" rtl="0" eaLnBrk="1" latinLnBrk="0" hangingPunct="1">
+              <a:lnSpc>
+                <a:spcPct val="90000"/>
+              </a:lnSpc>
+              <a:spcBef>
+                <a:spcPts val="1000"/>
+              </a:spcBef>
+              <a:buFont typeface="Arial" panose="020B0604020202020204" pitchFamily="34" charset="0"/>
+              <a:buChar char="•"/>
+              <a:defRPr sz="2400" kern="1200">
+                <a:solidFill>
+                  <a:schemeClr val="tx1"/>
+                </a:solidFill>
+                <a:latin typeface="+mn-lt"/>
+                <a:ea typeface="+mn-ea"/>
+                <a:cs typeface="+mn-cs"/>
+              </a:defRPr>
+            </a:lvl1pPr>
+            <a:lvl2pPr marL="685800" indent="-228600" algn="l" defTabSz="914400" rtl="0" eaLnBrk="1" latinLnBrk="0" hangingPunct="1">
+              <a:lnSpc>
+                <a:spcPct val="90000"/>
+              </a:lnSpc>
+              <a:spcBef>
+                <a:spcPts val="500"/>
+              </a:spcBef>
+              <a:buFont typeface="Arial" panose="020B0604020202020204" pitchFamily="34" charset="0"/>
+              <a:buChar char="•"/>
+              <a:defRPr sz="2000" kern="1200">
+                <a:solidFill>
+                  <a:schemeClr val="tx1"/>
+                </a:solidFill>
+                <a:latin typeface="+mn-lt"/>
+                <a:ea typeface="+mn-ea"/>
+                <a:cs typeface="+mn-cs"/>
+              </a:defRPr>
+            </a:lvl2pPr>
+            <a:lvl3pPr marL="1143000" indent="-228600" algn="l" defTabSz="914400" rtl="0" eaLnBrk="1" latinLnBrk="0" hangingPunct="1">
+              <a:lnSpc>
+                <a:spcPct val="90000"/>
+              </a:lnSpc>
+              <a:spcBef>
+                <a:spcPts val="500"/>
+              </a:spcBef>
+              <a:buFont typeface="Arial" panose="020B0604020202020204" pitchFamily="34" charset="0"/>
+              <a:buChar char="•"/>
+              <a:defRPr sz="1800" kern="1200">
+                <a:solidFill>
+                  <a:schemeClr val="tx1"/>
+                </a:solidFill>
+                <a:latin typeface="+mn-lt"/>
+                <a:ea typeface="+mn-ea"/>
+                <a:cs typeface="+mn-cs"/>
+              </a:defRPr>
+            </a:lvl3pPr>
+            <a:lvl4pPr marL="1600200" indent="-228600" algn="l" defTabSz="914400" rtl="0" eaLnBrk="1" latinLnBrk="0" hangingPunct="1">
+              <a:lnSpc>
+                <a:spcPct val="90000"/>
+              </a:lnSpc>
+              <a:spcBef>
+                <a:spcPts val="500"/>
+              </a:spcBef>
+              <a:buFont typeface="Arial" panose="020B0604020202020204" pitchFamily="34" charset="0"/>
+              <a:buChar char="•"/>
+              <a:defRPr sz="1600" kern="1200">
+                <a:solidFill>
+                  <a:schemeClr val="tx1"/>
+                </a:solidFill>
+                <a:latin typeface="+mn-lt"/>
+                <a:ea typeface="+mn-ea"/>
+                <a:cs typeface="+mn-cs"/>
+              </a:defRPr>
+            </a:lvl4pPr>
+            <a:lvl5pPr marL="2057400" indent="-228600" algn="l" defTabSz="914400" rtl="0" eaLnBrk="1" latinLnBrk="0" hangingPunct="1">
+              <a:lnSpc>
+                <a:spcPct val="90000"/>
+              </a:lnSpc>
+              <a:spcBef>
+                <a:spcPts val="500"/>
+              </a:spcBef>
+              <a:buFont typeface="Arial" panose="020B0604020202020204" pitchFamily="34" charset="0"/>
+              <a:buChar char="•"/>
+              <a:defRPr sz="1600" kern="1200">
+                <a:solidFill>
+                  <a:schemeClr val="tx1"/>
+                </a:solidFill>
+                <a:latin typeface="+mn-lt"/>
+                <a:ea typeface="+mn-ea"/>
+                <a:cs typeface="+mn-cs"/>
+              </a:defRPr>
+            </a:lvl5pPr>
+            <a:lvl6pPr marL="2514600" indent="-228600" algn="l" defTabSz="914400" rtl="0" eaLnBrk="1" latinLnBrk="0" hangingPunct="1">
+              <a:lnSpc>
+                <a:spcPct val="90000"/>
+              </a:lnSpc>
+              <a:spcBef>
+                <a:spcPts val="500"/>
+              </a:spcBef>
+              <a:buFont typeface="Arial" panose="020B0604020202020204" pitchFamily="34" charset="0"/>
+              <a:buChar char="•"/>
+              <a:defRPr sz="1400" kern="1200">
+                <a:solidFill>
+                  <a:schemeClr val="tx1"/>
+                </a:solidFill>
+                <a:latin typeface="+mn-lt"/>
+                <a:ea typeface="+mn-ea"/>
+                <a:cs typeface="+mn-cs"/>
+              </a:defRPr>
+            </a:lvl6pPr>
+            <a:lvl7pPr marL="2971800" indent="-228600" algn="l" defTabSz="914400" rtl="0" eaLnBrk="1" latinLnBrk="0" hangingPunct="1">
+              <a:lnSpc>
+                <a:spcPct val="90000"/>
+              </a:lnSpc>
+              <a:spcBef>
+                <a:spcPts val="500"/>
+              </a:spcBef>
+              <a:buFont typeface="Arial" panose="020B0604020202020204" pitchFamily="34" charset="0"/>
+              <a:buChar char="•"/>
+              <a:defRPr sz="1400" kern="1200">
+                <a:solidFill>
+                  <a:schemeClr val="tx1"/>
+                </a:solidFill>
+                <a:latin typeface="+mn-lt"/>
+                <a:ea typeface="+mn-ea"/>
+                <a:cs typeface="+mn-cs"/>
+              </a:defRPr>
+            </a:lvl7pPr>
+            <a:lvl8pPr marL="3429000" indent="-228600" algn="l" defTabSz="914400" rtl="0" eaLnBrk="1" latinLnBrk="0" hangingPunct="1">
+              <a:lnSpc>
+                <a:spcPct val="90000"/>
+              </a:lnSpc>
+              <a:spcBef>
+                <a:spcPts val="500"/>
+              </a:spcBef>
+              <a:buFont typeface="Arial" panose="020B0604020202020204" pitchFamily="34" charset="0"/>
+              <a:buChar char="•"/>
+              <a:defRPr sz="1400" kern="1200">
+                <a:solidFill>
+                  <a:schemeClr val="tx1"/>
+                </a:solidFill>
+                <a:latin typeface="+mn-lt"/>
+                <a:ea typeface="+mn-ea"/>
+                <a:cs typeface="+mn-cs"/>
+              </a:defRPr>
+            </a:lvl8pPr>
+            <a:lvl9pPr marL="3886200" indent="-228600" algn="l" defTabSz="914400" rtl="0" eaLnBrk="1" latinLnBrk="0" hangingPunct="1">
+              <a:lnSpc>
+                <a:spcPct val="90000"/>
+              </a:lnSpc>
+              <a:spcBef>
+                <a:spcPts val="500"/>
+              </a:spcBef>
+              <a:buFont typeface="Arial" panose="020B0604020202020204" pitchFamily="34" charset="0"/>
+              <a:buChar char="•"/>
+              <a:defRPr sz="1400" kern="1200">
+                <a:solidFill>
+                  <a:schemeClr val="tx1"/>
+                </a:solidFill>
+                <a:latin typeface="+mn-lt"/>
+                <a:ea typeface="+mn-ea"/>
+                <a:cs typeface="+mn-cs"/>
+              </a:defRPr>
+            </a:lvl9pPr>
+          </a:lstStyle>
+          <a:p>
+            <a:r>
+              <a:rPr lang="es-ES" dirty="0"/>
+              <a:t>Cáncer de mama</a:t>
+            </a:r>
+          </a:p>
+          <a:p>
+            <a:pPr lvl="1"/>
+            <a:r>
+              <a:rPr lang="es-ES" dirty="0"/>
+              <a:t>Neuronas del mapa -&gt; 10</a:t>
+            </a:r>
+          </a:p>
+          <a:p>
+            <a:pPr lvl="1"/>
+            <a:r>
+              <a:rPr lang="es-ES" dirty="0"/>
+              <a:t>Ratio de aprendizaje -&gt; 0,05</a:t>
+            </a:r>
+          </a:p>
+          <a:p>
+            <a:pPr lvl="1"/>
+            <a:r>
+              <a:rPr lang="es-ES" dirty="0"/>
+              <a:t>Momentum -&gt; 0,9</a:t>
+            </a:r>
+          </a:p>
+          <a:p>
+            <a:r>
+              <a:rPr lang="es-ES" dirty="0"/>
+              <a:t>Melanoma</a:t>
+            </a:r>
+          </a:p>
+          <a:p>
+            <a:pPr lvl="1"/>
+            <a:r>
+              <a:rPr lang="es-ES" dirty="0"/>
+              <a:t>Neuronas Ocultas -&gt; 11</a:t>
+            </a:r>
+          </a:p>
+          <a:p>
+            <a:pPr lvl="1"/>
+            <a:r>
+              <a:rPr lang="es-ES" dirty="0"/>
+              <a:t>Ratio de aprendizaje -&gt; 0,05</a:t>
+            </a:r>
+          </a:p>
+          <a:p>
+            <a:pPr lvl="1"/>
+            <a:r>
+              <a:rPr lang="es-ES" dirty="0"/>
+              <a:t>Momentum -&gt; 0,9</a:t>
+            </a:r>
+          </a:p>
+          <a:p>
+            <a:r>
+              <a:rPr lang="es-ES" dirty="0"/>
+              <a:t>Cáncer de pulmón</a:t>
+            </a:r>
+          </a:p>
+          <a:p>
+            <a:pPr lvl="1"/>
+            <a:r>
+              <a:rPr lang="es-ES" dirty="0"/>
+              <a:t>Neuronas Ocultas -&gt; 15 </a:t>
+            </a:r>
+          </a:p>
+          <a:p>
+            <a:pPr lvl="1"/>
+            <a:r>
+              <a:rPr lang="es-ES" dirty="0"/>
+              <a:t>Ratio de aprendizaje -&gt; 0,05</a:t>
+            </a:r>
+          </a:p>
+          <a:p>
+            <a:pPr lvl="1"/>
+            <a:r>
+              <a:rPr lang="es-ES" dirty="0"/>
+              <a:t>Momentum -&gt; 0,9</a:t>
+            </a:r>
+          </a:p>
+          <a:p>
+            <a:endParaRPr lang="es-ES" dirty="0"/>
+          </a:p>
+          <a:p>
+            <a:endParaRPr lang="es-ES" dirty="0"/>
+          </a:p>
+        </p:txBody>
+      </p:sp>
+      <p:sp>
+        <p:nvSpPr>
+          <p:cNvPr id="5" name="Flecha: a la derecha 4"/>
+          <p:cNvSpPr/>
+          <p:nvPr/>
+        </p:nvSpPr>
+        <p:spPr>
+          <a:xfrm>
+            <a:off x="5184396" y="2701255"/>
+            <a:ext cx="822121" cy="469784"/>
+          </a:xfrm>
+          <a:prstGeom prst="rightArrow">
+            <a:avLst/>
+          </a:prstGeom>
+        </p:spPr>
+        <p:style>
+          <a:lnRef idx="2">
+            <a:schemeClr val="accent1">
+              <a:shade val="50000"/>
+            </a:schemeClr>
+          </a:lnRef>
+          <a:fillRef idx="1">
+            <a:schemeClr val="accent1"/>
+          </a:fillRef>
+          <a:effectRef idx="0">
+            <a:schemeClr val="accent1"/>
+          </a:effectRef>
+          <a:fontRef idx="minor">
+            <a:schemeClr val="lt1"/>
+          </a:fontRef>
+        </p:style>
+        <p:txBody>
+          <a:bodyPr rtlCol="0" anchor="ctr"/>
+          <a:lstStyle/>
+          <a:p>
+            <a:pPr algn="ctr"/>
+            <a:endParaRPr lang="es-ES"/>
+          </a:p>
+        </p:txBody>
+      </p:sp>
+      <p:sp>
+        <p:nvSpPr>
+          <p:cNvPr id="6" name="Flecha: a la derecha 5"/>
+          <p:cNvSpPr/>
+          <p:nvPr/>
+        </p:nvSpPr>
+        <p:spPr>
+          <a:xfrm>
+            <a:off x="5184396" y="3906901"/>
+            <a:ext cx="822121" cy="469784"/>
+          </a:xfrm>
+          <a:prstGeom prst="rightArrow">
+            <a:avLst/>
+          </a:prstGeom>
+        </p:spPr>
+        <p:style>
+          <a:lnRef idx="2">
+            <a:schemeClr val="accent1">
+              <a:shade val="50000"/>
+            </a:schemeClr>
+          </a:lnRef>
+          <a:fillRef idx="1">
+            <a:schemeClr val="accent1"/>
+          </a:fillRef>
+          <a:effectRef idx="0">
+            <a:schemeClr val="accent1"/>
+          </a:effectRef>
+          <a:fontRef idx="minor">
+            <a:schemeClr val="lt1"/>
+          </a:fontRef>
+        </p:style>
+        <p:txBody>
+          <a:bodyPr rtlCol="0" anchor="ctr"/>
+          <a:lstStyle/>
+          <a:p>
+            <a:pPr algn="ctr"/>
+            <a:endParaRPr lang="es-ES"/>
+          </a:p>
+        </p:txBody>
+      </p:sp>
+      <p:sp>
+        <p:nvSpPr>
+          <p:cNvPr id="7" name="Flecha: a la derecha 6"/>
+          <p:cNvSpPr/>
+          <p:nvPr/>
+        </p:nvSpPr>
+        <p:spPr>
+          <a:xfrm>
+            <a:off x="5187556" y="5159862"/>
+            <a:ext cx="822121" cy="469784"/>
+          </a:xfrm>
+          <a:prstGeom prst="rightArrow">
+            <a:avLst/>
+          </a:prstGeom>
+        </p:spPr>
+        <p:style>
+          <a:lnRef idx="2">
+            <a:schemeClr val="accent1">
+              <a:shade val="50000"/>
+            </a:schemeClr>
+          </a:lnRef>
+          <a:fillRef idx="1">
+            <a:schemeClr val="accent1"/>
+          </a:fillRef>
+          <a:effectRef idx="0">
+            <a:schemeClr val="accent1"/>
+          </a:effectRef>
+          <a:fontRef idx="minor">
+            <a:schemeClr val="lt1"/>
+          </a:fontRef>
+        </p:style>
+        <p:txBody>
+          <a:bodyPr rtlCol="0" anchor="ctr"/>
+          <a:lstStyle/>
+          <a:p>
+            <a:pPr algn="ctr"/>
+            <a:endParaRPr lang="es-ES"/>
+          </a:p>
+        </p:txBody>
+      </p:sp>
+      <p:pic>
+        <p:nvPicPr>
+          <p:cNvPr id="9" name="Imagen 8"/>
+          <p:cNvPicPr>
+            <a:picLocks noChangeAspect="1"/>
+          </p:cNvPicPr>
+          <p:nvPr/>
+        </p:nvPicPr>
+        <p:blipFill>
+          <a:blip r:embed="rId2"/>
+          <a:stretch>
+            <a:fillRect/>
+          </a:stretch>
+        </p:blipFill>
+        <p:spPr>
+          <a:xfrm>
+            <a:off x="6591475" y="2574197"/>
+            <a:ext cx="4914900" cy="723900"/>
+          </a:xfrm>
+          <a:prstGeom prst="rect">
+            <a:avLst/>
+          </a:prstGeom>
+        </p:spPr>
+      </p:pic>
+      <p:pic>
+        <p:nvPicPr>
+          <p:cNvPr id="10" name="Imagen 9"/>
+          <p:cNvPicPr>
+            <a:picLocks noChangeAspect="1"/>
+          </p:cNvPicPr>
+          <p:nvPr/>
+        </p:nvPicPr>
+        <p:blipFill>
+          <a:blip r:embed="rId3"/>
+          <a:stretch>
+            <a:fillRect/>
+          </a:stretch>
+        </p:blipFill>
+        <p:spPr>
+          <a:xfrm>
+            <a:off x="6591475" y="3800803"/>
+            <a:ext cx="4895850" cy="704850"/>
+          </a:xfrm>
+          <a:prstGeom prst="rect">
+            <a:avLst/>
+          </a:prstGeom>
+        </p:spPr>
+      </p:pic>
+      <p:pic>
+        <p:nvPicPr>
+          <p:cNvPr id="11" name="Imagen 10"/>
+          <p:cNvPicPr>
+            <a:picLocks noChangeAspect="1"/>
+          </p:cNvPicPr>
+          <p:nvPr/>
+        </p:nvPicPr>
+        <p:blipFill>
+          <a:blip r:embed="rId4"/>
+          <a:stretch>
+            <a:fillRect/>
+          </a:stretch>
+        </p:blipFill>
+        <p:spPr>
+          <a:xfrm>
+            <a:off x="6591475" y="5036462"/>
+            <a:ext cx="4935567" cy="716583"/>
+          </a:xfrm>
+          <a:prstGeom prst="rect">
+            <a:avLst/>
+          </a:prstGeom>
+        </p:spPr>
+      </p:pic>
+    </p:spTree>
+    <p:extLst>
+      <p:ext uri="{BB962C8B-B14F-4D97-AF65-F5344CB8AC3E}">
+        <p14:creationId xmlns:p14="http://schemas.microsoft.com/office/powerpoint/2010/main" val="3060503491"/>
+      </p:ext>
+    </p:extLst>
+  </p:cSld>
+  <p:clrMapOvr>
+    <a:masterClrMapping/>
+  </p:clrMapOvr>
+  <p:timing>
+    <p:tnLst>
+      <p:par>
+        <p:cTn id="1" dur="indefinite" restart="never" nodeType="tmRoot">
+          <p:childTnLst>
+            <p:seq concurrent="1" nextAc="seek">
+              <p:cTn id="2" dur="indefinite" nodeType="mainSeq">
+                <p:childTnLst>
+                  <p:par>
+                    <p:cTn id="3" fill="hold">
+                      <p:stCondLst>
+                        <p:cond delay="indefinite"/>
+                      </p:stCondLst>
+                      <p:childTnLst>
+                        <p:par>
+                          <p:cTn id="4" fill="hold">
+                            <p:stCondLst>
+                              <p:cond delay="0"/>
+                            </p:stCondLst>
+                            <p:childTnLst>
+                              <p:par>
+                                <p:cTn id="5" presetID="53" presetClass="entr" presetSubtype="16" fill="hold" grpId="0" nodeType="clickEffect">
+                                  <p:stCondLst>
+                                    <p:cond delay="0"/>
+                                  </p:stCondLst>
+                                  <p:childTnLst>
+                                    <p:set>
+                                      <p:cBhvr>
+                                        <p:cTn id="6" dur="1" fill="hold">
+                                          <p:stCondLst>
+                                            <p:cond delay="0"/>
+                                          </p:stCondLst>
+                                        </p:cTn>
+                                        <p:tgtEl>
+                                          <p:spTgt spid="5"/>
+                                        </p:tgtEl>
+                                        <p:attrNameLst>
+                                          <p:attrName>style.visibility</p:attrName>
+                                        </p:attrNameLst>
+                                      </p:cBhvr>
+                                      <p:to>
+                                        <p:strVal val="visible"/>
+                                      </p:to>
+                                    </p:set>
+                                    <p:anim calcmode="lin" valueType="num">
+                                      <p:cBhvr>
+                                        <p:cTn id="7" dur="500" fill="hold"/>
+                                        <p:tgtEl>
+                                          <p:spTgt spid="5"/>
+                                        </p:tgtEl>
+                                        <p:attrNameLst>
+                                          <p:attrName>ppt_w</p:attrName>
+                                        </p:attrNameLst>
+                                      </p:cBhvr>
+                                      <p:tavLst>
+                                        <p:tav tm="0">
+                                          <p:val>
+                                            <p:fltVal val="0"/>
+                                          </p:val>
+                                        </p:tav>
+                                        <p:tav tm="100000">
+                                          <p:val>
+                                            <p:strVal val="#ppt_w"/>
+                                          </p:val>
+                                        </p:tav>
+                                      </p:tavLst>
+                                    </p:anim>
+                                    <p:anim calcmode="lin" valueType="num">
+                                      <p:cBhvr>
+                                        <p:cTn id="8" dur="500" fill="hold"/>
+                                        <p:tgtEl>
+                                          <p:spTgt spid="5"/>
+                                        </p:tgtEl>
+                                        <p:attrNameLst>
+                                          <p:attrName>ppt_h</p:attrName>
+                                        </p:attrNameLst>
+                                      </p:cBhvr>
+                                      <p:tavLst>
+                                        <p:tav tm="0">
+                                          <p:val>
+                                            <p:fltVal val="0"/>
+                                          </p:val>
+                                        </p:tav>
+                                        <p:tav tm="100000">
+                                          <p:val>
+                                            <p:strVal val="#ppt_h"/>
+                                          </p:val>
+                                        </p:tav>
+                                      </p:tavLst>
+                                    </p:anim>
+                                    <p:animEffect transition="in" filter="fade">
+                                      <p:cBhvr>
+                                        <p:cTn id="9" dur="500"/>
+                                        <p:tgtEl>
+                                          <p:spTgt spid="5"/>
+                                        </p:tgtEl>
+                                      </p:cBhvr>
+                                    </p:animEffect>
+                                  </p:childTnLst>
+                                </p:cTn>
+                              </p:par>
+                              <p:par>
+                                <p:cTn id="10" presetID="53" presetClass="entr" presetSubtype="16" fill="hold" grpId="0" nodeType="withEffect">
+                                  <p:stCondLst>
+                                    <p:cond delay="0"/>
+                                  </p:stCondLst>
+                                  <p:childTnLst>
+                                    <p:set>
+                                      <p:cBhvr>
+                                        <p:cTn id="11" dur="1" fill="hold">
+                                          <p:stCondLst>
+                                            <p:cond delay="0"/>
+                                          </p:stCondLst>
+                                        </p:cTn>
+                                        <p:tgtEl>
+                                          <p:spTgt spid="6"/>
+                                        </p:tgtEl>
+                                        <p:attrNameLst>
+                                          <p:attrName>style.visibility</p:attrName>
+                                        </p:attrNameLst>
+                                      </p:cBhvr>
+                                      <p:to>
+                                        <p:strVal val="visible"/>
+                                      </p:to>
+                                    </p:set>
+                                    <p:anim calcmode="lin" valueType="num">
+                                      <p:cBhvr>
+                                        <p:cTn id="12" dur="500" fill="hold"/>
+                                        <p:tgtEl>
+                                          <p:spTgt spid="6"/>
+                                        </p:tgtEl>
+                                        <p:attrNameLst>
+                                          <p:attrName>ppt_w</p:attrName>
+                                        </p:attrNameLst>
+                                      </p:cBhvr>
+                                      <p:tavLst>
+                                        <p:tav tm="0">
+                                          <p:val>
+                                            <p:fltVal val="0"/>
+                                          </p:val>
+                                        </p:tav>
+                                        <p:tav tm="100000">
+                                          <p:val>
+                                            <p:strVal val="#ppt_w"/>
+                                          </p:val>
+                                        </p:tav>
+                                      </p:tavLst>
+                                    </p:anim>
+                                    <p:anim calcmode="lin" valueType="num">
+                                      <p:cBhvr>
+                                        <p:cTn id="13" dur="500" fill="hold"/>
+                                        <p:tgtEl>
+                                          <p:spTgt spid="6"/>
+                                        </p:tgtEl>
+                                        <p:attrNameLst>
+                                          <p:attrName>ppt_h</p:attrName>
+                                        </p:attrNameLst>
+                                      </p:cBhvr>
+                                      <p:tavLst>
+                                        <p:tav tm="0">
+                                          <p:val>
+                                            <p:fltVal val="0"/>
+                                          </p:val>
+                                        </p:tav>
+                                        <p:tav tm="100000">
+                                          <p:val>
+                                            <p:strVal val="#ppt_h"/>
+                                          </p:val>
+                                        </p:tav>
+                                      </p:tavLst>
+                                    </p:anim>
+                                    <p:animEffect transition="in" filter="fade">
+                                      <p:cBhvr>
+                                        <p:cTn id="14" dur="500"/>
+                                        <p:tgtEl>
+                                          <p:spTgt spid="6"/>
+                                        </p:tgtEl>
+                                      </p:cBhvr>
+                                    </p:animEffect>
+                                  </p:childTnLst>
+                                </p:cTn>
+                              </p:par>
+                              <p:par>
+                                <p:cTn id="15" presetID="53" presetClass="entr" presetSubtype="16" fill="hold" grpId="0" nodeType="withEffect">
+                                  <p:stCondLst>
+                                    <p:cond delay="0"/>
+                                  </p:stCondLst>
+                                  <p:childTnLst>
+                                    <p:set>
+                                      <p:cBhvr>
+                                        <p:cTn id="16" dur="1" fill="hold">
+                                          <p:stCondLst>
+                                            <p:cond delay="0"/>
+                                          </p:stCondLst>
+                                        </p:cTn>
+                                        <p:tgtEl>
+                                          <p:spTgt spid="7"/>
+                                        </p:tgtEl>
+                                        <p:attrNameLst>
+                                          <p:attrName>style.visibility</p:attrName>
+                                        </p:attrNameLst>
+                                      </p:cBhvr>
+                                      <p:to>
+                                        <p:strVal val="visible"/>
+                                      </p:to>
+                                    </p:set>
+                                    <p:anim calcmode="lin" valueType="num">
+                                      <p:cBhvr>
+                                        <p:cTn id="17" dur="500" fill="hold"/>
+                                        <p:tgtEl>
+                                          <p:spTgt spid="7"/>
+                                        </p:tgtEl>
+                                        <p:attrNameLst>
+                                          <p:attrName>ppt_w</p:attrName>
+                                        </p:attrNameLst>
+                                      </p:cBhvr>
+                                      <p:tavLst>
+                                        <p:tav tm="0">
+                                          <p:val>
+                                            <p:fltVal val="0"/>
+                                          </p:val>
+                                        </p:tav>
+                                        <p:tav tm="100000">
+                                          <p:val>
+                                            <p:strVal val="#ppt_w"/>
+                                          </p:val>
+                                        </p:tav>
+                                      </p:tavLst>
+                                    </p:anim>
+                                    <p:anim calcmode="lin" valueType="num">
+                                      <p:cBhvr>
+                                        <p:cTn id="18" dur="500" fill="hold"/>
+                                        <p:tgtEl>
+                                          <p:spTgt spid="7"/>
+                                        </p:tgtEl>
+                                        <p:attrNameLst>
+                                          <p:attrName>ppt_h</p:attrName>
+                                        </p:attrNameLst>
+                                      </p:cBhvr>
+                                      <p:tavLst>
+                                        <p:tav tm="0">
+                                          <p:val>
+                                            <p:fltVal val="0"/>
+                                          </p:val>
+                                        </p:tav>
+                                        <p:tav tm="100000">
+                                          <p:val>
+                                            <p:strVal val="#ppt_h"/>
+                                          </p:val>
+                                        </p:tav>
+                                      </p:tavLst>
+                                    </p:anim>
+                                    <p:animEffect transition="in" filter="fade">
+                                      <p:cBhvr>
+                                        <p:cTn id="19" dur="500"/>
+                                        <p:tgtEl>
+                                          <p:spTgt spid="7"/>
+                                        </p:tgtEl>
+                                      </p:cBhvr>
+                                    </p:animEffect>
+                                  </p:childTnLst>
+                                </p:cTn>
+                              </p:par>
+                            </p:childTnLst>
+                          </p:cTn>
+                        </p:par>
+                      </p:childTnLst>
+                    </p:cTn>
+                  </p:par>
+                </p:childTnLst>
+              </p:cTn>
+              <p:prevCondLst>
+                <p:cond evt="onPrev" delay="0">
+                  <p:tgtEl>
+                    <p:sldTgt/>
+                  </p:tgtEl>
+                </p:cond>
+              </p:prevCondLst>
+              <p:nextCondLst>
+                <p:cond evt="onNext" delay="0">
+                  <p:tgtEl>
+                    <p:sldTgt/>
+                  </p:tgtEl>
+                </p:cond>
+              </p:nextCondLst>
+            </p:seq>
+          </p:childTnLst>
+        </p:cTn>
+      </p:par>
+    </p:tnLst>
+    <p:bldLst>
+      <p:bldP spid="5" grpId="0" animBg="1"/>
+      <p:bldP spid="6" grpId="0" animBg="1"/>
+      <p:bldP spid="7" grpId="0" animBg="1"/>
+    </p:bldLst>
+  </p:timing>
+</p:sld>
+</file>
+
+<file path=ppt/slides/slide15.xml><?xml version="1.0" encoding="utf-8"?>
+<p:sld xmlns:a="http://schemas.openxmlformats.org/drawingml/2006/main" xmlns:r="http://schemas.openxmlformats.org/officeDocument/2006/relationships" xmlns:p="http://schemas.openxmlformats.org/presentationml/2006/main">
+  <p:cSld>
+    <p:spTree>
+      <p:nvGrpSpPr>
+        <p:cNvPr id="1" name=""/>
+        <p:cNvGrpSpPr/>
+        <p:nvPr/>
+      </p:nvGrpSpPr>
+      <p:grpSpPr>
+        <a:xfrm>
+          <a:off x="0" y="0"/>
+          <a:ext cx="0" cy="0"/>
+          <a:chOff x="0" y="0"/>
+          <a:chExt cx="0" cy="0"/>
+        </a:xfrm>
+      </p:grpSpPr>
+      <p:sp>
+        <p:nvSpPr>
+          <p:cNvPr id="2" name="Título 1"/>
+          <p:cNvSpPr>
+            <a:spLocks noGrp="1"/>
+          </p:cNvSpPr>
+          <p:nvPr>
+            <p:ph type="title"/>
+          </p:nvPr>
+        </p:nvSpPr>
+        <p:spPr/>
+        <p:txBody>
+          <a:bodyPr/>
+          <a:lstStyle/>
+          <a:p>
+            <a:r>
+              <a:rPr lang="es-ES" dirty="0"/>
+              <a:t>Comparación de resultados</a:t>
+            </a:r>
+          </a:p>
+        </p:txBody>
+      </p:sp>
+      <p:sp>
+        <p:nvSpPr>
+          <p:cNvPr id="3" name="CuadroTexto 2"/>
+          <p:cNvSpPr txBox="1"/>
+          <p:nvPr/>
+        </p:nvSpPr>
+        <p:spPr>
+          <a:xfrm>
+            <a:off x="922789" y="2290194"/>
+            <a:ext cx="3565321" cy="461665"/>
+          </a:xfrm>
+          <a:prstGeom prst="rect">
+            <a:avLst/>
+          </a:prstGeom>
+          <a:noFill/>
+        </p:spPr>
+        <p:txBody>
+          <a:bodyPr wrap="square" rtlCol="0">
+            <a:spAutoFit/>
+          </a:bodyPr>
+          <a:lstStyle/>
+          <a:p>
+            <a:pPr marL="285750" indent="-285750">
+              <a:buFont typeface="Arial" panose="020B0604020202020204" pitchFamily="34" charset="0"/>
+              <a:buChar char="•"/>
+            </a:pPr>
+            <a:r>
+              <a:rPr lang="es-ES" sz="2400" dirty="0"/>
+              <a:t>Cáncer de mama</a:t>
+            </a:r>
+          </a:p>
+        </p:txBody>
+      </p:sp>
+      <p:pic>
+        <p:nvPicPr>
+          <p:cNvPr id="4" name="Imagen 3"/>
+          <p:cNvPicPr>
+            <a:picLocks noChangeAspect="1"/>
+          </p:cNvPicPr>
+          <p:nvPr/>
+        </p:nvPicPr>
+        <p:blipFill>
+          <a:blip r:embed="rId2"/>
+          <a:stretch>
+            <a:fillRect/>
+          </a:stretch>
+        </p:blipFill>
+        <p:spPr>
+          <a:xfrm>
+            <a:off x="2196860" y="3031717"/>
+            <a:ext cx="6556426" cy="2253347"/>
+          </a:xfrm>
+          <a:prstGeom prst="rect">
+            <a:avLst/>
+          </a:prstGeom>
+        </p:spPr>
+      </p:pic>
+    </p:spTree>
+    <p:extLst>
+      <p:ext uri="{BB962C8B-B14F-4D97-AF65-F5344CB8AC3E}">
+        <p14:creationId xmlns:p14="http://schemas.microsoft.com/office/powerpoint/2010/main" val="1968172706"/>
+      </p:ext>
+    </p:extLst>
+  </p:cSld>
+  <p:clrMapOvr>
+    <a:masterClrMapping/>
+  </p:clrMapOvr>
+</p:sld>
+</file>
+
+<file path=ppt/slides/slide16.xml><?xml version="1.0" encoding="utf-8"?>
+<p:sld xmlns:a="http://schemas.openxmlformats.org/drawingml/2006/main" xmlns:r="http://schemas.openxmlformats.org/officeDocument/2006/relationships" xmlns:p="http://schemas.openxmlformats.org/presentationml/2006/main">
+  <p:cSld>
+    <p:spTree>
+      <p:nvGrpSpPr>
+        <p:cNvPr id="1" name=""/>
+        <p:cNvGrpSpPr/>
+        <p:nvPr/>
+      </p:nvGrpSpPr>
+      <p:grpSpPr>
+        <a:xfrm>
+          <a:off x="0" y="0"/>
+          <a:ext cx="0" cy="0"/>
+          <a:chOff x="0" y="0"/>
+          <a:chExt cx="0" cy="0"/>
+        </a:xfrm>
+      </p:grpSpPr>
+      <p:sp>
+        <p:nvSpPr>
+          <p:cNvPr id="2" name="Título 1"/>
+          <p:cNvSpPr>
+            <a:spLocks noGrp="1"/>
+          </p:cNvSpPr>
+          <p:nvPr>
+            <p:ph type="title"/>
+          </p:nvPr>
+        </p:nvSpPr>
+        <p:spPr/>
+        <p:txBody>
+          <a:bodyPr/>
+          <a:lstStyle/>
+          <a:p>
+            <a:r>
+              <a:rPr lang="es-ES" dirty="0"/>
+              <a:t>Comparación de resultados</a:t>
             </a:r>
           </a:p>
         </p:txBody>
@@ -8152,12 +12413,265 @@
             <p:ph idx="1"/>
           </p:nvPr>
         </p:nvSpPr>
-        <p:spPr/>
+        <p:spPr>
+          <a:xfrm>
+            <a:off x="881656" y="2320095"/>
+            <a:ext cx="2062879" cy="431494"/>
+          </a:xfrm>
+        </p:spPr>
         <p:txBody>
           <a:bodyPr/>
           <a:lstStyle/>
           <a:p>
-            <a:endParaRPr lang="es-ES"/>
+            <a:r>
+              <a:rPr lang="es-ES" dirty="0"/>
+              <a:t>Melanoma</a:t>
+            </a:r>
+          </a:p>
+        </p:txBody>
+      </p:sp>
+      <p:pic>
+        <p:nvPicPr>
+          <p:cNvPr id="4" name="Imagen 3"/>
+          <p:cNvPicPr>
+            <a:picLocks noChangeAspect="1"/>
+          </p:cNvPicPr>
+          <p:nvPr/>
+        </p:nvPicPr>
+        <p:blipFill>
+          <a:blip r:embed="rId2"/>
+          <a:stretch>
+            <a:fillRect/>
+          </a:stretch>
+        </p:blipFill>
+        <p:spPr>
+          <a:xfrm>
+            <a:off x="2091664" y="3093700"/>
+            <a:ext cx="6791174" cy="2282511"/>
+          </a:xfrm>
+          <a:prstGeom prst="rect">
+            <a:avLst/>
+          </a:prstGeom>
+        </p:spPr>
+      </p:pic>
+    </p:spTree>
+    <p:extLst>
+      <p:ext uri="{BB962C8B-B14F-4D97-AF65-F5344CB8AC3E}">
+        <p14:creationId xmlns:p14="http://schemas.microsoft.com/office/powerpoint/2010/main" val="1041915433"/>
+      </p:ext>
+    </p:extLst>
+  </p:cSld>
+  <p:clrMapOvr>
+    <a:masterClrMapping/>
+  </p:clrMapOvr>
+</p:sld>
+</file>
+
+<file path=ppt/slides/slide17.xml><?xml version="1.0" encoding="utf-8"?>
+<p:sld xmlns:a="http://schemas.openxmlformats.org/drawingml/2006/main" xmlns:r="http://schemas.openxmlformats.org/officeDocument/2006/relationships" xmlns:p="http://schemas.openxmlformats.org/presentationml/2006/main">
+  <p:cSld>
+    <p:spTree>
+      <p:nvGrpSpPr>
+        <p:cNvPr id="1" name=""/>
+        <p:cNvGrpSpPr/>
+        <p:nvPr/>
+      </p:nvGrpSpPr>
+      <p:grpSpPr>
+        <a:xfrm>
+          <a:off x="0" y="0"/>
+          <a:ext cx="0" cy="0"/>
+          <a:chOff x="0" y="0"/>
+          <a:chExt cx="0" cy="0"/>
+        </a:xfrm>
+      </p:grpSpPr>
+      <p:sp>
+        <p:nvSpPr>
+          <p:cNvPr id="2" name="Título 1"/>
+          <p:cNvSpPr>
+            <a:spLocks noGrp="1"/>
+          </p:cNvSpPr>
+          <p:nvPr>
+            <p:ph type="title"/>
+          </p:nvPr>
+        </p:nvSpPr>
+        <p:spPr/>
+        <p:txBody>
+          <a:bodyPr/>
+          <a:lstStyle/>
+          <a:p>
+            <a:r>
+              <a:rPr lang="es-ES" dirty="0"/>
+              <a:t>Comparación de resultados</a:t>
+            </a:r>
+          </a:p>
+        </p:txBody>
+      </p:sp>
+      <p:sp>
+        <p:nvSpPr>
+          <p:cNvPr id="3" name="Marcador de contenido 2"/>
+          <p:cNvSpPr>
+            <a:spLocks noGrp="1"/>
+          </p:cNvSpPr>
+          <p:nvPr>
+            <p:ph idx="1"/>
+          </p:nvPr>
+        </p:nvSpPr>
+        <p:spPr>
+          <a:xfrm>
+            <a:off x="890046" y="2294929"/>
+            <a:ext cx="3044391" cy="481828"/>
+          </a:xfrm>
+        </p:spPr>
+        <p:txBody>
+          <a:bodyPr/>
+          <a:lstStyle/>
+          <a:p>
+            <a:r>
+              <a:rPr lang="es-ES" dirty="0"/>
+              <a:t>Cáncer de pulmón</a:t>
+            </a:r>
+          </a:p>
+        </p:txBody>
+      </p:sp>
+      <p:pic>
+        <p:nvPicPr>
+          <p:cNvPr id="4" name="Imagen 3"/>
+          <p:cNvPicPr>
+            <a:picLocks noChangeAspect="1"/>
+          </p:cNvPicPr>
+          <p:nvPr/>
+        </p:nvPicPr>
+        <p:blipFill>
+          <a:blip r:embed="rId2"/>
+          <a:stretch>
+            <a:fillRect/>
+          </a:stretch>
+        </p:blipFill>
+        <p:spPr>
+          <a:xfrm>
+            <a:off x="2080235" y="3070370"/>
+            <a:ext cx="6814031" cy="2290193"/>
+          </a:xfrm>
+          <a:prstGeom prst="rect">
+            <a:avLst/>
+          </a:prstGeom>
+        </p:spPr>
+      </p:pic>
+    </p:spTree>
+    <p:extLst>
+      <p:ext uri="{BB962C8B-B14F-4D97-AF65-F5344CB8AC3E}">
+        <p14:creationId xmlns:p14="http://schemas.microsoft.com/office/powerpoint/2010/main" val="952553612"/>
+      </p:ext>
+    </p:extLst>
+  </p:cSld>
+  <p:clrMapOvr>
+    <a:masterClrMapping/>
+  </p:clrMapOvr>
+</p:sld>
+</file>
+
+<file path=ppt/slides/slide18.xml><?xml version="1.0" encoding="utf-8"?>
+<p:sld xmlns:a="http://schemas.openxmlformats.org/drawingml/2006/main" xmlns:r="http://schemas.openxmlformats.org/officeDocument/2006/relationships" xmlns:p="http://schemas.openxmlformats.org/presentationml/2006/main">
+  <p:cSld>
+    <p:spTree>
+      <p:nvGrpSpPr>
+        <p:cNvPr id="1" name=""/>
+        <p:cNvGrpSpPr/>
+        <p:nvPr/>
+      </p:nvGrpSpPr>
+      <p:grpSpPr>
+        <a:xfrm>
+          <a:off x="0" y="0"/>
+          <a:ext cx="0" cy="0"/>
+          <a:chOff x="0" y="0"/>
+          <a:chExt cx="0" cy="0"/>
+        </a:xfrm>
+      </p:grpSpPr>
+      <p:sp>
+        <p:nvSpPr>
+          <p:cNvPr id="2" name="Título 1"/>
+          <p:cNvSpPr>
+            <a:spLocks noGrp="1"/>
+          </p:cNvSpPr>
+          <p:nvPr>
+            <p:ph type="title"/>
+          </p:nvPr>
+        </p:nvSpPr>
+        <p:spPr/>
+        <p:txBody>
+          <a:bodyPr/>
+          <a:lstStyle/>
+          <a:p>
+            <a:r>
+              <a:rPr lang="en-US" dirty="0"/>
+              <a:t>Summary and Conclusions</a:t>
+            </a:r>
+          </a:p>
+        </p:txBody>
+      </p:sp>
+      <p:sp>
+        <p:nvSpPr>
+          <p:cNvPr id="3" name="Marcador de contenido 2"/>
+          <p:cNvSpPr>
+            <a:spLocks noGrp="1"/>
+          </p:cNvSpPr>
+          <p:nvPr>
+            <p:ph idx="1"/>
+          </p:nvPr>
+        </p:nvSpPr>
+        <p:spPr>
+          <a:xfrm>
+            <a:off x="680321" y="2336873"/>
+            <a:ext cx="10007253" cy="3599316"/>
+          </a:xfrm>
+        </p:spPr>
+        <p:txBody>
+          <a:bodyPr/>
+          <a:lstStyle/>
+          <a:p>
+            <a:r>
+              <a:rPr lang="en-US" dirty="0"/>
+              <a:t>Not as good results as expected</a:t>
+            </a:r>
+          </a:p>
+          <a:p>
+            <a:endParaRPr lang="en-US" dirty="0"/>
+          </a:p>
+          <a:p>
+            <a:r>
+              <a:rPr lang="en-US" dirty="0"/>
+              <a:t>Counter-Propagation results had really low sensitivity</a:t>
+            </a:r>
+          </a:p>
+          <a:p>
+            <a:endParaRPr lang="en-US" dirty="0"/>
+          </a:p>
+          <a:p>
+            <a:r>
+              <a:rPr lang="en-US" dirty="0"/>
+              <a:t>In the future:</a:t>
+            </a:r>
+          </a:p>
+          <a:p>
+            <a:pPr lvl="1"/>
+            <a:r>
+              <a:rPr lang="en-US" dirty="0"/>
+              <a:t>Analysis improvements</a:t>
+            </a:r>
+          </a:p>
+          <a:p>
+            <a:pPr lvl="1"/>
+            <a:r>
+              <a:rPr lang="en-US" dirty="0"/>
+              <a:t>Testing other networks or algorithms</a:t>
+            </a:r>
+          </a:p>
+          <a:p>
+            <a:pPr lvl="1"/>
+            <a:r>
+              <a:rPr lang="en-US" dirty="0"/>
+              <a:t>GUI development</a:t>
+            </a:r>
           </a:p>
         </p:txBody>
       </p:sp>
@@ -8165,6 +12679,179 @@
     <p:extLst>
       <p:ext uri="{BB962C8B-B14F-4D97-AF65-F5344CB8AC3E}">
         <p14:creationId xmlns:p14="http://schemas.microsoft.com/office/powerpoint/2010/main" val="158174292"/>
+      </p:ext>
+    </p:extLst>
+  </p:cSld>
+  <p:clrMapOvr>
+    <a:masterClrMapping/>
+  </p:clrMapOvr>
+</p:sld>
+</file>
+
+<file path=ppt/slides/slide19.xml><?xml version="1.0" encoding="utf-8"?>
+<p:sld xmlns:a="http://schemas.openxmlformats.org/drawingml/2006/main" xmlns:r="http://schemas.openxmlformats.org/officeDocument/2006/relationships" xmlns:p="http://schemas.openxmlformats.org/presentationml/2006/main">
+  <p:cSld>
+    <p:spTree>
+      <p:nvGrpSpPr>
+        <p:cNvPr id="1" name=""/>
+        <p:cNvGrpSpPr/>
+        <p:nvPr/>
+      </p:nvGrpSpPr>
+      <p:grpSpPr>
+        <a:xfrm>
+          <a:off x="0" y="0"/>
+          <a:ext cx="0" cy="0"/>
+          <a:chOff x="0" y="0"/>
+          <a:chExt cx="0" cy="0"/>
+        </a:xfrm>
+      </p:grpSpPr>
+      <p:sp>
+        <p:nvSpPr>
+          <p:cNvPr id="2" name="Título 1"/>
+          <p:cNvSpPr>
+            <a:spLocks noGrp="1"/>
+          </p:cNvSpPr>
+          <p:nvPr>
+            <p:ph type="title"/>
+          </p:nvPr>
+        </p:nvSpPr>
+        <p:spPr/>
+        <p:txBody>
+          <a:bodyPr/>
+          <a:lstStyle/>
+          <a:p>
+            <a:r>
+              <a:rPr lang="es-ES" dirty="0"/>
+              <a:t>Bibliografía</a:t>
+            </a:r>
+          </a:p>
+        </p:txBody>
+      </p:sp>
+      <p:sp>
+        <p:nvSpPr>
+          <p:cNvPr id="3" name="Marcador de contenido 2"/>
+          <p:cNvSpPr>
+            <a:spLocks noGrp="1"/>
+          </p:cNvSpPr>
+          <p:nvPr>
+            <p:ph idx="1"/>
+          </p:nvPr>
+        </p:nvSpPr>
+        <p:spPr>
+          <a:xfrm>
+            <a:off x="680321" y="2336873"/>
+            <a:ext cx="9613861" cy="4089094"/>
+          </a:xfrm>
+        </p:spPr>
+        <p:txBody>
+          <a:bodyPr>
+            <a:normAutofit/>
+          </a:bodyPr>
+          <a:lstStyle/>
+          <a:p>
+            <a:r>
+              <a:rPr lang="es-ES" dirty="0"/>
+              <a:t>Redes Neuronales y Sistemas Borrosos – Bonifacio Martín del Brío y</a:t>
+            </a:r>
+            <a:br>
+              <a:rPr lang="es-ES" dirty="0"/>
+            </a:br>
+            <a:r>
+              <a:rPr lang="es-ES" dirty="0"/>
+              <a:t>Alfredo Sanz Molina – Ed. Ra-</a:t>
+            </a:r>
+            <a:r>
+              <a:rPr lang="es-ES" dirty="0" err="1"/>
+              <a:t>Ma</a:t>
+            </a:r>
+            <a:r>
+              <a:rPr lang="es-ES" dirty="0"/>
+              <a:t>, 2ª edición, 2001</a:t>
+            </a:r>
+          </a:p>
+          <a:p>
+            <a:r>
+              <a:rPr lang="es-ES" dirty="0"/>
+              <a:t>Back-Propagation: </a:t>
+            </a:r>
+            <a:r>
+              <a:rPr lang="es-ES" dirty="0">
+                <a:hlinkClick r:id="rId2"/>
+              </a:rPr>
+              <a:t>https://en.wikipedia.org/wiki/Backpropagation</a:t>
+            </a:r>
+            <a:endParaRPr lang="es-ES" dirty="0"/>
+          </a:p>
+          <a:p>
+            <a:r>
+              <a:rPr lang="es-ES" dirty="0"/>
+              <a:t>Counter-Propagation </a:t>
+            </a:r>
+            <a:r>
+              <a:rPr lang="es-ES" dirty="0" err="1"/>
+              <a:t>network</a:t>
+            </a:r>
+            <a:r>
+              <a:rPr lang="es-ES" dirty="0"/>
+              <a:t>:</a:t>
+            </a:r>
+            <a:br>
+              <a:rPr lang="es-ES" dirty="0"/>
+            </a:br>
+            <a:r>
+              <a:rPr lang="es-ES" dirty="0">
+                <a:hlinkClick r:id="rId3"/>
+              </a:rPr>
+              <a:t>http://www.inf.ufrgs.br/~engel/data/media/file/cmp121/CPN_Freeman%20.pdf</a:t>
+            </a:r>
+            <a:endParaRPr lang="es-ES" dirty="0"/>
+          </a:p>
+          <a:p>
+            <a:r>
+              <a:rPr lang="es-ES" dirty="0"/>
+              <a:t>PyBrain: </a:t>
+            </a:r>
+            <a:r>
+              <a:rPr lang="es-ES" dirty="0">
+                <a:hlinkClick r:id="rId4"/>
+              </a:rPr>
+              <a:t>http://pybrain.org/</a:t>
+            </a:r>
+            <a:endParaRPr lang="es-ES" dirty="0"/>
+          </a:p>
+          <a:p>
+            <a:r>
+              <a:rPr lang="es-ES" dirty="0"/>
+              <a:t>Repositorio del TFG en </a:t>
+            </a:r>
+            <a:r>
+              <a:rPr lang="es-ES" dirty="0" err="1"/>
+              <a:t>Github</a:t>
+            </a:r>
+            <a:r>
+              <a:rPr lang="es-ES" dirty="0"/>
+              <a:t>:</a:t>
+            </a:r>
+            <a:br>
+              <a:rPr lang="es-ES" dirty="0"/>
+            </a:br>
+            <a:r>
+              <a:rPr lang="es-ES" dirty="0">
+                <a:hlinkClick r:id="rId5"/>
+              </a:rPr>
+              <a:t>https://github.com/etsiiull/medicalpybrain</a:t>
+            </a:r>
+            <a:endParaRPr lang="es-ES" dirty="0"/>
+          </a:p>
+          <a:p>
+            <a:endParaRPr lang="es-ES" dirty="0"/>
+          </a:p>
+        </p:txBody>
+      </p:sp>
+    </p:spTree>
+    <p:extLst>
+      <p:ext uri="{BB962C8B-B14F-4D97-AF65-F5344CB8AC3E}">
+        <p14:creationId xmlns:p14="http://schemas.microsoft.com/office/powerpoint/2010/main" val="939019886"/>
       </p:ext>
     </p:extLst>
   </p:cSld>
@@ -8208,14 +12895,14 @@
           <a:p>
             <a:r>
               <a:rPr lang="es-ES" dirty="0"/>
-              <a:t>Introducción a las redes neuronales</a:t>
-            </a:r>
-          </a:p>
-        </p:txBody>
-      </p:sp>
-      <p:sp>
-        <p:nvSpPr>
-          <p:cNvPr id="5" name="Marcador de contenido 4"/>
+              <a:t>Índice</a:t>
+            </a:r>
+          </a:p>
+        </p:txBody>
+      </p:sp>
+      <p:sp>
+        <p:nvSpPr>
+          <p:cNvPr id="3" name="Marcador de contenido 2"/>
           <p:cNvSpPr>
             <a:spLocks noGrp="1"/>
           </p:cNvSpPr>
@@ -8223,7 +12910,12 @@
             <p:ph idx="1"/>
           </p:nvPr>
         </p:nvSpPr>
-        <p:spPr/>
+        <p:spPr>
+          <a:xfrm>
+            <a:off x="353150" y="2383874"/>
+            <a:ext cx="5334585" cy="3599316"/>
+          </a:xfrm>
+        </p:spPr>
         <p:txBody>
           <a:bodyPr>
             <a:normAutofit/>
@@ -8232,117 +12924,235 @@
           <a:p>
             <a:r>
               <a:rPr lang="es-ES" dirty="0"/>
-              <a:t>Grafo dirigido</a:t>
+              <a:t>Problema principal</a:t>
+            </a:r>
+          </a:p>
+          <a:p>
+            <a:r>
+              <a:rPr lang="es-ES" dirty="0"/>
+              <a:t>Introducción a las redes neuronales</a:t>
             </a:r>
           </a:p>
           <a:p>
             <a:pPr lvl="1"/>
             <a:r>
               <a:rPr lang="es-ES" dirty="0"/>
-              <a:t>Entrada</a:t>
+              <a:t>Back-Propagation</a:t>
             </a:r>
           </a:p>
           <a:p>
             <a:pPr lvl="1"/>
             <a:r>
               <a:rPr lang="es-ES" dirty="0"/>
-              <a:t>Capa oculta(Opcional)</a:t>
+              <a:t>Counter-Propagation</a:t>
+            </a:r>
+          </a:p>
+          <a:p>
+            <a:r>
+              <a:rPr lang="es-ES" dirty="0"/>
+              <a:t>Bases de datos</a:t>
             </a:r>
           </a:p>
           <a:p>
             <a:pPr lvl="1"/>
             <a:r>
+              <a:rPr lang="es-ES" dirty="0" err="1"/>
+              <a:t>Preprocesado</a:t>
+            </a:r>
+            <a:endParaRPr lang="es-ES" dirty="0"/>
+          </a:p>
+          <a:p>
+            <a:r>
               <a:rPr lang="es-ES" dirty="0"/>
-              <a:t>Salida</a:t>
-            </a:r>
-          </a:p>
-          <a:p>
-            <a:pPr marL="457200" lvl="1" indent="0">
-              <a:buNone/>
-            </a:pPr>
-            <a:endParaRPr lang="es-ES" dirty="0"/>
-          </a:p>
-          <a:p>
-            <a:r>
-              <a:rPr lang="es-ES" dirty="0"/>
-              <a:t>Pesos</a:t>
-            </a:r>
-          </a:p>
-          <a:p>
-            <a:r>
-              <a:rPr lang="es-ES" dirty="0"/>
-              <a:t>Funciones</a:t>
-            </a:r>
-          </a:p>
-          <a:p>
-            <a:pPr lvl="1"/>
-            <a:r>
-              <a:rPr lang="es-ES" dirty="0"/>
-              <a:t>Función de propagación</a:t>
-            </a:r>
-          </a:p>
-          <a:p>
-            <a:pPr lvl="1"/>
-            <a:r>
-              <a:rPr lang="es-ES" dirty="0"/>
-              <a:t>Función de transferencia</a:t>
-            </a:r>
-          </a:p>
-          <a:p>
-            <a:pPr marL="914400" lvl="2" indent="0">
-              <a:buNone/>
-            </a:pPr>
-            <a:endParaRPr lang="es-ES" dirty="0"/>
-          </a:p>
-          <a:p>
-            <a:endParaRPr lang="es-ES" dirty="0"/>
-          </a:p>
-          <a:p>
-            <a:endParaRPr lang="es-ES" dirty="0"/>
-          </a:p>
-        </p:txBody>
-      </p:sp>
-      <p:pic>
-        <p:nvPicPr>
-          <p:cNvPr id="7" name="Imagen 6"/>
-          <p:cNvPicPr>
-            <a:picLocks noChangeAspect="1"/>
-          </p:cNvPicPr>
+              <a:t>PyBrain</a:t>
+            </a:r>
+          </a:p>
+        </p:txBody>
+      </p:sp>
+      <p:sp>
+        <p:nvSpPr>
+          <p:cNvPr id="4" name="CuadroTexto 3"/>
+          <p:cNvSpPr txBox="1"/>
           <p:nvPr/>
-        </p:nvPicPr>
-        <p:blipFill>
-          <a:blip r:embed="rId2"/>
-          <a:stretch>
-            <a:fillRect/>
-          </a:stretch>
-        </p:blipFill>
-        <p:spPr>
-          <a:xfrm>
-            <a:off x="6471175" y="2625754"/>
-            <a:ext cx="3823007" cy="2387978"/>
+        </p:nvSpPr>
+        <p:spPr>
+          <a:xfrm>
+            <a:off x="5620624" y="2383874"/>
+            <a:ext cx="6442745" cy="3077766"/>
           </a:xfrm>
           <a:prstGeom prst="rect">
             <a:avLst/>
           </a:prstGeom>
-        </p:spPr>
-      </p:pic>
+          <a:noFill/>
+        </p:spPr>
+        <p:txBody>
+          <a:bodyPr wrap="square" rtlCol="0">
+            <a:spAutoFit/>
+          </a:bodyPr>
+          <a:lstStyle/>
+          <a:p>
+            <a:pPr marL="285750" indent="-285750">
+              <a:buFont typeface="Arial" panose="020B0604020202020204" pitchFamily="34" charset="0"/>
+              <a:buChar char="•"/>
+            </a:pPr>
+            <a:r>
+              <a:rPr lang="es-ES" sz="2400" dirty="0"/>
+              <a:t>Análisis</a:t>
+            </a:r>
+          </a:p>
+          <a:p>
+            <a:pPr marL="742950" lvl="1" indent="-285750">
+              <a:buFont typeface="Arial" panose="020B0604020202020204" pitchFamily="34" charset="0"/>
+              <a:buChar char="•"/>
+            </a:pPr>
+            <a:r>
+              <a:rPr lang="es-ES" sz="2000" dirty="0"/>
+              <a:t>Análisis con Back-Propagation</a:t>
+            </a:r>
+          </a:p>
+          <a:p>
+            <a:pPr marL="742950" lvl="1" indent="-285750">
+              <a:buFont typeface="Arial" panose="020B0604020202020204" pitchFamily="34" charset="0"/>
+              <a:buChar char="•"/>
+            </a:pPr>
+            <a:r>
+              <a:rPr lang="es-ES" sz="2000" dirty="0"/>
+              <a:t>Resultados de análisis con Back-Propagation</a:t>
+            </a:r>
+          </a:p>
+          <a:p>
+            <a:pPr marL="742950" lvl="1" indent="-285750">
+              <a:buFont typeface="Arial" panose="020B0604020202020204" pitchFamily="34" charset="0"/>
+              <a:buChar char="•"/>
+            </a:pPr>
+            <a:r>
+              <a:rPr lang="es-ES" sz="2000" dirty="0"/>
+              <a:t>Análisis con Counter-Propagation</a:t>
+            </a:r>
+          </a:p>
+          <a:p>
+            <a:pPr marL="742950" lvl="1" indent="-285750">
+              <a:buFont typeface="Arial" panose="020B0604020202020204" pitchFamily="34" charset="0"/>
+              <a:buChar char="•"/>
+            </a:pPr>
+            <a:r>
+              <a:rPr lang="es-ES" sz="2000" dirty="0"/>
+              <a:t>Resultados de análisis con Counter-Propagation</a:t>
+            </a:r>
+          </a:p>
+          <a:p>
+            <a:pPr marL="285750" indent="-285750">
+              <a:buFont typeface="Arial" panose="020B0604020202020204" pitchFamily="34" charset="0"/>
+              <a:buChar char="•"/>
+            </a:pPr>
+            <a:r>
+              <a:rPr lang="es-ES" sz="2400" dirty="0"/>
+              <a:t>Comparación de resultados</a:t>
+            </a:r>
+          </a:p>
+          <a:p>
+            <a:pPr marL="285750" indent="-285750">
+              <a:buFont typeface="Arial" panose="020B0604020202020204" pitchFamily="34" charset="0"/>
+              <a:buChar char="•"/>
+            </a:pPr>
+            <a:r>
+              <a:rPr lang="es-ES" sz="2400" dirty="0" err="1"/>
+              <a:t>Summary</a:t>
+            </a:r>
+            <a:r>
+              <a:rPr lang="es-ES" sz="2400" dirty="0"/>
+              <a:t> and </a:t>
+            </a:r>
+            <a:r>
+              <a:rPr lang="es-ES" sz="2400" dirty="0" err="1"/>
+              <a:t>conclusions</a:t>
+            </a:r>
+            <a:endParaRPr lang="es-ES" sz="2400" dirty="0"/>
+          </a:p>
+          <a:p>
+            <a:pPr marL="285750" indent="-285750">
+              <a:buFont typeface="Arial" panose="020B0604020202020204" pitchFamily="34" charset="0"/>
+              <a:buChar char="•"/>
+            </a:pPr>
+            <a:r>
+              <a:rPr lang="es-ES" sz="2400" dirty="0"/>
+              <a:t>Bibliografía</a:t>
+            </a:r>
+          </a:p>
+          <a:p>
+            <a:endParaRPr lang="es-ES" dirty="0"/>
+          </a:p>
+        </p:txBody>
+      </p:sp>
     </p:spTree>
     <p:extLst>
       <p:ext uri="{BB962C8B-B14F-4D97-AF65-F5344CB8AC3E}">
-        <p14:creationId xmlns:p14="http://schemas.microsoft.com/office/powerpoint/2010/main" val="1151611512"/>
+        <p14:creationId xmlns:p14="http://schemas.microsoft.com/office/powerpoint/2010/main" val="2340747434"/>
       </p:ext>
     </p:extLst>
   </p:cSld>
   <p:clrMapOvr>
     <a:masterClrMapping/>
   </p:clrMapOvr>
-  <p:timing>
-    <p:tnLst>
-      <p:par>
-        <p:cTn id="1" dur="indefinite" restart="never" nodeType="tmRoot"/>
-      </p:par>
-    </p:tnLst>
-  </p:timing>
+</p:sld>
+</file>
+
+<file path=ppt/slides/slide20.xml><?xml version="1.0" encoding="utf-8"?>
+<p:sld xmlns:a="http://schemas.openxmlformats.org/drawingml/2006/main" xmlns:r="http://schemas.openxmlformats.org/officeDocument/2006/relationships" xmlns:p="http://schemas.openxmlformats.org/presentationml/2006/main">
+  <p:cSld>
+    <p:spTree>
+      <p:nvGrpSpPr>
+        <p:cNvPr id="1" name=""/>
+        <p:cNvGrpSpPr/>
+        <p:nvPr/>
+      </p:nvGrpSpPr>
+      <p:grpSpPr>
+        <a:xfrm>
+          <a:off x="0" y="0"/>
+          <a:ext cx="0" cy="0"/>
+          <a:chOff x="0" y="0"/>
+          <a:chExt cx="0" cy="0"/>
+        </a:xfrm>
+      </p:grpSpPr>
+      <p:sp>
+        <p:nvSpPr>
+          <p:cNvPr id="2" name="CuadroTexto 1"/>
+          <p:cNvSpPr txBox="1"/>
+          <p:nvPr/>
+        </p:nvSpPr>
+        <p:spPr>
+          <a:xfrm>
+            <a:off x="1132514" y="2567031"/>
+            <a:ext cx="10024844" cy="1200329"/>
+          </a:xfrm>
+          <a:prstGeom prst="rect">
+            <a:avLst/>
+          </a:prstGeom>
+          <a:noFill/>
+        </p:spPr>
+        <p:txBody>
+          <a:bodyPr wrap="square" rtlCol="0">
+            <a:spAutoFit/>
+          </a:bodyPr>
+          <a:lstStyle/>
+          <a:p>
+            <a:r>
+              <a:rPr lang="es-ES" sz="7200" dirty="0"/>
+              <a:t>Gracias por su atención</a:t>
+            </a:r>
+          </a:p>
+        </p:txBody>
+      </p:sp>
+    </p:spTree>
+    <p:extLst>
+      <p:ext uri="{BB962C8B-B14F-4D97-AF65-F5344CB8AC3E}">
+        <p14:creationId xmlns:p14="http://schemas.microsoft.com/office/powerpoint/2010/main" val="3759251332"/>
+      </p:ext>
+    </p:extLst>
+  </p:cSld>
+  <p:clrMapOvr>
+    <a:masterClrMapping/>
+  </p:clrMapOvr>
 </p:sld>
 </file>
 
@@ -8380,7 +13190,7 @@
           <a:p>
             <a:r>
               <a:rPr lang="es-ES" dirty="0"/>
-              <a:t>RNA con Back-Propagation</a:t>
+              <a:t>Problema principal</a:t>
             </a:r>
           </a:p>
         </p:txBody>
@@ -8397,6 +13207,1127 @@
         </p:nvSpPr>
         <p:spPr>
           <a:xfrm>
+            <a:off x="6049276" y="2353651"/>
+            <a:ext cx="3421896" cy="1748566"/>
+          </a:xfrm>
+        </p:spPr>
+        <p:txBody>
+          <a:bodyPr/>
+          <a:lstStyle/>
+          <a:p>
+            <a:pPr marL="0" indent="0">
+              <a:buNone/>
+            </a:pPr>
+            <a:r>
+              <a:rPr lang="es-ES" dirty="0"/>
+              <a:t>Tres tipos de cáncer:</a:t>
+            </a:r>
+          </a:p>
+          <a:p>
+            <a:pPr lvl="1"/>
+            <a:r>
+              <a:rPr lang="es-ES" dirty="0"/>
+              <a:t>Cáncer de mama</a:t>
+            </a:r>
+          </a:p>
+          <a:p>
+            <a:pPr lvl="1"/>
+            <a:r>
+              <a:rPr lang="es-ES" dirty="0"/>
+              <a:t>Melanoma</a:t>
+            </a:r>
+          </a:p>
+          <a:p>
+            <a:pPr lvl="1"/>
+            <a:r>
+              <a:rPr lang="es-ES" dirty="0"/>
+              <a:t>Cáncer de pulmón</a:t>
+            </a:r>
+          </a:p>
+          <a:p>
+            <a:pPr lvl="1"/>
+            <a:endParaRPr lang="es-ES" dirty="0"/>
+          </a:p>
+        </p:txBody>
+      </p:sp>
+      <p:sp>
+        <p:nvSpPr>
+          <p:cNvPr id="4" name="CuadroTexto 3"/>
+          <p:cNvSpPr txBox="1"/>
+          <p:nvPr/>
+        </p:nvSpPr>
+        <p:spPr>
+          <a:xfrm>
+            <a:off x="2063692" y="2734811"/>
+            <a:ext cx="2080470" cy="461665"/>
+          </a:xfrm>
+          <a:prstGeom prst="rect">
+            <a:avLst/>
+          </a:prstGeom>
+          <a:noFill/>
+        </p:spPr>
+        <p:txBody>
+          <a:bodyPr wrap="square" rtlCol="0">
+            <a:spAutoFit/>
+          </a:bodyPr>
+          <a:lstStyle/>
+          <a:p>
+            <a:r>
+              <a:rPr lang="es-ES" sz="2400" dirty="0"/>
+              <a:t>Red Neuronal</a:t>
+            </a:r>
+          </a:p>
+        </p:txBody>
+      </p:sp>
+      <p:sp>
+        <p:nvSpPr>
+          <p:cNvPr id="5" name="Flecha derecha 4"/>
+          <p:cNvSpPr/>
+          <p:nvPr/>
+        </p:nvSpPr>
+        <p:spPr>
+          <a:xfrm>
+            <a:off x="4781722" y="2734811"/>
+            <a:ext cx="1023457" cy="562062"/>
+          </a:xfrm>
+          <a:prstGeom prst="rightArrow">
+            <a:avLst/>
+          </a:prstGeom>
+        </p:spPr>
+        <p:style>
+          <a:lnRef idx="2">
+            <a:schemeClr val="accent1">
+              <a:shade val="50000"/>
+            </a:schemeClr>
+          </a:lnRef>
+          <a:fillRef idx="1">
+            <a:schemeClr val="accent1"/>
+          </a:fillRef>
+          <a:effectRef idx="0">
+            <a:schemeClr val="accent1"/>
+          </a:effectRef>
+          <a:fontRef idx="minor">
+            <a:schemeClr val="lt1"/>
+          </a:fontRef>
+        </p:style>
+        <p:txBody>
+          <a:bodyPr rtlCol="0" anchor="ctr"/>
+          <a:lstStyle/>
+          <a:p>
+            <a:pPr algn="ctr"/>
+            <a:endParaRPr lang="es-ES"/>
+          </a:p>
+        </p:txBody>
+      </p:sp>
+      <p:sp>
+        <p:nvSpPr>
+          <p:cNvPr id="7" name="Flecha abajo 6"/>
+          <p:cNvSpPr/>
+          <p:nvPr/>
+        </p:nvSpPr>
+        <p:spPr>
+          <a:xfrm>
+            <a:off x="5004032" y="3853838"/>
+            <a:ext cx="578841" cy="906011"/>
+          </a:xfrm>
+          <a:prstGeom prst="downArrow">
+            <a:avLst/>
+          </a:prstGeom>
+        </p:spPr>
+        <p:style>
+          <a:lnRef idx="2">
+            <a:schemeClr val="accent1">
+              <a:shade val="50000"/>
+            </a:schemeClr>
+          </a:lnRef>
+          <a:fillRef idx="1">
+            <a:schemeClr val="accent1"/>
+          </a:fillRef>
+          <a:effectRef idx="0">
+            <a:schemeClr val="accent1"/>
+          </a:effectRef>
+          <a:fontRef idx="minor">
+            <a:schemeClr val="lt1"/>
+          </a:fontRef>
+        </p:style>
+        <p:txBody>
+          <a:bodyPr rtlCol="0" anchor="ctr"/>
+          <a:lstStyle/>
+          <a:p>
+            <a:pPr algn="ctr"/>
+            <a:endParaRPr lang="es-ES"/>
+          </a:p>
+        </p:txBody>
+      </p:sp>
+      <p:sp>
+        <p:nvSpPr>
+          <p:cNvPr id="8" name="CuadroTexto 7"/>
+          <p:cNvSpPr txBox="1"/>
+          <p:nvPr/>
+        </p:nvSpPr>
+        <p:spPr>
+          <a:xfrm>
+            <a:off x="3867323" y="5057525"/>
+            <a:ext cx="2852257" cy="923330"/>
+          </a:xfrm>
+          <a:prstGeom prst="rect">
+            <a:avLst/>
+          </a:prstGeom>
+          <a:noFill/>
+        </p:spPr>
+        <p:txBody>
+          <a:bodyPr wrap="square" rtlCol="0">
+            <a:spAutoFit/>
+          </a:bodyPr>
+          <a:lstStyle/>
+          <a:p>
+            <a:pPr marL="285750" indent="-285750">
+              <a:buFont typeface="Arial" panose="020B0604020202020204" pitchFamily="34" charset="0"/>
+              <a:buChar char="•"/>
+            </a:pPr>
+            <a:r>
+              <a:rPr lang="es-ES" dirty="0"/>
+              <a:t>Detección precoz</a:t>
+            </a:r>
+          </a:p>
+          <a:p>
+            <a:pPr marL="285750" indent="-285750">
+              <a:buFont typeface="Arial" panose="020B0604020202020204" pitchFamily="34" charset="0"/>
+              <a:buChar char="•"/>
+            </a:pPr>
+            <a:r>
+              <a:rPr lang="es-ES" dirty="0"/>
+              <a:t>Mayor probabilidad de recuperación</a:t>
+            </a:r>
+          </a:p>
+        </p:txBody>
+      </p:sp>
+    </p:spTree>
+    <p:extLst>
+      <p:ext uri="{BB962C8B-B14F-4D97-AF65-F5344CB8AC3E}">
+        <p14:creationId xmlns:p14="http://schemas.microsoft.com/office/powerpoint/2010/main" val="2097474366"/>
+      </p:ext>
+    </p:extLst>
+  </p:cSld>
+  <p:clrMapOvr>
+    <a:masterClrMapping/>
+  </p:clrMapOvr>
+  <p:timing>
+    <p:tnLst>
+      <p:par>
+        <p:cTn id="1" dur="indefinite" restart="never" nodeType="tmRoot">
+          <p:childTnLst>
+            <p:seq concurrent="1" nextAc="seek">
+              <p:cTn id="2" dur="indefinite" nodeType="mainSeq">
+                <p:childTnLst>
+                  <p:par>
+                    <p:cTn id="3" fill="hold">
+                      <p:stCondLst>
+                        <p:cond delay="indefinite"/>
+                      </p:stCondLst>
+                      <p:childTnLst>
+                        <p:par>
+                          <p:cTn id="4" fill="hold">
+                            <p:stCondLst>
+                              <p:cond delay="0"/>
+                            </p:stCondLst>
+                            <p:childTnLst>
+                              <p:par>
+                                <p:cTn id="5" presetID="53" presetClass="entr" presetSubtype="16" fill="hold" grpId="0" nodeType="clickEffect">
+                                  <p:stCondLst>
+                                    <p:cond delay="0"/>
+                                  </p:stCondLst>
+                                  <p:childTnLst>
+                                    <p:set>
+                                      <p:cBhvr>
+                                        <p:cTn id="6" dur="1" fill="hold">
+                                          <p:stCondLst>
+                                            <p:cond delay="0"/>
+                                          </p:stCondLst>
+                                        </p:cTn>
+                                        <p:tgtEl>
+                                          <p:spTgt spid="3">
+                                            <p:txEl>
+                                              <p:pRg st="0" end="0"/>
+                                            </p:txEl>
+                                          </p:spTgt>
+                                        </p:tgtEl>
+                                        <p:attrNameLst>
+                                          <p:attrName>style.visibility</p:attrName>
+                                        </p:attrNameLst>
+                                      </p:cBhvr>
+                                      <p:to>
+                                        <p:strVal val="visible"/>
+                                      </p:to>
+                                    </p:set>
+                                    <p:anim calcmode="lin" valueType="num">
+                                      <p:cBhvr>
+                                        <p:cTn id="7" dur="500" fill="hold"/>
+                                        <p:tgtEl>
+                                          <p:spTgt spid="3">
+                                            <p:txEl>
+                                              <p:pRg st="0" end="0"/>
+                                            </p:txEl>
+                                          </p:spTgt>
+                                        </p:tgtEl>
+                                        <p:attrNameLst>
+                                          <p:attrName>ppt_w</p:attrName>
+                                        </p:attrNameLst>
+                                      </p:cBhvr>
+                                      <p:tavLst>
+                                        <p:tav tm="0">
+                                          <p:val>
+                                            <p:fltVal val="0"/>
+                                          </p:val>
+                                        </p:tav>
+                                        <p:tav tm="100000">
+                                          <p:val>
+                                            <p:strVal val="#ppt_w"/>
+                                          </p:val>
+                                        </p:tav>
+                                      </p:tavLst>
+                                    </p:anim>
+                                    <p:anim calcmode="lin" valueType="num">
+                                      <p:cBhvr>
+                                        <p:cTn id="8" dur="500" fill="hold"/>
+                                        <p:tgtEl>
+                                          <p:spTgt spid="3">
+                                            <p:txEl>
+                                              <p:pRg st="0" end="0"/>
+                                            </p:txEl>
+                                          </p:spTgt>
+                                        </p:tgtEl>
+                                        <p:attrNameLst>
+                                          <p:attrName>ppt_h</p:attrName>
+                                        </p:attrNameLst>
+                                      </p:cBhvr>
+                                      <p:tavLst>
+                                        <p:tav tm="0">
+                                          <p:val>
+                                            <p:fltVal val="0"/>
+                                          </p:val>
+                                        </p:tav>
+                                        <p:tav tm="100000">
+                                          <p:val>
+                                            <p:strVal val="#ppt_h"/>
+                                          </p:val>
+                                        </p:tav>
+                                      </p:tavLst>
+                                    </p:anim>
+                                    <p:animEffect transition="in" filter="fade">
+                                      <p:cBhvr>
+                                        <p:cTn id="9" dur="500"/>
+                                        <p:tgtEl>
+                                          <p:spTgt spid="3">
+                                            <p:txEl>
+                                              <p:pRg st="0" end="0"/>
+                                            </p:txEl>
+                                          </p:spTgt>
+                                        </p:tgtEl>
+                                      </p:cBhvr>
+                                    </p:animEffect>
+                                  </p:childTnLst>
+                                </p:cTn>
+                              </p:par>
+                              <p:par>
+                                <p:cTn id="10" presetID="53" presetClass="entr" presetSubtype="16" fill="hold" grpId="0" nodeType="withEffect">
+                                  <p:stCondLst>
+                                    <p:cond delay="0"/>
+                                  </p:stCondLst>
+                                  <p:childTnLst>
+                                    <p:set>
+                                      <p:cBhvr>
+                                        <p:cTn id="11" dur="1" fill="hold">
+                                          <p:stCondLst>
+                                            <p:cond delay="0"/>
+                                          </p:stCondLst>
+                                        </p:cTn>
+                                        <p:tgtEl>
+                                          <p:spTgt spid="3">
+                                            <p:txEl>
+                                              <p:pRg st="1" end="1"/>
+                                            </p:txEl>
+                                          </p:spTgt>
+                                        </p:tgtEl>
+                                        <p:attrNameLst>
+                                          <p:attrName>style.visibility</p:attrName>
+                                        </p:attrNameLst>
+                                      </p:cBhvr>
+                                      <p:to>
+                                        <p:strVal val="visible"/>
+                                      </p:to>
+                                    </p:set>
+                                    <p:anim calcmode="lin" valueType="num">
+                                      <p:cBhvr>
+                                        <p:cTn id="12" dur="500" fill="hold"/>
+                                        <p:tgtEl>
+                                          <p:spTgt spid="3">
+                                            <p:txEl>
+                                              <p:pRg st="1" end="1"/>
+                                            </p:txEl>
+                                          </p:spTgt>
+                                        </p:tgtEl>
+                                        <p:attrNameLst>
+                                          <p:attrName>ppt_w</p:attrName>
+                                        </p:attrNameLst>
+                                      </p:cBhvr>
+                                      <p:tavLst>
+                                        <p:tav tm="0">
+                                          <p:val>
+                                            <p:fltVal val="0"/>
+                                          </p:val>
+                                        </p:tav>
+                                        <p:tav tm="100000">
+                                          <p:val>
+                                            <p:strVal val="#ppt_w"/>
+                                          </p:val>
+                                        </p:tav>
+                                      </p:tavLst>
+                                    </p:anim>
+                                    <p:anim calcmode="lin" valueType="num">
+                                      <p:cBhvr>
+                                        <p:cTn id="13" dur="500" fill="hold"/>
+                                        <p:tgtEl>
+                                          <p:spTgt spid="3">
+                                            <p:txEl>
+                                              <p:pRg st="1" end="1"/>
+                                            </p:txEl>
+                                          </p:spTgt>
+                                        </p:tgtEl>
+                                        <p:attrNameLst>
+                                          <p:attrName>ppt_h</p:attrName>
+                                        </p:attrNameLst>
+                                      </p:cBhvr>
+                                      <p:tavLst>
+                                        <p:tav tm="0">
+                                          <p:val>
+                                            <p:fltVal val="0"/>
+                                          </p:val>
+                                        </p:tav>
+                                        <p:tav tm="100000">
+                                          <p:val>
+                                            <p:strVal val="#ppt_h"/>
+                                          </p:val>
+                                        </p:tav>
+                                      </p:tavLst>
+                                    </p:anim>
+                                    <p:animEffect transition="in" filter="fade">
+                                      <p:cBhvr>
+                                        <p:cTn id="14" dur="500"/>
+                                        <p:tgtEl>
+                                          <p:spTgt spid="3">
+                                            <p:txEl>
+                                              <p:pRg st="1" end="1"/>
+                                            </p:txEl>
+                                          </p:spTgt>
+                                        </p:tgtEl>
+                                      </p:cBhvr>
+                                    </p:animEffect>
+                                  </p:childTnLst>
+                                </p:cTn>
+                              </p:par>
+                              <p:par>
+                                <p:cTn id="15" presetID="53" presetClass="entr" presetSubtype="16" fill="hold" grpId="0" nodeType="withEffect">
+                                  <p:stCondLst>
+                                    <p:cond delay="0"/>
+                                  </p:stCondLst>
+                                  <p:childTnLst>
+                                    <p:set>
+                                      <p:cBhvr>
+                                        <p:cTn id="16" dur="1" fill="hold">
+                                          <p:stCondLst>
+                                            <p:cond delay="0"/>
+                                          </p:stCondLst>
+                                        </p:cTn>
+                                        <p:tgtEl>
+                                          <p:spTgt spid="3">
+                                            <p:txEl>
+                                              <p:pRg st="2" end="2"/>
+                                            </p:txEl>
+                                          </p:spTgt>
+                                        </p:tgtEl>
+                                        <p:attrNameLst>
+                                          <p:attrName>style.visibility</p:attrName>
+                                        </p:attrNameLst>
+                                      </p:cBhvr>
+                                      <p:to>
+                                        <p:strVal val="visible"/>
+                                      </p:to>
+                                    </p:set>
+                                    <p:anim calcmode="lin" valueType="num">
+                                      <p:cBhvr>
+                                        <p:cTn id="17" dur="500" fill="hold"/>
+                                        <p:tgtEl>
+                                          <p:spTgt spid="3">
+                                            <p:txEl>
+                                              <p:pRg st="2" end="2"/>
+                                            </p:txEl>
+                                          </p:spTgt>
+                                        </p:tgtEl>
+                                        <p:attrNameLst>
+                                          <p:attrName>ppt_w</p:attrName>
+                                        </p:attrNameLst>
+                                      </p:cBhvr>
+                                      <p:tavLst>
+                                        <p:tav tm="0">
+                                          <p:val>
+                                            <p:fltVal val="0"/>
+                                          </p:val>
+                                        </p:tav>
+                                        <p:tav tm="100000">
+                                          <p:val>
+                                            <p:strVal val="#ppt_w"/>
+                                          </p:val>
+                                        </p:tav>
+                                      </p:tavLst>
+                                    </p:anim>
+                                    <p:anim calcmode="lin" valueType="num">
+                                      <p:cBhvr>
+                                        <p:cTn id="18" dur="500" fill="hold"/>
+                                        <p:tgtEl>
+                                          <p:spTgt spid="3">
+                                            <p:txEl>
+                                              <p:pRg st="2" end="2"/>
+                                            </p:txEl>
+                                          </p:spTgt>
+                                        </p:tgtEl>
+                                        <p:attrNameLst>
+                                          <p:attrName>ppt_h</p:attrName>
+                                        </p:attrNameLst>
+                                      </p:cBhvr>
+                                      <p:tavLst>
+                                        <p:tav tm="0">
+                                          <p:val>
+                                            <p:fltVal val="0"/>
+                                          </p:val>
+                                        </p:tav>
+                                        <p:tav tm="100000">
+                                          <p:val>
+                                            <p:strVal val="#ppt_h"/>
+                                          </p:val>
+                                        </p:tav>
+                                      </p:tavLst>
+                                    </p:anim>
+                                    <p:animEffect transition="in" filter="fade">
+                                      <p:cBhvr>
+                                        <p:cTn id="19" dur="500"/>
+                                        <p:tgtEl>
+                                          <p:spTgt spid="3">
+                                            <p:txEl>
+                                              <p:pRg st="2" end="2"/>
+                                            </p:txEl>
+                                          </p:spTgt>
+                                        </p:tgtEl>
+                                      </p:cBhvr>
+                                    </p:animEffect>
+                                  </p:childTnLst>
+                                </p:cTn>
+                              </p:par>
+                              <p:par>
+                                <p:cTn id="20" presetID="53" presetClass="entr" presetSubtype="16" fill="hold" grpId="0" nodeType="withEffect">
+                                  <p:stCondLst>
+                                    <p:cond delay="0"/>
+                                  </p:stCondLst>
+                                  <p:childTnLst>
+                                    <p:set>
+                                      <p:cBhvr>
+                                        <p:cTn id="21" dur="1" fill="hold">
+                                          <p:stCondLst>
+                                            <p:cond delay="0"/>
+                                          </p:stCondLst>
+                                        </p:cTn>
+                                        <p:tgtEl>
+                                          <p:spTgt spid="3">
+                                            <p:txEl>
+                                              <p:pRg st="3" end="3"/>
+                                            </p:txEl>
+                                          </p:spTgt>
+                                        </p:tgtEl>
+                                        <p:attrNameLst>
+                                          <p:attrName>style.visibility</p:attrName>
+                                        </p:attrNameLst>
+                                      </p:cBhvr>
+                                      <p:to>
+                                        <p:strVal val="visible"/>
+                                      </p:to>
+                                    </p:set>
+                                    <p:anim calcmode="lin" valueType="num">
+                                      <p:cBhvr>
+                                        <p:cTn id="22" dur="500" fill="hold"/>
+                                        <p:tgtEl>
+                                          <p:spTgt spid="3">
+                                            <p:txEl>
+                                              <p:pRg st="3" end="3"/>
+                                            </p:txEl>
+                                          </p:spTgt>
+                                        </p:tgtEl>
+                                        <p:attrNameLst>
+                                          <p:attrName>ppt_w</p:attrName>
+                                        </p:attrNameLst>
+                                      </p:cBhvr>
+                                      <p:tavLst>
+                                        <p:tav tm="0">
+                                          <p:val>
+                                            <p:fltVal val="0"/>
+                                          </p:val>
+                                        </p:tav>
+                                        <p:tav tm="100000">
+                                          <p:val>
+                                            <p:strVal val="#ppt_w"/>
+                                          </p:val>
+                                        </p:tav>
+                                      </p:tavLst>
+                                    </p:anim>
+                                    <p:anim calcmode="lin" valueType="num">
+                                      <p:cBhvr>
+                                        <p:cTn id="23" dur="500" fill="hold"/>
+                                        <p:tgtEl>
+                                          <p:spTgt spid="3">
+                                            <p:txEl>
+                                              <p:pRg st="3" end="3"/>
+                                            </p:txEl>
+                                          </p:spTgt>
+                                        </p:tgtEl>
+                                        <p:attrNameLst>
+                                          <p:attrName>ppt_h</p:attrName>
+                                        </p:attrNameLst>
+                                      </p:cBhvr>
+                                      <p:tavLst>
+                                        <p:tav tm="0">
+                                          <p:val>
+                                            <p:fltVal val="0"/>
+                                          </p:val>
+                                        </p:tav>
+                                        <p:tav tm="100000">
+                                          <p:val>
+                                            <p:strVal val="#ppt_h"/>
+                                          </p:val>
+                                        </p:tav>
+                                      </p:tavLst>
+                                    </p:anim>
+                                    <p:animEffect transition="in" filter="fade">
+                                      <p:cBhvr>
+                                        <p:cTn id="24" dur="500"/>
+                                        <p:tgtEl>
+                                          <p:spTgt spid="3">
+                                            <p:txEl>
+                                              <p:pRg st="3" end="3"/>
+                                            </p:txEl>
+                                          </p:spTgt>
+                                        </p:tgtEl>
+                                      </p:cBhvr>
+                                    </p:animEffect>
+                                  </p:childTnLst>
+                                </p:cTn>
+                              </p:par>
+                              <p:par>
+                                <p:cTn id="25" presetID="53" presetClass="entr" presetSubtype="16" fill="hold" grpId="0" nodeType="withEffect">
+                                  <p:stCondLst>
+                                    <p:cond delay="0"/>
+                                  </p:stCondLst>
+                                  <p:childTnLst>
+                                    <p:set>
+                                      <p:cBhvr>
+                                        <p:cTn id="26" dur="1" fill="hold">
+                                          <p:stCondLst>
+                                            <p:cond delay="0"/>
+                                          </p:stCondLst>
+                                        </p:cTn>
+                                        <p:tgtEl>
+                                          <p:spTgt spid="5"/>
+                                        </p:tgtEl>
+                                        <p:attrNameLst>
+                                          <p:attrName>style.visibility</p:attrName>
+                                        </p:attrNameLst>
+                                      </p:cBhvr>
+                                      <p:to>
+                                        <p:strVal val="visible"/>
+                                      </p:to>
+                                    </p:set>
+                                    <p:anim calcmode="lin" valueType="num">
+                                      <p:cBhvr>
+                                        <p:cTn id="27" dur="500" fill="hold"/>
+                                        <p:tgtEl>
+                                          <p:spTgt spid="5"/>
+                                        </p:tgtEl>
+                                        <p:attrNameLst>
+                                          <p:attrName>ppt_w</p:attrName>
+                                        </p:attrNameLst>
+                                      </p:cBhvr>
+                                      <p:tavLst>
+                                        <p:tav tm="0">
+                                          <p:val>
+                                            <p:fltVal val="0"/>
+                                          </p:val>
+                                        </p:tav>
+                                        <p:tav tm="100000">
+                                          <p:val>
+                                            <p:strVal val="#ppt_w"/>
+                                          </p:val>
+                                        </p:tav>
+                                      </p:tavLst>
+                                    </p:anim>
+                                    <p:anim calcmode="lin" valueType="num">
+                                      <p:cBhvr>
+                                        <p:cTn id="28" dur="500" fill="hold"/>
+                                        <p:tgtEl>
+                                          <p:spTgt spid="5"/>
+                                        </p:tgtEl>
+                                        <p:attrNameLst>
+                                          <p:attrName>ppt_h</p:attrName>
+                                        </p:attrNameLst>
+                                      </p:cBhvr>
+                                      <p:tavLst>
+                                        <p:tav tm="0">
+                                          <p:val>
+                                            <p:fltVal val="0"/>
+                                          </p:val>
+                                        </p:tav>
+                                        <p:tav tm="100000">
+                                          <p:val>
+                                            <p:strVal val="#ppt_h"/>
+                                          </p:val>
+                                        </p:tav>
+                                      </p:tavLst>
+                                    </p:anim>
+                                    <p:animEffect transition="in" filter="fade">
+                                      <p:cBhvr>
+                                        <p:cTn id="29" dur="500"/>
+                                        <p:tgtEl>
+                                          <p:spTgt spid="5"/>
+                                        </p:tgtEl>
+                                      </p:cBhvr>
+                                    </p:animEffect>
+                                  </p:childTnLst>
+                                </p:cTn>
+                              </p:par>
+                            </p:childTnLst>
+                          </p:cTn>
+                        </p:par>
+                      </p:childTnLst>
+                    </p:cTn>
+                  </p:par>
+                  <p:par>
+                    <p:cTn id="30" fill="hold">
+                      <p:stCondLst>
+                        <p:cond delay="indefinite"/>
+                      </p:stCondLst>
+                      <p:childTnLst>
+                        <p:par>
+                          <p:cTn id="31" fill="hold">
+                            <p:stCondLst>
+                              <p:cond delay="0"/>
+                            </p:stCondLst>
+                            <p:childTnLst>
+                              <p:par>
+                                <p:cTn id="32" presetID="53" presetClass="entr" presetSubtype="16" fill="hold" grpId="0" nodeType="clickEffect">
+                                  <p:stCondLst>
+                                    <p:cond delay="0"/>
+                                  </p:stCondLst>
+                                  <p:childTnLst>
+                                    <p:set>
+                                      <p:cBhvr>
+                                        <p:cTn id="33" dur="1" fill="hold">
+                                          <p:stCondLst>
+                                            <p:cond delay="0"/>
+                                          </p:stCondLst>
+                                        </p:cTn>
+                                        <p:tgtEl>
+                                          <p:spTgt spid="7"/>
+                                        </p:tgtEl>
+                                        <p:attrNameLst>
+                                          <p:attrName>style.visibility</p:attrName>
+                                        </p:attrNameLst>
+                                      </p:cBhvr>
+                                      <p:to>
+                                        <p:strVal val="visible"/>
+                                      </p:to>
+                                    </p:set>
+                                    <p:anim calcmode="lin" valueType="num">
+                                      <p:cBhvr>
+                                        <p:cTn id="34" dur="500" fill="hold"/>
+                                        <p:tgtEl>
+                                          <p:spTgt spid="7"/>
+                                        </p:tgtEl>
+                                        <p:attrNameLst>
+                                          <p:attrName>ppt_w</p:attrName>
+                                        </p:attrNameLst>
+                                      </p:cBhvr>
+                                      <p:tavLst>
+                                        <p:tav tm="0">
+                                          <p:val>
+                                            <p:fltVal val="0"/>
+                                          </p:val>
+                                        </p:tav>
+                                        <p:tav tm="100000">
+                                          <p:val>
+                                            <p:strVal val="#ppt_w"/>
+                                          </p:val>
+                                        </p:tav>
+                                      </p:tavLst>
+                                    </p:anim>
+                                    <p:anim calcmode="lin" valueType="num">
+                                      <p:cBhvr>
+                                        <p:cTn id="35" dur="500" fill="hold"/>
+                                        <p:tgtEl>
+                                          <p:spTgt spid="7"/>
+                                        </p:tgtEl>
+                                        <p:attrNameLst>
+                                          <p:attrName>ppt_h</p:attrName>
+                                        </p:attrNameLst>
+                                      </p:cBhvr>
+                                      <p:tavLst>
+                                        <p:tav tm="0">
+                                          <p:val>
+                                            <p:fltVal val="0"/>
+                                          </p:val>
+                                        </p:tav>
+                                        <p:tav tm="100000">
+                                          <p:val>
+                                            <p:strVal val="#ppt_h"/>
+                                          </p:val>
+                                        </p:tav>
+                                      </p:tavLst>
+                                    </p:anim>
+                                    <p:animEffect transition="in" filter="fade">
+                                      <p:cBhvr>
+                                        <p:cTn id="36" dur="500"/>
+                                        <p:tgtEl>
+                                          <p:spTgt spid="7"/>
+                                        </p:tgtEl>
+                                      </p:cBhvr>
+                                    </p:animEffect>
+                                  </p:childTnLst>
+                                </p:cTn>
+                              </p:par>
+                              <p:par>
+                                <p:cTn id="37" presetID="53" presetClass="entr" presetSubtype="16" fill="hold" grpId="0" nodeType="withEffect">
+                                  <p:stCondLst>
+                                    <p:cond delay="0"/>
+                                  </p:stCondLst>
+                                  <p:childTnLst>
+                                    <p:set>
+                                      <p:cBhvr>
+                                        <p:cTn id="38" dur="1" fill="hold">
+                                          <p:stCondLst>
+                                            <p:cond delay="0"/>
+                                          </p:stCondLst>
+                                        </p:cTn>
+                                        <p:tgtEl>
+                                          <p:spTgt spid="8"/>
+                                        </p:tgtEl>
+                                        <p:attrNameLst>
+                                          <p:attrName>style.visibility</p:attrName>
+                                        </p:attrNameLst>
+                                      </p:cBhvr>
+                                      <p:to>
+                                        <p:strVal val="visible"/>
+                                      </p:to>
+                                    </p:set>
+                                    <p:anim calcmode="lin" valueType="num">
+                                      <p:cBhvr>
+                                        <p:cTn id="39" dur="500" fill="hold"/>
+                                        <p:tgtEl>
+                                          <p:spTgt spid="8"/>
+                                        </p:tgtEl>
+                                        <p:attrNameLst>
+                                          <p:attrName>ppt_w</p:attrName>
+                                        </p:attrNameLst>
+                                      </p:cBhvr>
+                                      <p:tavLst>
+                                        <p:tav tm="0">
+                                          <p:val>
+                                            <p:fltVal val="0"/>
+                                          </p:val>
+                                        </p:tav>
+                                        <p:tav tm="100000">
+                                          <p:val>
+                                            <p:strVal val="#ppt_w"/>
+                                          </p:val>
+                                        </p:tav>
+                                      </p:tavLst>
+                                    </p:anim>
+                                    <p:anim calcmode="lin" valueType="num">
+                                      <p:cBhvr>
+                                        <p:cTn id="40" dur="500" fill="hold"/>
+                                        <p:tgtEl>
+                                          <p:spTgt spid="8"/>
+                                        </p:tgtEl>
+                                        <p:attrNameLst>
+                                          <p:attrName>ppt_h</p:attrName>
+                                        </p:attrNameLst>
+                                      </p:cBhvr>
+                                      <p:tavLst>
+                                        <p:tav tm="0">
+                                          <p:val>
+                                            <p:fltVal val="0"/>
+                                          </p:val>
+                                        </p:tav>
+                                        <p:tav tm="100000">
+                                          <p:val>
+                                            <p:strVal val="#ppt_h"/>
+                                          </p:val>
+                                        </p:tav>
+                                      </p:tavLst>
+                                    </p:anim>
+                                    <p:animEffect transition="in" filter="fade">
+                                      <p:cBhvr>
+                                        <p:cTn id="41" dur="500"/>
+                                        <p:tgtEl>
+                                          <p:spTgt spid="8"/>
+                                        </p:tgtEl>
+                                      </p:cBhvr>
+                                    </p:animEffect>
+                                  </p:childTnLst>
+                                </p:cTn>
+                              </p:par>
+                            </p:childTnLst>
+                          </p:cTn>
+                        </p:par>
+                      </p:childTnLst>
+                    </p:cTn>
+                  </p:par>
+                </p:childTnLst>
+              </p:cTn>
+              <p:prevCondLst>
+                <p:cond evt="onPrev" delay="0">
+                  <p:tgtEl>
+                    <p:sldTgt/>
+                  </p:tgtEl>
+                </p:cond>
+              </p:prevCondLst>
+              <p:nextCondLst>
+                <p:cond evt="onNext" delay="0">
+                  <p:tgtEl>
+                    <p:sldTgt/>
+                  </p:tgtEl>
+                </p:cond>
+              </p:nextCondLst>
+            </p:seq>
+          </p:childTnLst>
+        </p:cTn>
+      </p:par>
+    </p:tnLst>
+    <p:bldLst>
+      <p:bldP spid="3" grpId="0" build="p"/>
+      <p:bldP spid="5" grpId="0" animBg="1"/>
+      <p:bldP spid="7" grpId="0" animBg="1"/>
+      <p:bldP spid="8" grpId="0"/>
+    </p:bldLst>
+  </p:timing>
+</p:sld>
+</file>
+
+<file path=ppt/slides/slide4.xml><?xml version="1.0" encoding="utf-8"?>
+<p:sld xmlns:a="http://schemas.openxmlformats.org/drawingml/2006/main" xmlns:r="http://schemas.openxmlformats.org/officeDocument/2006/relationships" xmlns:p="http://schemas.openxmlformats.org/presentationml/2006/main">
+  <p:cSld>
+    <p:spTree>
+      <p:nvGrpSpPr>
+        <p:cNvPr id="1" name=""/>
+        <p:cNvGrpSpPr/>
+        <p:nvPr/>
+      </p:nvGrpSpPr>
+      <p:grpSpPr>
+        <a:xfrm>
+          <a:off x="0" y="0"/>
+          <a:ext cx="0" cy="0"/>
+          <a:chOff x="0" y="0"/>
+          <a:chExt cx="0" cy="0"/>
+        </a:xfrm>
+      </p:grpSpPr>
+      <p:sp>
+        <p:nvSpPr>
+          <p:cNvPr id="2" name="Título 1"/>
+          <p:cNvSpPr>
+            <a:spLocks noGrp="1"/>
+          </p:cNvSpPr>
+          <p:nvPr>
+            <p:ph type="title"/>
+          </p:nvPr>
+        </p:nvSpPr>
+        <p:spPr/>
+        <p:txBody>
+          <a:bodyPr/>
+          <a:lstStyle/>
+          <a:p>
+            <a:r>
+              <a:rPr lang="es-ES" dirty="0"/>
+              <a:t>Introducción a las redes neuronales</a:t>
+            </a:r>
+          </a:p>
+        </p:txBody>
+      </p:sp>
+      <p:sp>
+        <p:nvSpPr>
+          <p:cNvPr id="5" name="Marcador de contenido 4"/>
+          <p:cNvSpPr>
+            <a:spLocks noGrp="1"/>
+          </p:cNvSpPr>
+          <p:nvPr>
+            <p:ph idx="1"/>
+          </p:nvPr>
+        </p:nvSpPr>
+        <p:spPr/>
+        <p:txBody>
+          <a:bodyPr>
+            <a:normAutofit/>
+          </a:bodyPr>
+          <a:lstStyle/>
+          <a:p>
+            <a:r>
+              <a:rPr lang="es-ES" dirty="0"/>
+              <a:t>Grafo dirigido</a:t>
+            </a:r>
+          </a:p>
+          <a:p>
+            <a:pPr lvl="1"/>
+            <a:r>
+              <a:rPr lang="es-ES" dirty="0"/>
+              <a:t>Entrada</a:t>
+            </a:r>
+          </a:p>
+          <a:p>
+            <a:pPr lvl="1"/>
+            <a:r>
+              <a:rPr lang="es-ES" dirty="0"/>
+              <a:t>Capas ocultas(Opcional)</a:t>
+            </a:r>
+          </a:p>
+          <a:p>
+            <a:pPr lvl="1"/>
+            <a:r>
+              <a:rPr lang="es-ES" dirty="0"/>
+              <a:t>Salida</a:t>
+            </a:r>
+          </a:p>
+          <a:p>
+            <a:r>
+              <a:rPr lang="es-ES" dirty="0"/>
+              <a:t>Pesos</a:t>
+            </a:r>
+          </a:p>
+          <a:p>
+            <a:r>
+              <a:rPr lang="es-ES" dirty="0"/>
+              <a:t>Funciones</a:t>
+            </a:r>
+          </a:p>
+          <a:p>
+            <a:pPr lvl="1"/>
+            <a:r>
+              <a:rPr lang="es-ES" dirty="0"/>
+              <a:t>Función de propagación</a:t>
+            </a:r>
+          </a:p>
+          <a:p>
+            <a:pPr lvl="1"/>
+            <a:r>
+              <a:rPr lang="es-ES" dirty="0"/>
+              <a:t>Función de transferencia</a:t>
+            </a:r>
+          </a:p>
+          <a:p>
+            <a:pPr marL="914400" lvl="2" indent="0">
+              <a:buNone/>
+            </a:pPr>
+            <a:endParaRPr lang="es-ES" dirty="0"/>
+          </a:p>
+          <a:p>
+            <a:endParaRPr lang="es-ES" dirty="0"/>
+          </a:p>
+          <a:p>
+            <a:endParaRPr lang="es-ES" dirty="0"/>
+          </a:p>
+        </p:txBody>
+      </p:sp>
+      <p:pic>
+        <p:nvPicPr>
+          <p:cNvPr id="7" name="Imagen 6"/>
+          <p:cNvPicPr>
+            <a:picLocks noChangeAspect="1"/>
+          </p:cNvPicPr>
+          <p:nvPr/>
+        </p:nvPicPr>
+        <p:blipFill>
+          <a:blip r:embed="rId2"/>
+          <a:stretch>
+            <a:fillRect/>
+          </a:stretch>
+        </p:blipFill>
+        <p:spPr>
+          <a:xfrm>
+            <a:off x="6471175" y="2625754"/>
+            <a:ext cx="3823007" cy="2387978"/>
+          </a:xfrm>
+          <a:prstGeom prst="rect">
+            <a:avLst/>
+          </a:prstGeom>
+        </p:spPr>
+      </p:pic>
+    </p:spTree>
+    <p:extLst>
+      <p:ext uri="{BB962C8B-B14F-4D97-AF65-F5344CB8AC3E}">
+        <p14:creationId xmlns:p14="http://schemas.microsoft.com/office/powerpoint/2010/main" val="1151611512"/>
+      </p:ext>
+    </p:extLst>
+  </p:cSld>
+  <p:clrMapOvr>
+    <a:masterClrMapping/>
+  </p:clrMapOvr>
+</p:sld>
+</file>
+
+<file path=ppt/slides/slide5.xml><?xml version="1.0" encoding="utf-8"?>
+<p:sld xmlns:a="http://schemas.openxmlformats.org/drawingml/2006/main" xmlns:r="http://schemas.openxmlformats.org/officeDocument/2006/relationships" xmlns:p="http://schemas.openxmlformats.org/presentationml/2006/main">
+  <p:cSld>
+    <p:spTree>
+      <p:nvGrpSpPr>
+        <p:cNvPr id="1" name=""/>
+        <p:cNvGrpSpPr/>
+        <p:nvPr/>
+      </p:nvGrpSpPr>
+      <p:grpSpPr>
+        <a:xfrm>
+          <a:off x="0" y="0"/>
+          <a:ext cx="0" cy="0"/>
+          <a:chOff x="0" y="0"/>
+          <a:chExt cx="0" cy="0"/>
+        </a:xfrm>
+      </p:grpSpPr>
+      <p:sp>
+        <p:nvSpPr>
+          <p:cNvPr id="2" name="Título 1"/>
+          <p:cNvSpPr>
+            <a:spLocks noGrp="1"/>
+          </p:cNvSpPr>
+          <p:nvPr>
+            <p:ph type="title"/>
+          </p:nvPr>
+        </p:nvSpPr>
+        <p:spPr/>
+        <p:txBody>
+          <a:bodyPr/>
+          <a:lstStyle/>
+          <a:p>
+            <a:r>
+              <a:rPr lang="es-ES" dirty="0"/>
+              <a:t>RNA con Back-Propagation</a:t>
+            </a:r>
+          </a:p>
+        </p:txBody>
+      </p:sp>
+      <p:sp>
+        <p:nvSpPr>
+          <p:cNvPr id="3" name="Marcador de contenido 2"/>
+          <p:cNvSpPr>
+            <a:spLocks noGrp="1"/>
+          </p:cNvSpPr>
+          <p:nvPr>
+            <p:ph idx="1"/>
+          </p:nvPr>
+        </p:nvSpPr>
+        <p:spPr>
+          <a:xfrm>
             <a:off x="680321" y="2728785"/>
             <a:ext cx="9613861" cy="3599316"/>
           </a:xfrm>
@@ -8406,28 +14337,27 @@
           <a:lstStyle/>
           <a:p>
             <a:r>
-              <a:rPr lang="es-ES" dirty="0" smtClean="0"/>
+              <a:rPr lang="es-ES" dirty="0"/>
               <a:t>Introducción de la entrada</a:t>
             </a:r>
           </a:p>
           <a:p>
-            <a:endParaRPr lang="es-ES" dirty="0" smtClean="0"/>
-          </a:p>
-          <a:p>
-            <a:r>
-              <a:rPr lang="es-ES" dirty="0" smtClean="0"/>
+            <a:endParaRPr lang="es-ES" dirty="0"/>
+          </a:p>
+          <a:p>
+            <a:r>
+              <a:rPr lang="es-ES" dirty="0"/>
               <a:t>Obtención de una señal de error</a:t>
             </a:r>
           </a:p>
           <a:p>
-            <a:endParaRPr lang="es-ES" dirty="0" smtClean="0"/>
-          </a:p>
-          <a:p>
-            <a:r>
-              <a:rPr lang="es-ES" dirty="0" smtClean="0"/>
+            <a:endParaRPr lang="es-ES" dirty="0"/>
+          </a:p>
+          <a:p>
+            <a:r>
+              <a:rPr lang="es-ES" dirty="0"/>
               <a:t>Propagación hacia atrás de la señal de error</a:t>
             </a:r>
-            <a:endParaRPr lang="es-ES" dirty="0"/>
           </a:p>
         </p:txBody>
       </p:sp>
@@ -8465,17 +14395,10 @@
   <p:clrMapOvr>
     <a:masterClrMapping/>
   </p:clrMapOvr>
-  <p:timing>
-    <p:tnLst>
-      <p:par>
-        <p:cTn id="1" dur="indefinite" restart="never" nodeType="tmRoot"/>
-      </p:par>
-    </p:tnLst>
-  </p:timing>
 </p:sld>
 </file>
 
-<file path=ppt/slides/slide4.xml><?xml version="1.0" encoding="utf-8"?>
+<file path=ppt/slides/slide6.xml><?xml version="1.0" encoding="utf-8"?>
 <p:sld xmlns:a="http://schemas.openxmlformats.org/drawingml/2006/main" xmlns:r="http://schemas.openxmlformats.org/officeDocument/2006/relationships" xmlns:p="http://schemas.openxmlformats.org/presentationml/2006/main">
   <p:cSld>
     <p:spTree>
@@ -8616,21 +14539,21 @@
               <a:buChar char="•"/>
             </a:pPr>
             <a:r>
-              <a:rPr lang="es-ES" sz="2400" dirty="0" smtClean="0"/>
+              <a:rPr lang="es-ES" sz="2400" dirty="0"/>
               <a:t>1ª Fase: Mapa de </a:t>
             </a:r>
             <a:r>
-              <a:rPr lang="es-ES" sz="2400" dirty="0" err="1" smtClean="0"/>
+              <a:rPr lang="es-ES" sz="2400" dirty="0" err="1"/>
               <a:t>Kohonen</a:t>
             </a:r>
-            <a:endParaRPr lang="es-ES" sz="2400" dirty="0" smtClean="0"/>
+            <a:endParaRPr lang="es-ES" sz="2400" dirty="0"/>
           </a:p>
           <a:p>
             <a:pPr marL="285750" indent="-285750">
               <a:buFont typeface="Arial" panose="020B0604020202020204" pitchFamily="34" charset="0"/>
               <a:buChar char="•"/>
             </a:pPr>
-            <a:endParaRPr lang="es-ES" sz="2400" dirty="0" smtClean="0"/>
+            <a:endParaRPr lang="es-ES" sz="2400" dirty="0"/>
           </a:p>
           <a:p>
             <a:pPr marL="742950" lvl="1" indent="-285750">
@@ -8638,7 +14561,7 @@
               <a:buChar char="•"/>
             </a:pPr>
             <a:r>
-              <a:rPr lang="es-ES" sz="2400" dirty="0" smtClean="0"/>
+              <a:rPr lang="es-ES" sz="2400" dirty="0"/>
               <a:t>Entradas: Nº de variables</a:t>
             </a:r>
           </a:p>
@@ -8647,7 +14570,7 @@
               <a:buFont typeface="Arial" panose="020B0604020202020204" pitchFamily="34" charset="0"/>
               <a:buChar char="•"/>
             </a:pPr>
-            <a:endParaRPr lang="es-ES" sz="2400" dirty="0" smtClean="0"/>
+            <a:endParaRPr lang="es-ES" sz="2400" dirty="0"/>
           </a:p>
           <a:p>
             <a:pPr marL="742950" lvl="1" indent="-285750">
@@ -8655,10 +14578,9 @@
               <a:buChar char="•"/>
             </a:pPr>
             <a:r>
-              <a:rPr lang="es-ES" sz="2400" dirty="0" smtClean="0"/>
+              <a:rPr lang="es-ES" sz="2400" dirty="0"/>
               <a:t>Salidas: Nº de neuronas del mapa</a:t>
             </a:r>
-            <a:endParaRPr lang="es-ES" sz="2400" dirty="0"/>
           </a:p>
         </p:txBody>
       </p:sp>
@@ -8729,7 +14651,7 @@
               <a:buChar char="•"/>
             </a:pPr>
             <a:r>
-              <a:rPr lang="es-ES" sz="2400" dirty="0" smtClean="0"/>
+              <a:rPr lang="es-ES" sz="2400" dirty="0"/>
               <a:t>2ª Fase: Perceptrón simple</a:t>
             </a:r>
           </a:p>
@@ -8738,7 +14660,7 @@
               <a:buFont typeface="Arial" panose="020B0604020202020204" pitchFamily="34" charset="0"/>
               <a:buChar char="•"/>
             </a:pPr>
-            <a:endParaRPr lang="es-ES" sz="2400" dirty="0" smtClean="0"/>
+            <a:endParaRPr lang="es-ES" sz="2400" dirty="0"/>
           </a:p>
           <a:p>
             <a:pPr marL="742950" lvl="1" indent="-285750">
@@ -8746,7 +14668,7 @@
               <a:buChar char="•"/>
             </a:pPr>
             <a:r>
-              <a:rPr lang="es-ES" sz="2400" dirty="0" smtClean="0"/>
+              <a:rPr lang="es-ES" sz="2400" dirty="0"/>
               <a:t>Entradas: Nº de salidas del mapa</a:t>
             </a:r>
           </a:p>
@@ -8755,7 +14677,7 @@
               <a:buFont typeface="Arial" panose="020B0604020202020204" pitchFamily="34" charset="0"/>
               <a:buChar char="•"/>
             </a:pPr>
-            <a:endParaRPr lang="es-ES" sz="2400" dirty="0" smtClean="0"/>
+            <a:endParaRPr lang="es-ES" sz="2400" dirty="0"/>
           </a:p>
           <a:p>
             <a:pPr marL="742950" lvl="1" indent="-285750">
@@ -8763,10 +14685,9 @@
               <a:buChar char="•"/>
             </a:pPr>
             <a:r>
-              <a:rPr lang="es-ES" sz="2400" dirty="0" smtClean="0"/>
-              <a:t>Salidas: Una sola</a:t>
-            </a:r>
-            <a:endParaRPr lang="es-ES" sz="2400" dirty="0"/>
+              <a:rPr lang="es-ES" sz="2400" dirty="0"/>
+              <a:t>Salidas: Resultado final</a:t>
+            </a:r>
           </a:p>
         </p:txBody>
       </p:sp>
@@ -9078,7 +14999,7 @@
 </p:sld>
 </file>
 
-<file path=ppt/slides/slide5.xml><?xml version="1.0" encoding="utf-8"?>
+<file path=ppt/slides/slide7.xml><?xml version="1.0" encoding="utf-8"?>
 <p:sld xmlns:a="http://schemas.openxmlformats.org/drawingml/2006/main" xmlns:r="http://schemas.openxmlformats.org/officeDocument/2006/relationships" xmlns:p="http://schemas.openxmlformats.org/presentationml/2006/main">
   <p:cSld>
     <p:spTree>
@@ -9119,61 +15040,13 @@
       </p:sp>
       <p:sp>
         <p:nvSpPr>
-          <p:cNvPr id="3" name="Marcador de contenido 2"/>
-          <p:cNvSpPr>
-            <a:spLocks noGrp="1"/>
-          </p:cNvSpPr>
-          <p:nvPr>
-            <p:ph idx="1"/>
-          </p:nvPr>
-        </p:nvSpPr>
-        <p:spPr>
-          <a:xfrm>
-            <a:off x="1853496" y="2213210"/>
-            <a:ext cx="3505785" cy="1547422"/>
-          </a:xfrm>
-        </p:spPr>
-        <p:txBody>
-          <a:bodyPr/>
-          <a:lstStyle/>
-          <a:p>
-            <a:r>
-              <a:rPr lang="es-ES" dirty="0"/>
-              <a:t>Melanoma</a:t>
-            </a:r>
-          </a:p>
-          <a:p>
-            <a:r>
-              <a:rPr lang="es-ES" dirty="0"/>
-              <a:t>Cáncer de Pulmón</a:t>
-            </a:r>
-          </a:p>
-          <a:p>
-            <a:r>
-              <a:rPr lang="es-ES" dirty="0"/>
-              <a:t>Cáncer de Mama</a:t>
-            </a:r>
-          </a:p>
-          <a:p>
-            <a:endParaRPr lang="es-ES" dirty="0"/>
-          </a:p>
-          <a:p>
-            <a:endParaRPr lang="es-ES" dirty="0"/>
-          </a:p>
-          <a:p>
-            <a:endParaRPr lang="es-ES" dirty="0"/>
-          </a:p>
-        </p:txBody>
-      </p:sp>
-      <p:sp>
-        <p:nvSpPr>
           <p:cNvPr id="6" name="CuadroTexto 5"/>
           <p:cNvSpPr txBox="1"/>
           <p:nvPr/>
         </p:nvSpPr>
         <p:spPr>
           <a:xfrm>
-            <a:off x="5929348" y="2610170"/>
+            <a:off x="5449705" y="2616433"/>
             <a:ext cx="4844477" cy="1938992"/>
           </a:xfrm>
           <a:prstGeom prst="rect">
@@ -9192,10 +15065,9 @@
               <a:buChar char="•"/>
             </a:pPr>
             <a:r>
-              <a:rPr lang="es-ES" sz="2400" dirty="0" smtClean="0"/>
+              <a:rPr lang="es-ES" sz="2400" dirty="0"/>
               <a:t>Cáncer(Si/No)</a:t>
             </a:r>
-            <a:endParaRPr lang="es-ES" sz="2400" dirty="0"/>
           </a:p>
           <a:p>
             <a:pPr marL="342900" indent="-342900">
@@ -9231,7 +15103,7 @@
       </p:sp>
       <p:pic>
         <p:nvPicPr>
-          <p:cNvPr id="8" name="Imagen 7"/>
+          <p:cNvPr id="5" name="Imagen 4"/>
           <p:cNvPicPr>
             <a:picLocks noChangeAspect="1"/>
           </p:cNvPicPr>
@@ -9245,8 +15117,8 @@
         </p:blipFill>
         <p:spPr>
           <a:xfrm>
-            <a:off x="1177485" y="5337692"/>
-            <a:ext cx="9116697" cy="485843"/>
+            <a:off x="1727661" y="3001394"/>
+            <a:ext cx="3082401" cy="1027594"/>
           </a:xfrm>
           <a:prstGeom prst="rect">
             <a:avLst/>
@@ -9255,7 +15127,7 @@
       </p:pic>
       <p:pic>
         <p:nvPicPr>
-          <p:cNvPr id="5" name="Imagen 4"/>
+          <p:cNvPr id="7" name="Imagen 6"/>
           <p:cNvPicPr>
             <a:picLocks noChangeAspect="1"/>
           </p:cNvPicPr>
@@ -9269,8 +15141,8 @@
         </p:blipFill>
         <p:spPr>
           <a:xfrm>
-            <a:off x="1853496" y="3918965"/>
-            <a:ext cx="3082401" cy="1027594"/>
+            <a:off x="1233182" y="4893685"/>
+            <a:ext cx="10058400" cy="605061"/>
           </a:xfrm>
           <a:prstGeom prst="rect">
             <a:avLst/>
@@ -9287,17 +15159,10 @@
   <p:clrMapOvr>
     <a:masterClrMapping/>
   </p:clrMapOvr>
-  <p:timing>
-    <p:tnLst>
-      <p:par>
-        <p:cTn id="1" dur="indefinite" restart="never" nodeType="tmRoot"/>
-      </p:par>
-    </p:tnLst>
-  </p:timing>
 </p:sld>
 </file>
 
-<file path=ppt/slides/slide6.xml><?xml version="1.0" encoding="utf-8"?>
+<file path=ppt/slides/slide8.xml><?xml version="1.0" encoding="utf-8"?>
 <p:sld xmlns:a="http://schemas.openxmlformats.org/drawingml/2006/main" xmlns:r="http://schemas.openxmlformats.org/officeDocument/2006/relationships" xmlns:p="http://schemas.openxmlformats.org/presentationml/2006/main">
   <p:cSld>
     <p:spTree>
@@ -9347,34 +15212,72 @@
             <p:ph idx="1"/>
           </p:nvPr>
         </p:nvSpPr>
-        <p:spPr/>
+        <p:spPr>
+          <a:xfrm>
+            <a:off x="680321" y="2336873"/>
+            <a:ext cx="9613861" cy="4038760"/>
+          </a:xfrm>
+        </p:spPr>
         <p:txBody>
           <a:bodyPr>
-            <a:normAutofit/>
+            <a:normAutofit fontScale="92500" lnSpcReduction="10000"/>
           </a:bodyPr>
           <a:lstStyle/>
           <a:p>
-            <a:r>
-              <a:rPr lang="es-ES" dirty="0" smtClean="0"/>
-              <a:t>Eliminación de columnas poco significativas</a:t>
-            </a:r>
-          </a:p>
-          <a:p>
-            <a:endParaRPr lang="es-ES" dirty="0" smtClean="0"/>
-          </a:p>
-          <a:p>
-            <a:r>
-              <a:rPr lang="es-ES" dirty="0" smtClean="0"/>
+            <a:endParaRPr lang="es-ES" dirty="0"/>
+          </a:p>
+          <a:p>
+            <a:r>
+              <a:rPr lang="es-ES" dirty="0"/>
+              <a:t>Eliminación de columnas y filas poco significativas</a:t>
+            </a:r>
+          </a:p>
+          <a:p>
+            <a:endParaRPr lang="es-ES" dirty="0"/>
+          </a:p>
+          <a:p>
+            <a:r>
+              <a:rPr lang="es-ES" dirty="0"/>
               <a:t>Sustitución de datos nulos</a:t>
             </a:r>
           </a:p>
           <a:p>
-            <a:endParaRPr lang="es-ES" dirty="0" smtClean="0"/>
-          </a:p>
-          <a:p>
-            <a:r>
-              <a:rPr lang="es-ES" dirty="0" smtClean="0"/>
+            <a:endParaRPr lang="es-ES" dirty="0"/>
+          </a:p>
+          <a:p>
+            <a:r>
+              <a:rPr lang="es-ES" dirty="0"/>
               <a:t>Normalización</a:t>
+            </a:r>
+          </a:p>
+          <a:p>
+            <a:endParaRPr lang="es-ES" dirty="0"/>
+          </a:p>
+          <a:p>
+            <a:r>
+              <a:rPr lang="es-ES" dirty="0"/>
+              <a:t>División en subconjuntos aleatorios:</a:t>
+            </a:r>
+          </a:p>
+          <a:p>
+            <a:pPr lvl="1"/>
+            <a:r>
+              <a:rPr lang="es-ES" dirty="0"/>
+              <a:t>Entrenamiento -&gt; 50%</a:t>
+            </a:r>
+          </a:p>
+          <a:p>
+            <a:pPr lvl="1"/>
+            <a:r>
+              <a:rPr lang="es-ES" dirty="0"/>
+              <a:t>Validación -&gt; 25%</a:t>
+            </a:r>
+          </a:p>
+          <a:p>
+            <a:pPr lvl="1"/>
+            <a:r>
+              <a:rPr lang="es-ES" dirty="0"/>
+              <a:t>Testeo -&gt; 25%</a:t>
             </a:r>
           </a:p>
         </p:txBody>
@@ -9402,7 +15305,7 @@
         </p:blipFill>
         <p:spPr bwMode="auto">
           <a:xfrm>
-            <a:off x="8668511" y="2336873"/>
+            <a:off x="8291006" y="3641230"/>
             <a:ext cx="1885950" cy="990601"/>
           </a:xfrm>
           <a:prstGeom prst="rect">
@@ -9424,219 +15327,6 @@
     <p:extLst>
       <p:ext uri="{BB962C8B-B14F-4D97-AF65-F5344CB8AC3E}">
         <p14:creationId xmlns:p14="http://schemas.microsoft.com/office/powerpoint/2010/main" val="3311582349"/>
-      </p:ext>
-    </p:extLst>
-  </p:cSld>
-  <p:clrMapOvr>
-    <a:masterClrMapping/>
-  </p:clrMapOvr>
-  <p:timing>
-    <p:tnLst>
-      <p:par>
-        <p:cTn id="1" dur="indefinite" restart="never" nodeType="tmRoot"/>
-      </p:par>
-    </p:tnLst>
-  </p:timing>
-</p:sld>
-</file>
-
-<file path=ppt/slides/slide7.xml><?xml version="1.0" encoding="utf-8"?>
-<p:sld xmlns:a="http://schemas.openxmlformats.org/drawingml/2006/main" xmlns:r="http://schemas.openxmlformats.org/officeDocument/2006/relationships" xmlns:p="http://schemas.openxmlformats.org/presentationml/2006/main">
-  <p:cSld>
-    <p:spTree>
-      <p:nvGrpSpPr>
-        <p:cNvPr id="1" name=""/>
-        <p:cNvGrpSpPr/>
-        <p:nvPr/>
-      </p:nvGrpSpPr>
-      <p:grpSpPr>
-        <a:xfrm>
-          <a:off x="0" y="0"/>
-          <a:ext cx="0" cy="0"/>
-          <a:chOff x="0" y="0"/>
-          <a:chExt cx="0" cy="0"/>
-        </a:xfrm>
-      </p:grpSpPr>
-      <p:sp>
-        <p:nvSpPr>
-          <p:cNvPr id="2" name="Título 1"/>
-          <p:cNvSpPr>
-            <a:spLocks noGrp="1"/>
-          </p:cNvSpPr>
-          <p:nvPr>
-            <p:ph type="title"/>
-          </p:nvPr>
-        </p:nvSpPr>
-        <p:spPr/>
-        <p:txBody>
-          <a:bodyPr/>
-          <a:lstStyle/>
-          <a:p>
-            <a:r>
-              <a:rPr lang="es-ES" dirty="0"/>
-              <a:t>PyBrain</a:t>
-            </a:r>
-          </a:p>
-        </p:txBody>
-      </p:sp>
-      <p:sp>
-        <p:nvSpPr>
-          <p:cNvPr id="3" name="Marcador de contenido 2"/>
-          <p:cNvSpPr>
-            <a:spLocks noGrp="1"/>
-          </p:cNvSpPr>
-          <p:nvPr>
-            <p:ph idx="1"/>
-          </p:nvPr>
-        </p:nvSpPr>
-        <p:spPr/>
-        <p:txBody>
-          <a:bodyPr>
-            <a:normAutofit/>
-          </a:bodyPr>
-          <a:lstStyle/>
-          <a:p>
-            <a:r>
-              <a:rPr lang="es-ES" dirty="0"/>
-              <a:t>Red neuronal y entrenamiento</a:t>
-            </a:r>
-          </a:p>
-          <a:p>
-            <a:pPr lvl="1"/>
-            <a:r>
-              <a:rPr lang="es-ES" dirty="0"/>
-              <a:t>Python 3.5</a:t>
-            </a:r>
-          </a:p>
-          <a:p>
-            <a:pPr lvl="2"/>
-            <a:r>
-              <a:rPr lang="es-ES" dirty="0"/>
-              <a:t>Librería PyBrain</a:t>
-            </a:r>
-          </a:p>
-          <a:p>
-            <a:pPr lvl="1"/>
-            <a:endParaRPr lang="es-ES" dirty="0"/>
-          </a:p>
-          <a:p>
-            <a:pPr lvl="1"/>
-            <a:endParaRPr lang="es-ES" dirty="0"/>
-          </a:p>
-          <a:p>
-            <a:pPr lvl="1"/>
-            <a:endParaRPr lang="es-ES" dirty="0"/>
-          </a:p>
-          <a:p>
-            <a:endParaRPr lang="es-ES" dirty="0"/>
-          </a:p>
-        </p:txBody>
-      </p:sp>
-      <p:pic>
-        <p:nvPicPr>
-          <p:cNvPr id="4" name="Imagen 3"/>
-          <p:cNvPicPr>
-            <a:picLocks noChangeAspect="1"/>
-          </p:cNvPicPr>
-          <p:nvPr/>
-        </p:nvPicPr>
-        <p:blipFill rotWithShape="1">
-          <a:blip r:embed="rId2"/>
-          <a:srcRect t="30214"/>
-          <a:stretch/>
-        </p:blipFill>
-        <p:spPr>
-          <a:xfrm>
-            <a:off x="360608" y="3797964"/>
-            <a:ext cx="11642624" cy="688700"/>
-          </a:xfrm>
-          <a:prstGeom prst="rect">
-            <a:avLst/>
-          </a:prstGeom>
-        </p:spPr>
-      </p:pic>
-    </p:spTree>
-    <p:extLst>
-      <p:ext uri="{BB962C8B-B14F-4D97-AF65-F5344CB8AC3E}">
-        <p14:creationId xmlns:p14="http://schemas.microsoft.com/office/powerpoint/2010/main" val="2188609083"/>
-      </p:ext>
-    </p:extLst>
-  </p:cSld>
-  <p:clrMapOvr>
-    <a:masterClrMapping/>
-  </p:clrMapOvr>
-  <p:timing>
-    <p:tnLst>
-      <p:par>
-        <p:cTn id="1" dur="indefinite" restart="never" nodeType="tmRoot"/>
-      </p:par>
-    </p:tnLst>
-  </p:timing>
-</p:sld>
-</file>
-
-<file path=ppt/slides/slide8.xml><?xml version="1.0" encoding="utf-8"?>
-<p:sld xmlns:a="http://schemas.openxmlformats.org/drawingml/2006/main" xmlns:r="http://schemas.openxmlformats.org/officeDocument/2006/relationships" xmlns:p="http://schemas.openxmlformats.org/presentationml/2006/main">
-  <p:cSld>
-    <p:spTree>
-      <p:nvGrpSpPr>
-        <p:cNvPr id="1" name=""/>
-        <p:cNvGrpSpPr/>
-        <p:nvPr/>
-      </p:nvGrpSpPr>
-      <p:grpSpPr>
-        <a:xfrm>
-          <a:off x="0" y="0"/>
-          <a:ext cx="0" cy="0"/>
-          <a:chOff x="0" y="0"/>
-          <a:chExt cx="0" cy="0"/>
-        </a:xfrm>
-      </p:grpSpPr>
-      <p:sp>
-        <p:nvSpPr>
-          <p:cNvPr id="2" name="Título 1"/>
-          <p:cNvSpPr>
-            <a:spLocks noGrp="1"/>
-          </p:cNvSpPr>
-          <p:nvPr>
-            <p:ph type="title"/>
-          </p:nvPr>
-        </p:nvSpPr>
-        <p:spPr/>
-        <p:txBody>
-          <a:bodyPr/>
-          <a:lstStyle/>
-          <a:p>
-            <a:r>
-              <a:rPr lang="es-ES" dirty="0"/>
-              <a:t>Análisis</a:t>
-            </a:r>
-          </a:p>
-        </p:txBody>
-      </p:sp>
-      <p:sp>
-        <p:nvSpPr>
-          <p:cNvPr id="3" name="Marcador de contenido 2"/>
-          <p:cNvSpPr>
-            <a:spLocks noGrp="1"/>
-          </p:cNvSpPr>
-          <p:nvPr>
-            <p:ph idx="1"/>
-          </p:nvPr>
-        </p:nvSpPr>
-        <p:spPr/>
-        <p:txBody>
-          <a:bodyPr/>
-          <a:lstStyle/>
-          <a:p>
-            <a:endParaRPr lang="es-ES" dirty="0"/>
-          </a:p>
-        </p:txBody>
-      </p:sp>
-    </p:spTree>
-    <p:extLst>
-      <p:ext uri="{BB962C8B-B14F-4D97-AF65-F5344CB8AC3E}">
-        <p14:creationId xmlns:p14="http://schemas.microsoft.com/office/powerpoint/2010/main" val="2063011008"/>
       </p:ext>
     </p:extLst>
   </p:cSld>
@@ -9680,7 +15370,7 @@
           <a:p>
             <a:r>
               <a:rPr lang="es-ES" dirty="0"/>
-              <a:t>Análisis con Back-Propagation</a:t>
+              <a:t>PyBrain</a:t>
             </a:r>
           </a:p>
         </p:txBody>
@@ -9695,25 +15385,854 @@
             <p:ph idx="1"/>
           </p:nvPr>
         </p:nvSpPr>
-        <p:spPr/>
-        <p:txBody>
-          <a:bodyPr/>
+        <p:spPr>
+          <a:xfrm>
+            <a:off x="680321" y="2471097"/>
+            <a:ext cx="4343834" cy="557328"/>
+          </a:xfrm>
+        </p:spPr>
+        <p:txBody>
+          <a:bodyPr>
+            <a:normAutofit/>
+          </a:bodyPr>
           <a:lstStyle/>
           <a:p>
+            <a:pPr marL="0" indent="0">
+              <a:buNone/>
+            </a:pPr>
+            <a:r>
+              <a:rPr lang="es-ES" dirty="0"/>
+              <a:t>Red neuronal y entrenamiento</a:t>
+            </a:r>
+          </a:p>
+          <a:p>
+            <a:pPr lvl="1"/>
+            <a:endParaRPr lang="es-ES" dirty="0"/>
+          </a:p>
+          <a:p>
+            <a:endParaRPr lang="es-ES" dirty="0"/>
+          </a:p>
+        </p:txBody>
+      </p:sp>
+      <p:pic>
+        <p:nvPicPr>
+          <p:cNvPr id="4" name="Imagen 3"/>
+          <p:cNvPicPr>
+            <a:picLocks noChangeAspect="1"/>
+          </p:cNvPicPr>
+          <p:nvPr/>
+        </p:nvPicPr>
+        <p:blipFill rotWithShape="1">
+          <a:blip r:embed="rId2"/>
+          <a:srcRect t="30214"/>
+          <a:stretch/>
+        </p:blipFill>
+        <p:spPr>
+          <a:xfrm>
+            <a:off x="364717" y="4838200"/>
+            <a:ext cx="11642624" cy="688700"/>
+          </a:xfrm>
+          <a:prstGeom prst="rect">
+            <a:avLst/>
+          </a:prstGeom>
+        </p:spPr>
+      </p:pic>
+      <p:sp>
+        <p:nvSpPr>
+          <p:cNvPr id="5" name="Flecha derecha 4"/>
+          <p:cNvSpPr/>
+          <p:nvPr/>
+        </p:nvSpPr>
+        <p:spPr>
+          <a:xfrm>
+            <a:off x="5191934" y="2477658"/>
+            <a:ext cx="872455" cy="411329"/>
+          </a:xfrm>
+          <a:prstGeom prst="rightArrow">
+            <a:avLst/>
+          </a:prstGeom>
+        </p:spPr>
+        <p:style>
+          <a:lnRef idx="2">
+            <a:schemeClr val="accent1">
+              <a:shade val="50000"/>
+            </a:schemeClr>
+          </a:lnRef>
+          <a:fillRef idx="1">
+            <a:schemeClr val="accent1"/>
+          </a:fillRef>
+          <a:effectRef idx="0">
+            <a:schemeClr val="accent1"/>
+          </a:effectRef>
+          <a:fontRef idx="minor">
+            <a:schemeClr val="lt1"/>
+          </a:fontRef>
+        </p:style>
+        <p:txBody>
+          <a:bodyPr rtlCol="0" anchor="ctr"/>
+          <a:lstStyle/>
+          <a:p>
+            <a:pPr algn="ctr"/>
             <a:endParaRPr lang="es-ES"/>
+          </a:p>
+        </p:txBody>
+      </p:sp>
+      <p:sp>
+        <p:nvSpPr>
+          <p:cNvPr id="6" name="CuadroTexto 5"/>
+          <p:cNvSpPr txBox="1"/>
+          <p:nvPr/>
+        </p:nvSpPr>
+        <p:spPr>
+          <a:xfrm>
+            <a:off x="6186029" y="2452489"/>
+            <a:ext cx="1686188" cy="461665"/>
+          </a:xfrm>
+          <a:prstGeom prst="rect">
+            <a:avLst/>
+          </a:prstGeom>
+          <a:noFill/>
+        </p:spPr>
+        <p:txBody>
+          <a:bodyPr wrap="square" rtlCol="0">
+            <a:spAutoFit/>
+          </a:bodyPr>
+          <a:lstStyle/>
+          <a:p>
+            <a:r>
+              <a:rPr lang="es-ES" sz="2400" dirty="0"/>
+              <a:t>Python 3.5</a:t>
+            </a:r>
+          </a:p>
+        </p:txBody>
+      </p:sp>
+      <p:sp>
+        <p:nvSpPr>
+          <p:cNvPr id="7" name="Flecha derecha 6"/>
+          <p:cNvSpPr/>
+          <p:nvPr/>
+        </p:nvSpPr>
+        <p:spPr>
+          <a:xfrm>
+            <a:off x="7993858" y="2498656"/>
+            <a:ext cx="897622" cy="377504"/>
+          </a:xfrm>
+          <a:prstGeom prst="rightArrow">
+            <a:avLst/>
+          </a:prstGeom>
+        </p:spPr>
+        <p:style>
+          <a:lnRef idx="2">
+            <a:schemeClr val="accent1">
+              <a:shade val="50000"/>
+            </a:schemeClr>
+          </a:lnRef>
+          <a:fillRef idx="1">
+            <a:schemeClr val="accent1"/>
+          </a:fillRef>
+          <a:effectRef idx="0">
+            <a:schemeClr val="accent1"/>
+          </a:effectRef>
+          <a:fontRef idx="minor">
+            <a:schemeClr val="lt1"/>
+          </a:fontRef>
+        </p:style>
+        <p:txBody>
+          <a:bodyPr rtlCol="0" anchor="ctr"/>
+          <a:lstStyle/>
+          <a:p>
+            <a:pPr algn="ctr"/>
+            <a:endParaRPr lang="es-ES"/>
+          </a:p>
+        </p:txBody>
+      </p:sp>
+      <p:sp>
+        <p:nvSpPr>
+          <p:cNvPr id="8" name="CuadroTexto 7"/>
+          <p:cNvSpPr txBox="1"/>
+          <p:nvPr/>
+        </p:nvSpPr>
+        <p:spPr>
+          <a:xfrm>
+            <a:off x="9013121" y="2452488"/>
+            <a:ext cx="1217294" cy="461665"/>
+          </a:xfrm>
+          <a:prstGeom prst="rect">
+            <a:avLst/>
+          </a:prstGeom>
+          <a:noFill/>
+        </p:spPr>
+        <p:txBody>
+          <a:bodyPr wrap="square" rtlCol="0">
+            <a:spAutoFit/>
+          </a:bodyPr>
+          <a:lstStyle/>
+          <a:p>
+            <a:r>
+              <a:rPr lang="es-ES" sz="2400" dirty="0"/>
+              <a:t>PyBrain</a:t>
+            </a:r>
+          </a:p>
+        </p:txBody>
+      </p:sp>
+      <p:sp>
+        <p:nvSpPr>
+          <p:cNvPr id="9" name="CuadroTexto 8"/>
+          <p:cNvSpPr txBox="1"/>
+          <p:nvPr/>
+        </p:nvSpPr>
+        <p:spPr>
+          <a:xfrm>
+            <a:off x="813732" y="3145872"/>
+            <a:ext cx="3691156" cy="1200329"/>
+          </a:xfrm>
+          <a:prstGeom prst="rect">
+            <a:avLst/>
+          </a:prstGeom>
+          <a:noFill/>
+        </p:spPr>
+        <p:txBody>
+          <a:bodyPr wrap="square" rtlCol="0">
+            <a:spAutoFit/>
+          </a:bodyPr>
+          <a:lstStyle/>
+          <a:p>
+            <a:pPr marL="285750" indent="-285750">
+              <a:buFont typeface="Arial" panose="020B0604020202020204" pitchFamily="34" charset="0"/>
+              <a:buChar char="•"/>
+            </a:pPr>
+            <a:r>
+              <a:rPr lang="es-ES" sz="2400" dirty="0"/>
+              <a:t>Fase de Datasets</a:t>
+            </a:r>
+          </a:p>
+          <a:p>
+            <a:pPr marL="285750" indent="-285750">
+              <a:buFont typeface="Arial" panose="020B0604020202020204" pitchFamily="34" charset="0"/>
+              <a:buChar char="•"/>
+            </a:pPr>
+            <a:r>
+              <a:rPr lang="es-ES" sz="2400" dirty="0"/>
+              <a:t>Fase de Creación</a:t>
+            </a:r>
+          </a:p>
+          <a:p>
+            <a:pPr marL="285750" indent="-285750">
+              <a:buFont typeface="Arial" panose="020B0604020202020204" pitchFamily="34" charset="0"/>
+              <a:buChar char="•"/>
+            </a:pPr>
+            <a:r>
+              <a:rPr lang="es-ES" sz="2400" dirty="0"/>
+              <a:t>Fase de Entrenamiento</a:t>
+            </a:r>
           </a:p>
         </p:txBody>
       </p:sp>
     </p:spTree>
     <p:extLst>
       <p:ext uri="{BB962C8B-B14F-4D97-AF65-F5344CB8AC3E}">
-        <p14:creationId xmlns:p14="http://schemas.microsoft.com/office/powerpoint/2010/main" val="2135593580"/>
+        <p14:creationId xmlns:p14="http://schemas.microsoft.com/office/powerpoint/2010/main" val="2188609083"/>
       </p:ext>
     </p:extLst>
   </p:cSld>
   <p:clrMapOvr>
     <a:masterClrMapping/>
   </p:clrMapOvr>
+  <p:timing>
+    <p:tnLst>
+      <p:par>
+        <p:cTn id="1" dur="indefinite" restart="never" nodeType="tmRoot">
+          <p:childTnLst>
+            <p:seq concurrent="1" nextAc="seek">
+              <p:cTn id="2" dur="indefinite" nodeType="mainSeq">
+                <p:childTnLst>
+                  <p:par>
+                    <p:cTn id="3" fill="hold">
+                      <p:stCondLst>
+                        <p:cond delay="indefinite"/>
+                      </p:stCondLst>
+                      <p:childTnLst>
+                        <p:par>
+                          <p:cTn id="4" fill="hold">
+                            <p:stCondLst>
+                              <p:cond delay="0"/>
+                            </p:stCondLst>
+                            <p:childTnLst>
+                              <p:par>
+                                <p:cTn id="5" presetID="53" presetClass="entr" presetSubtype="16" fill="hold" grpId="0" nodeType="clickEffect">
+                                  <p:stCondLst>
+                                    <p:cond delay="0"/>
+                                  </p:stCondLst>
+                                  <p:childTnLst>
+                                    <p:set>
+                                      <p:cBhvr>
+                                        <p:cTn id="6" dur="1" fill="hold">
+                                          <p:stCondLst>
+                                            <p:cond delay="0"/>
+                                          </p:stCondLst>
+                                        </p:cTn>
+                                        <p:tgtEl>
+                                          <p:spTgt spid="5"/>
+                                        </p:tgtEl>
+                                        <p:attrNameLst>
+                                          <p:attrName>style.visibility</p:attrName>
+                                        </p:attrNameLst>
+                                      </p:cBhvr>
+                                      <p:to>
+                                        <p:strVal val="visible"/>
+                                      </p:to>
+                                    </p:set>
+                                    <p:anim calcmode="lin" valueType="num">
+                                      <p:cBhvr>
+                                        <p:cTn id="7" dur="500" fill="hold"/>
+                                        <p:tgtEl>
+                                          <p:spTgt spid="5"/>
+                                        </p:tgtEl>
+                                        <p:attrNameLst>
+                                          <p:attrName>ppt_w</p:attrName>
+                                        </p:attrNameLst>
+                                      </p:cBhvr>
+                                      <p:tavLst>
+                                        <p:tav tm="0">
+                                          <p:val>
+                                            <p:fltVal val="0"/>
+                                          </p:val>
+                                        </p:tav>
+                                        <p:tav tm="100000">
+                                          <p:val>
+                                            <p:strVal val="#ppt_w"/>
+                                          </p:val>
+                                        </p:tav>
+                                      </p:tavLst>
+                                    </p:anim>
+                                    <p:anim calcmode="lin" valueType="num">
+                                      <p:cBhvr>
+                                        <p:cTn id="8" dur="500" fill="hold"/>
+                                        <p:tgtEl>
+                                          <p:spTgt spid="5"/>
+                                        </p:tgtEl>
+                                        <p:attrNameLst>
+                                          <p:attrName>ppt_h</p:attrName>
+                                        </p:attrNameLst>
+                                      </p:cBhvr>
+                                      <p:tavLst>
+                                        <p:tav tm="0">
+                                          <p:val>
+                                            <p:fltVal val="0"/>
+                                          </p:val>
+                                        </p:tav>
+                                        <p:tav tm="100000">
+                                          <p:val>
+                                            <p:strVal val="#ppt_h"/>
+                                          </p:val>
+                                        </p:tav>
+                                      </p:tavLst>
+                                    </p:anim>
+                                    <p:animEffect transition="in" filter="fade">
+                                      <p:cBhvr>
+                                        <p:cTn id="9" dur="500"/>
+                                        <p:tgtEl>
+                                          <p:spTgt spid="5"/>
+                                        </p:tgtEl>
+                                      </p:cBhvr>
+                                    </p:animEffect>
+                                  </p:childTnLst>
+                                </p:cTn>
+                              </p:par>
+                              <p:par>
+                                <p:cTn id="10" presetID="53" presetClass="entr" presetSubtype="16" fill="hold" grpId="0" nodeType="withEffect">
+                                  <p:stCondLst>
+                                    <p:cond delay="0"/>
+                                  </p:stCondLst>
+                                  <p:childTnLst>
+                                    <p:set>
+                                      <p:cBhvr>
+                                        <p:cTn id="11" dur="1" fill="hold">
+                                          <p:stCondLst>
+                                            <p:cond delay="0"/>
+                                          </p:stCondLst>
+                                        </p:cTn>
+                                        <p:tgtEl>
+                                          <p:spTgt spid="6"/>
+                                        </p:tgtEl>
+                                        <p:attrNameLst>
+                                          <p:attrName>style.visibility</p:attrName>
+                                        </p:attrNameLst>
+                                      </p:cBhvr>
+                                      <p:to>
+                                        <p:strVal val="visible"/>
+                                      </p:to>
+                                    </p:set>
+                                    <p:anim calcmode="lin" valueType="num">
+                                      <p:cBhvr>
+                                        <p:cTn id="12" dur="500" fill="hold"/>
+                                        <p:tgtEl>
+                                          <p:spTgt spid="6"/>
+                                        </p:tgtEl>
+                                        <p:attrNameLst>
+                                          <p:attrName>ppt_w</p:attrName>
+                                        </p:attrNameLst>
+                                      </p:cBhvr>
+                                      <p:tavLst>
+                                        <p:tav tm="0">
+                                          <p:val>
+                                            <p:fltVal val="0"/>
+                                          </p:val>
+                                        </p:tav>
+                                        <p:tav tm="100000">
+                                          <p:val>
+                                            <p:strVal val="#ppt_w"/>
+                                          </p:val>
+                                        </p:tav>
+                                      </p:tavLst>
+                                    </p:anim>
+                                    <p:anim calcmode="lin" valueType="num">
+                                      <p:cBhvr>
+                                        <p:cTn id="13" dur="500" fill="hold"/>
+                                        <p:tgtEl>
+                                          <p:spTgt spid="6"/>
+                                        </p:tgtEl>
+                                        <p:attrNameLst>
+                                          <p:attrName>ppt_h</p:attrName>
+                                        </p:attrNameLst>
+                                      </p:cBhvr>
+                                      <p:tavLst>
+                                        <p:tav tm="0">
+                                          <p:val>
+                                            <p:fltVal val="0"/>
+                                          </p:val>
+                                        </p:tav>
+                                        <p:tav tm="100000">
+                                          <p:val>
+                                            <p:strVal val="#ppt_h"/>
+                                          </p:val>
+                                        </p:tav>
+                                      </p:tavLst>
+                                    </p:anim>
+                                    <p:animEffect transition="in" filter="fade">
+                                      <p:cBhvr>
+                                        <p:cTn id="14" dur="500"/>
+                                        <p:tgtEl>
+                                          <p:spTgt spid="6"/>
+                                        </p:tgtEl>
+                                      </p:cBhvr>
+                                    </p:animEffect>
+                                  </p:childTnLst>
+                                </p:cTn>
+                              </p:par>
+                            </p:childTnLst>
+                          </p:cTn>
+                        </p:par>
+                      </p:childTnLst>
+                    </p:cTn>
+                  </p:par>
+                  <p:par>
+                    <p:cTn id="15" fill="hold">
+                      <p:stCondLst>
+                        <p:cond delay="indefinite"/>
+                      </p:stCondLst>
+                      <p:childTnLst>
+                        <p:par>
+                          <p:cTn id="16" fill="hold">
+                            <p:stCondLst>
+                              <p:cond delay="0"/>
+                            </p:stCondLst>
+                            <p:childTnLst>
+                              <p:par>
+                                <p:cTn id="17" presetID="53" presetClass="entr" presetSubtype="16" fill="hold" grpId="0" nodeType="clickEffect">
+                                  <p:stCondLst>
+                                    <p:cond delay="0"/>
+                                  </p:stCondLst>
+                                  <p:childTnLst>
+                                    <p:set>
+                                      <p:cBhvr>
+                                        <p:cTn id="18" dur="1" fill="hold">
+                                          <p:stCondLst>
+                                            <p:cond delay="0"/>
+                                          </p:stCondLst>
+                                        </p:cTn>
+                                        <p:tgtEl>
+                                          <p:spTgt spid="7"/>
+                                        </p:tgtEl>
+                                        <p:attrNameLst>
+                                          <p:attrName>style.visibility</p:attrName>
+                                        </p:attrNameLst>
+                                      </p:cBhvr>
+                                      <p:to>
+                                        <p:strVal val="visible"/>
+                                      </p:to>
+                                    </p:set>
+                                    <p:anim calcmode="lin" valueType="num">
+                                      <p:cBhvr>
+                                        <p:cTn id="19" dur="500" fill="hold"/>
+                                        <p:tgtEl>
+                                          <p:spTgt spid="7"/>
+                                        </p:tgtEl>
+                                        <p:attrNameLst>
+                                          <p:attrName>ppt_w</p:attrName>
+                                        </p:attrNameLst>
+                                      </p:cBhvr>
+                                      <p:tavLst>
+                                        <p:tav tm="0">
+                                          <p:val>
+                                            <p:fltVal val="0"/>
+                                          </p:val>
+                                        </p:tav>
+                                        <p:tav tm="100000">
+                                          <p:val>
+                                            <p:strVal val="#ppt_w"/>
+                                          </p:val>
+                                        </p:tav>
+                                      </p:tavLst>
+                                    </p:anim>
+                                    <p:anim calcmode="lin" valueType="num">
+                                      <p:cBhvr>
+                                        <p:cTn id="20" dur="500" fill="hold"/>
+                                        <p:tgtEl>
+                                          <p:spTgt spid="7"/>
+                                        </p:tgtEl>
+                                        <p:attrNameLst>
+                                          <p:attrName>ppt_h</p:attrName>
+                                        </p:attrNameLst>
+                                      </p:cBhvr>
+                                      <p:tavLst>
+                                        <p:tav tm="0">
+                                          <p:val>
+                                            <p:fltVal val="0"/>
+                                          </p:val>
+                                        </p:tav>
+                                        <p:tav tm="100000">
+                                          <p:val>
+                                            <p:strVal val="#ppt_h"/>
+                                          </p:val>
+                                        </p:tav>
+                                      </p:tavLst>
+                                    </p:anim>
+                                    <p:animEffect transition="in" filter="fade">
+                                      <p:cBhvr>
+                                        <p:cTn id="21" dur="500"/>
+                                        <p:tgtEl>
+                                          <p:spTgt spid="7"/>
+                                        </p:tgtEl>
+                                      </p:cBhvr>
+                                    </p:animEffect>
+                                  </p:childTnLst>
+                                </p:cTn>
+                              </p:par>
+                              <p:par>
+                                <p:cTn id="22" presetID="53" presetClass="entr" presetSubtype="16" fill="hold" grpId="0" nodeType="withEffect">
+                                  <p:stCondLst>
+                                    <p:cond delay="0"/>
+                                  </p:stCondLst>
+                                  <p:childTnLst>
+                                    <p:set>
+                                      <p:cBhvr>
+                                        <p:cTn id="23" dur="1" fill="hold">
+                                          <p:stCondLst>
+                                            <p:cond delay="0"/>
+                                          </p:stCondLst>
+                                        </p:cTn>
+                                        <p:tgtEl>
+                                          <p:spTgt spid="8"/>
+                                        </p:tgtEl>
+                                        <p:attrNameLst>
+                                          <p:attrName>style.visibility</p:attrName>
+                                        </p:attrNameLst>
+                                      </p:cBhvr>
+                                      <p:to>
+                                        <p:strVal val="visible"/>
+                                      </p:to>
+                                    </p:set>
+                                    <p:anim calcmode="lin" valueType="num">
+                                      <p:cBhvr>
+                                        <p:cTn id="24" dur="500" fill="hold"/>
+                                        <p:tgtEl>
+                                          <p:spTgt spid="8"/>
+                                        </p:tgtEl>
+                                        <p:attrNameLst>
+                                          <p:attrName>ppt_w</p:attrName>
+                                        </p:attrNameLst>
+                                      </p:cBhvr>
+                                      <p:tavLst>
+                                        <p:tav tm="0">
+                                          <p:val>
+                                            <p:fltVal val="0"/>
+                                          </p:val>
+                                        </p:tav>
+                                        <p:tav tm="100000">
+                                          <p:val>
+                                            <p:strVal val="#ppt_w"/>
+                                          </p:val>
+                                        </p:tav>
+                                      </p:tavLst>
+                                    </p:anim>
+                                    <p:anim calcmode="lin" valueType="num">
+                                      <p:cBhvr>
+                                        <p:cTn id="25" dur="500" fill="hold"/>
+                                        <p:tgtEl>
+                                          <p:spTgt spid="8"/>
+                                        </p:tgtEl>
+                                        <p:attrNameLst>
+                                          <p:attrName>ppt_h</p:attrName>
+                                        </p:attrNameLst>
+                                      </p:cBhvr>
+                                      <p:tavLst>
+                                        <p:tav tm="0">
+                                          <p:val>
+                                            <p:fltVal val="0"/>
+                                          </p:val>
+                                        </p:tav>
+                                        <p:tav tm="100000">
+                                          <p:val>
+                                            <p:strVal val="#ppt_h"/>
+                                          </p:val>
+                                        </p:tav>
+                                      </p:tavLst>
+                                    </p:anim>
+                                    <p:animEffect transition="in" filter="fade">
+                                      <p:cBhvr>
+                                        <p:cTn id="26" dur="500"/>
+                                        <p:tgtEl>
+                                          <p:spTgt spid="8"/>
+                                        </p:tgtEl>
+                                      </p:cBhvr>
+                                    </p:animEffect>
+                                  </p:childTnLst>
+                                </p:cTn>
+                              </p:par>
+                            </p:childTnLst>
+                          </p:cTn>
+                        </p:par>
+                      </p:childTnLst>
+                    </p:cTn>
+                  </p:par>
+                  <p:par>
+                    <p:cTn id="27" fill="hold">
+                      <p:stCondLst>
+                        <p:cond delay="indefinite"/>
+                      </p:stCondLst>
+                      <p:childTnLst>
+                        <p:par>
+                          <p:cTn id="28" fill="hold">
+                            <p:stCondLst>
+                              <p:cond delay="0"/>
+                            </p:stCondLst>
+                            <p:childTnLst>
+                              <p:par>
+                                <p:cTn id="29" presetID="53" presetClass="entr" presetSubtype="16" fill="hold" grpId="0" nodeType="clickEffect">
+                                  <p:stCondLst>
+                                    <p:cond delay="0"/>
+                                  </p:stCondLst>
+                                  <p:childTnLst>
+                                    <p:set>
+                                      <p:cBhvr>
+                                        <p:cTn id="30" dur="1" fill="hold">
+                                          <p:stCondLst>
+                                            <p:cond delay="0"/>
+                                          </p:stCondLst>
+                                        </p:cTn>
+                                        <p:tgtEl>
+                                          <p:spTgt spid="9"/>
+                                        </p:tgtEl>
+                                        <p:attrNameLst>
+                                          <p:attrName>style.visibility</p:attrName>
+                                        </p:attrNameLst>
+                                      </p:cBhvr>
+                                      <p:to>
+                                        <p:strVal val="visible"/>
+                                      </p:to>
+                                    </p:set>
+                                    <p:anim calcmode="lin" valueType="num">
+                                      <p:cBhvr>
+                                        <p:cTn id="31" dur="500" fill="hold"/>
+                                        <p:tgtEl>
+                                          <p:spTgt spid="9"/>
+                                        </p:tgtEl>
+                                        <p:attrNameLst>
+                                          <p:attrName>ppt_w</p:attrName>
+                                        </p:attrNameLst>
+                                      </p:cBhvr>
+                                      <p:tavLst>
+                                        <p:tav tm="0">
+                                          <p:val>
+                                            <p:fltVal val="0"/>
+                                          </p:val>
+                                        </p:tav>
+                                        <p:tav tm="100000">
+                                          <p:val>
+                                            <p:strVal val="#ppt_w"/>
+                                          </p:val>
+                                        </p:tav>
+                                      </p:tavLst>
+                                    </p:anim>
+                                    <p:anim calcmode="lin" valueType="num">
+                                      <p:cBhvr>
+                                        <p:cTn id="32" dur="500" fill="hold"/>
+                                        <p:tgtEl>
+                                          <p:spTgt spid="9"/>
+                                        </p:tgtEl>
+                                        <p:attrNameLst>
+                                          <p:attrName>ppt_h</p:attrName>
+                                        </p:attrNameLst>
+                                      </p:cBhvr>
+                                      <p:tavLst>
+                                        <p:tav tm="0">
+                                          <p:val>
+                                            <p:fltVal val="0"/>
+                                          </p:val>
+                                        </p:tav>
+                                        <p:tav tm="100000">
+                                          <p:val>
+                                            <p:strVal val="#ppt_h"/>
+                                          </p:val>
+                                        </p:tav>
+                                      </p:tavLst>
+                                    </p:anim>
+                                    <p:animEffect transition="in" filter="fade">
+                                      <p:cBhvr>
+                                        <p:cTn id="33" dur="500"/>
+                                        <p:tgtEl>
+                                          <p:spTgt spid="9"/>
+                                        </p:tgtEl>
+                                      </p:cBhvr>
+                                    </p:animEffect>
+                                  </p:childTnLst>
+                                </p:cTn>
+                              </p:par>
+                            </p:childTnLst>
+                          </p:cTn>
+                        </p:par>
+                      </p:childTnLst>
+                    </p:cTn>
+                  </p:par>
+                  <p:par>
+                    <p:cTn id="34" fill="hold">
+                      <p:stCondLst>
+                        <p:cond delay="indefinite"/>
+                      </p:stCondLst>
+                      <p:childTnLst>
+                        <p:par>
+                          <p:cTn id="35" fill="hold">
+                            <p:stCondLst>
+                              <p:cond delay="0"/>
+                            </p:stCondLst>
+                            <p:childTnLst>
+                              <p:par>
+                                <p:cTn id="36" presetID="53" presetClass="entr" presetSubtype="16" fill="hold" nodeType="clickEffect">
+                                  <p:stCondLst>
+                                    <p:cond delay="0"/>
+                                  </p:stCondLst>
+                                  <p:childTnLst>
+                                    <p:set>
+                                      <p:cBhvr>
+                                        <p:cTn id="37" dur="1" fill="hold">
+                                          <p:stCondLst>
+                                            <p:cond delay="0"/>
+                                          </p:stCondLst>
+                                        </p:cTn>
+                                        <p:tgtEl>
+                                          <p:spTgt spid="4"/>
+                                        </p:tgtEl>
+                                        <p:attrNameLst>
+                                          <p:attrName>style.visibility</p:attrName>
+                                        </p:attrNameLst>
+                                      </p:cBhvr>
+                                      <p:to>
+                                        <p:strVal val="visible"/>
+                                      </p:to>
+                                    </p:set>
+                                    <p:anim calcmode="lin" valueType="num">
+                                      <p:cBhvr>
+                                        <p:cTn id="38" dur="500" fill="hold"/>
+                                        <p:tgtEl>
+                                          <p:spTgt spid="4"/>
+                                        </p:tgtEl>
+                                        <p:attrNameLst>
+                                          <p:attrName>ppt_w</p:attrName>
+                                        </p:attrNameLst>
+                                      </p:cBhvr>
+                                      <p:tavLst>
+                                        <p:tav tm="0">
+                                          <p:val>
+                                            <p:fltVal val="0"/>
+                                          </p:val>
+                                        </p:tav>
+                                        <p:tav tm="100000">
+                                          <p:val>
+                                            <p:strVal val="#ppt_w"/>
+                                          </p:val>
+                                        </p:tav>
+                                      </p:tavLst>
+                                    </p:anim>
+                                    <p:anim calcmode="lin" valueType="num">
+                                      <p:cBhvr>
+                                        <p:cTn id="39" dur="500" fill="hold"/>
+                                        <p:tgtEl>
+                                          <p:spTgt spid="4"/>
+                                        </p:tgtEl>
+                                        <p:attrNameLst>
+                                          <p:attrName>ppt_h</p:attrName>
+                                        </p:attrNameLst>
+                                      </p:cBhvr>
+                                      <p:tavLst>
+                                        <p:tav tm="0">
+                                          <p:val>
+                                            <p:fltVal val="0"/>
+                                          </p:val>
+                                        </p:tav>
+                                        <p:tav tm="100000">
+                                          <p:val>
+                                            <p:strVal val="#ppt_h"/>
+                                          </p:val>
+                                        </p:tav>
+                                      </p:tavLst>
+                                    </p:anim>
+                                    <p:animEffect transition="in" filter="fade">
+                                      <p:cBhvr>
+                                        <p:cTn id="40" dur="500"/>
+                                        <p:tgtEl>
+                                          <p:spTgt spid="4"/>
+                                        </p:tgtEl>
+                                      </p:cBhvr>
+                                    </p:animEffect>
+                                  </p:childTnLst>
+                                </p:cTn>
+                              </p:par>
+                            </p:childTnLst>
+                          </p:cTn>
+                        </p:par>
+                      </p:childTnLst>
+                    </p:cTn>
+                  </p:par>
+                </p:childTnLst>
+              </p:cTn>
+              <p:prevCondLst>
+                <p:cond evt="onPrev" delay="0">
+                  <p:tgtEl>
+                    <p:sldTgt/>
+                  </p:tgtEl>
+                </p:cond>
+              </p:prevCondLst>
+              <p:nextCondLst>
+                <p:cond evt="onNext" delay="0">
+                  <p:tgtEl>
+                    <p:sldTgt/>
+                  </p:tgtEl>
+                </p:cond>
+              </p:nextCondLst>
+            </p:seq>
+          </p:childTnLst>
+        </p:cTn>
+      </p:par>
+    </p:tnLst>
+    <p:bldLst>
+      <p:bldP spid="5" grpId="0" animBg="1"/>
+      <p:bldP spid="6" grpId="0"/>
+      <p:bldP spid="7" grpId="0" animBg="1"/>
+      <p:bldP spid="8" grpId="0"/>
+      <p:bldP spid="9" grpId="0"/>
+    </p:bldLst>
+  </p:timing>
 </p:sld>
 </file>
 
